--- a/2025-03-31/03_ESPHome ZoneGuard.pptx
+++ b/2025-03-31/03_ESPHome ZoneGuard.pptx
@@ -5,10 +5,10 @@
     <p:sldMasterId id="2147483686" r:id="rId1"/>
   </p:sldMasterIdLst>
   <p:notesMasterIdLst>
-    <p:notesMasterId r:id="rId39"/>
+    <p:notesMasterId r:id="rId40"/>
   </p:notesMasterIdLst>
   <p:handoutMasterIdLst>
-    <p:handoutMasterId r:id="rId40"/>
+    <p:handoutMasterId r:id="rId41"/>
   </p:handoutMasterIdLst>
   <p:sldIdLst>
     <p:sldId id="1197" r:id="rId2"/>
@@ -16,38 +16,39 @@
     <p:sldId id="1337" r:id="rId4"/>
     <p:sldId id="1269" r:id="rId5"/>
     <p:sldId id="1294" r:id="rId6"/>
-    <p:sldId id="1299" r:id="rId7"/>
-    <p:sldId id="1300" r:id="rId8"/>
-    <p:sldId id="1271" r:id="rId9"/>
-    <p:sldId id="1295" r:id="rId10"/>
-    <p:sldId id="1272" r:id="rId11"/>
-    <p:sldId id="1326" r:id="rId12"/>
-    <p:sldId id="1297" r:id="rId13"/>
-    <p:sldId id="1302" r:id="rId14"/>
-    <p:sldId id="1303" r:id="rId15"/>
-    <p:sldId id="1304" r:id="rId16"/>
-    <p:sldId id="1278" r:id="rId17"/>
-    <p:sldId id="1298" r:id="rId18"/>
-    <p:sldId id="1296" r:id="rId19"/>
-    <p:sldId id="1301" r:id="rId20"/>
-    <p:sldId id="1279" r:id="rId21"/>
-    <p:sldId id="1280" r:id="rId22"/>
-    <p:sldId id="1281" r:id="rId23"/>
-    <p:sldId id="1282" r:id="rId24"/>
-    <p:sldId id="1284" r:id="rId25"/>
-    <p:sldId id="1289" r:id="rId26"/>
-    <p:sldId id="1305" r:id="rId27"/>
-    <p:sldId id="1290" r:id="rId28"/>
-    <p:sldId id="1327" r:id="rId29"/>
-    <p:sldId id="1330" r:id="rId30"/>
-    <p:sldId id="1328" r:id="rId31"/>
-    <p:sldId id="1329" r:id="rId32"/>
-    <p:sldId id="1292" r:id="rId33"/>
-    <p:sldId id="1331" r:id="rId34"/>
-    <p:sldId id="1332" r:id="rId35"/>
-    <p:sldId id="1333" r:id="rId36"/>
-    <p:sldId id="1334" r:id="rId37"/>
-    <p:sldId id="1335" r:id="rId38"/>
+    <p:sldId id="1338" r:id="rId7"/>
+    <p:sldId id="1299" r:id="rId8"/>
+    <p:sldId id="1300" r:id="rId9"/>
+    <p:sldId id="1271" r:id="rId10"/>
+    <p:sldId id="1295" r:id="rId11"/>
+    <p:sldId id="1272" r:id="rId12"/>
+    <p:sldId id="1326" r:id="rId13"/>
+    <p:sldId id="1297" r:id="rId14"/>
+    <p:sldId id="1302" r:id="rId15"/>
+    <p:sldId id="1303" r:id="rId16"/>
+    <p:sldId id="1304" r:id="rId17"/>
+    <p:sldId id="1278" r:id="rId18"/>
+    <p:sldId id="1298" r:id="rId19"/>
+    <p:sldId id="1296" r:id="rId20"/>
+    <p:sldId id="1301" r:id="rId21"/>
+    <p:sldId id="1279" r:id="rId22"/>
+    <p:sldId id="1280" r:id="rId23"/>
+    <p:sldId id="1281" r:id="rId24"/>
+    <p:sldId id="1282" r:id="rId25"/>
+    <p:sldId id="1284" r:id="rId26"/>
+    <p:sldId id="1289" r:id="rId27"/>
+    <p:sldId id="1305" r:id="rId28"/>
+    <p:sldId id="1290" r:id="rId29"/>
+    <p:sldId id="1327" r:id="rId30"/>
+    <p:sldId id="1330" r:id="rId31"/>
+    <p:sldId id="1328" r:id="rId32"/>
+    <p:sldId id="1329" r:id="rId33"/>
+    <p:sldId id="1292" r:id="rId34"/>
+    <p:sldId id="1331" r:id="rId35"/>
+    <p:sldId id="1332" r:id="rId36"/>
+    <p:sldId id="1333" r:id="rId37"/>
+    <p:sldId id="1334" r:id="rId38"/>
+    <p:sldId id="1335" r:id="rId39"/>
   </p:sldIdLst>
   <p:sldSz cx="9144000" cy="6858000" type="screen4x3"/>
   <p:notesSz cx="6797675" cy="9926638"/>
@@ -947,7 +948,7 @@
               <a:pPr>
                 <a:defRPr/>
               </a:pPr>
-              <a:t>11</a:t>
+              <a:t>12</a:t>
             </a:fld>
             <a:endParaRPr lang="de-AT"/>
           </a:p>
@@ -1820,7 +1821,7 @@
               <a:pPr>
                 <a:defRPr/>
               </a:pPr>
-              <a:t>12</a:t>
+              <a:t>13</a:t>
             </a:fld>
             <a:endParaRPr lang="de-AT"/>
           </a:p>
@@ -2931,7 +2932,7 @@
               <a:pPr>
                 <a:defRPr/>
               </a:pPr>
-              <a:t>37</a:t>
+              <a:t>38</a:t>
             </a:fld>
             <a:endParaRPr lang="de-AT"/>
           </a:p>
@@ -4404,7 +4405,7 @@
           <p:cNvPr id="2" name="Titel 1">
             <a:extLst>
               <a:ext uri="{FF2B5EF4-FFF2-40B4-BE49-F238E27FC236}">
-                <a16:creationId xmlns:a16="http://schemas.microsoft.com/office/drawing/2014/main" id="{69AFA599-D586-C9D4-056D-4CFBDFAEA2BC}"/>
+                <a16:creationId xmlns:a16="http://schemas.microsoft.com/office/drawing/2014/main" id="{6A6CCEDE-5C47-FEFF-8FF7-65CFAA958BE6}"/>
               </a:ext>
             </a:extLst>
           </p:cNvPr>
@@ -4421,12 +4422,8 @@
           <a:lstStyle/>
           <a:p>
             <a:r>
-              <a:rPr lang="de-AT" dirty="0" err="1"/>
-              <a:t>ESPHome</a:t>
-            </a:r>
-            <a:r>
-              <a:rPr lang="de-AT" dirty="0"/>
-              <a:t> CLI </a:t>
+              <a:rPr lang="de-AT" dirty="0"/>
+              <a:t>Zonenwächter</a:t>
             </a:r>
           </a:p>
         </p:txBody>
@@ -4436,7 +4433,7 @@
           <p:cNvPr id="3" name="Textplatzhalter 2">
             <a:extLst>
               <a:ext uri="{FF2B5EF4-FFF2-40B4-BE49-F238E27FC236}">
-                <a16:creationId xmlns:a16="http://schemas.microsoft.com/office/drawing/2014/main" id="{359D8228-4A1B-669B-5EB5-1D63A54DE154}"/>
+                <a16:creationId xmlns:a16="http://schemas.microsoft.com/office/drawing/2014/main" id="{A550B829-6E93-04FD-0C40-D2F7153D4B80}"/>
               </a:ext>
             </a:extLst>
           </p:cNvPr>
@@ -4447,63 +4444,50 @@
             <p:ph type="body" sz="quarter" idx="10"/>
           </p:nvPr>
         </p:nvSpPr>
-        <p:spPr>
-          <a:xfrm>
-            <a:off x="468313" y="1052736"/>
-            <a:ext cx="8207375" cy="4608165"/>
-          </a:xfrm>
-        </p:spPr>
+        <p:spPr/>
         <p:txBody>
           <a:bodyPr/>
           <a:lstStyle/>
           <a:p>
             <a:r>
               <a:rPr lang="de-AT" dirty="0"/>
-              <a:t>Verzeichnis für Beispiele anlegen</a:t>
-            </a:r>
-          </a:p>
-          <a:p>
-            <a:r>
-              <a:rPr lang="de-AT" dirty="0"/>
-              <a:t>Datei </a:t>
-            </a:r>
-            <a:r>
-              <a:rPr lang="de-AT" dirty="0" err="1"/>
-              <a:t>secrets.yam</a:t>
-            </a:r>
-            <a:r>
-              <a:rPr lang="de-AT" dirty="0"/>
-              <a:t> verwaltet </a:t>
-            </a:r>
-            <a:r>
-              <a:rPr lang="de-AT" dirty="0" err="1"/>
-              <a:t>Permissions</a:t>
-            </a:r>
-            <a:endParaRPr lang="de-AT" dirty="0"/>
+              <a:t>Wird eine Person erkannt, leuchtet die LED grün</a:t>
+            </a:r>
+          </a:p>
+          <a:p>
+            <a:r>
+              <a:rPr lang="de-AT" dirty="0"/>
+              <a:t>Befindet sich die Person im Bereich 50cm – 100cm Entfernung, leuchtet die LED rot</a:t>
+            </a:r>
+          </a:p>
+          <a:p>
+            <a:r>
+              <a:rPr lang="de-AT" dirty="0"/>
+              <a:t>Schaltung des ESP32 entsprechend der verwendeten Module </a:t>
+            </a:r>
           </a:p>
           <a:p>
             <a:pPr lvl="1"/>
             <a:r>
               <a:rPr lang="de-AT" dirty="0"/>
-              <a:t>Liegt als s3cr3ts.yaml auf </a:t>
-            </a:r>
-            <a:r>
-              <a:rPr lang="de-AT" dirty="0" err="1"/>
-              <a:t>Github</a:t>
-            </a:r>
-            <a:endParaRPr lang="de-AT" dirty="0"/>
-          </a:p>
-          <a:p>
-            <a:endParaRPr lang="de-AT" dirty="0"/>
+              <a:t>Vorsicht: 5V nur bei LD2410B</a:t>
+            </a:r>
+          </a:p>
+          <a:p>
+            <a:pPr lvl="1"/>
+            <a:r>
+              <a:rPr lang="de-AT" dirty="0"/>
+              <a:t>Bitte vom Nachbarn kontrollieren lassen</a:t>
+            </a:r>
           </a:p>
         </p:txBody>
       </p:sp>
       <p:sp>
         <p:nvSpPr>
-          <p:cNvPr id="6" name="Textfeld 5">
-            <a:extLst>
-              <a:ext uri="{FF2B5EF4-FFF2-40B4-BE49-F238E27FC236}">
-                <a16:creationId xmlns:a16="http://schemas.microsoft.com/office/drawing/2014/main" id="{C650E654-7718-C15E-E0E3-78EE9454F9C9}"/>
+          <p:cNvPr id="4" name="Textfeld 3">
+            <a:extLst>
+              <a:ext uri="{FF2B5EF4-FFF2-40B4-BE49-F238E27FC236}">
+                <a16:creationId xmlns:a16="http://schemas.microsoft.com/office/drawing/2014/main" id="{81DFC564-5526-BF27-982E-E213D9876D00}"/>
               </a:ext>
             </a:extLst>
           </p:cNvPr>
@@ -4661,40 +4645,10 @@
           </a:p>
         </p:txBody>
       </p:sp>
-      <p:pic>
-        <p:nvPicPr>
-          <p:cNvPr id="7" name="Grafik 6">
-            <a:extLst>
-              <a:ext uri="{FF2B5EF4-FFF2-40B4-BE49-F238E27FC236}">
-                <a16:creationId xmlns:a16="http://schemas.microsoft.com/office/drawing/2014/main" id="{CAAA1658-2491-9E6D-B6A3-CE7DA1061132}"/>
-              </a:ext>
-            </a:extLst>
-          </p:cNvPr>
-          <p:cNvPicPr>
-            <a:picLocks noChangeAspect="1"/>
-          </p:cNvPicPr>
-          <p:nvPr/>
-        </p:nvPicPr>
-        <p:blipFill>
-          <a:blip r:embed="rId2"/>
-          <a:stretch>
-            <a:fillRect/>
-          </a:stretch>
-        </p:blipFill>
-        <p:spPr>
-          <a:xfrm>
-            <a:off x="1331640" y="2830725"/>
-            <a:ext cx="5717931" cy="2824100"/>
-          </a:xfrm>
-          <a:prstGeom prst="rect">
-            <a:avLst/>
-          </a:prstGeom>
-        </p:spPr>
-      </p:pic>
     </p:spTree>
     <p:extLst>
       <p:ext uri="{BB962C8B-B14F-4D97-AF65-F5344CB8AC3E}">
-        <p14:creationId xmlns:p14="http://schemas.microsoft.com/office/powerpoint/2010/main" val="3694185104"/>
+        <p14:creationId xmlns:p14="http://schemas.microsoft.com/office/powerpoint/2010/main" val="2790997329"/>
       </p:ext>
     </p:extLst>
   </p:cSld>
@@ -4726,7 +4680,7 @@
           <p:cNvPr id="2" name="Titel 1">
             <a:extLst>
               <a:ext uri="{FF2B5EF4-FFF2-40B4-BE49-F238E27FC236}">
-                <a16:creationId xmlns:a16="http://schemas.microsoft.com/office/drawing/2014/main" id="{F7433EB0-6770-6455-24BE-61DE187B8604}"/>
+                <a16:creationId xmlns:a16="http://schemas.microsoft.com/office/drawing/2014/main" id="{69AFA599-D586-C9D4-056D-4CFBDFAEA2BC}"/>
               </a:ext>
             </a:extLst>
           </p:cNvPr>
@@ -4744,11 +4698,11 @@
           <a:p>
             <a:r>
               <a:rPr lang="de-AT" dirty="0" err="1"/>
-              <a:t>EspHome</a:t>
-            </a:r>
-            <a:r>
-              <a:rPr lang="de-AT" dirty="0"/>
-              <a:t> CLI</a:t>
+              <a:t>ESPHome</a:t>
+            </a:r>
+            <a:r>
+              <a:rPr lang="de-AT" dirty="0"/>
+              <a:t> CLI </a:t>
             </a:r>
           </a:p>
         </p:txBody>
@@ -4758,7 +4712,7 @@
           <p:cNvPr id="3" name="Textplatzhalter 2">
             <a:extLst>
               <a:ext uri="{FF2B5EF4-FFF2-40B4-BE49-F238E27FC236}">
-                <a16:creationId xmlns:a16="http://schemas.microsoft.com/office/drawing/2014/main" id="{93BFD776-BA06-6B4B-136B-357C2A45341A}"/>
+                <a16:creationId xmlns:a16="http://schemas.microsoft.com/office/drawing/2014/main" id="{359D8228-4A1B-669B-5EB5-1D63A54DE154}"/>
               </a:ext>
             </a:extLst>
           </p:cNvPr>
@@ -4771,7 +4725,7 @@
         </p:nvSpPr>
         <p:spPr>
           <a:xfrm>
-            <a:off x="468313" y="1124744"/>
+            <a:off x="468313" y="1052736"/>
             <a:ext cx="8207375" cy="4608165"/>
           </a:xfrm>
         </p:spPr>
@@ -4781,2070 +4735,51 @@
           <a:p>
             <a:r>
               <a:rPr lang="de-AT" dirty="0"/>
-              <a:t>Wenn Installation über Web-Serial Probleme macht</a:t>
-            </a:r>
+              <a:t>Verzeichnis für Beispiele anlegen</a:t>
+            </a:r>
+          </a:p>
+          <a:p>
+            <a:r>
+              <a:rPr lang="de-AT" dirty="0"/>
+              <a:t>Datei </a:t>
+            </a:r>
+            <a:r>
+              <a:rPr lang="de-AT" dirty="0" err="1"/>
+              <a:t>secrets.yam</a:t>
+            </a:r>
+            <a:r>
+              <a:rPr lang="de-AT" dirty="0"/>
+              <a:t> verwaltet </a:t>
+            </a:r>
+            <a:r>
+              <a:rPr lang="de-AT" dirty="0" err="1"/>
+              <a:t>Permissions</a:t>
+            </a:r>
+            <a:endParaRPr lang="de-AT" dirty="0"/>
           </a:p>
           <a:p>
             <a:pPr lvl="1"/>
             <a:r>
               <a:rPr lang="de-AT" dirty="0"/>
-              <a:t>Schlechte Beobachtbarkeit des Ablaufs</a:t>
-            </a:r>
-          </a:p>
-          <a:p>
-            <a:r>
-              <a:rPr lang="de-AT" dirty="0"/>
-              <a:t>Installation</a:t>
-            </a:r>
-          </a:p>
-          <a:p>
-            <a:pPr lvl="1"/>
-            <a:r>
-              <a:rPr lang="de-AT" dirty="0">
-                <a:hlinkClick r:id="rId3"/>
-              </a:rPr>
-              <a:t>https://esphome.io/guides/installing_esphome</a:t>
-            </a:r>
-            <a:r>
-              <a:rPr lang="de-AT" dirty="0"/>
-              <a:t>  </a:t>
-            </a:r>
-          </a:p>
-          <a:p>
-            <a:pPr lvl="1"/>
-            <a:r>
-              <a:rPr lang="de-AT" dirty="0"/>
-              <a:t>pip3 </a:t>
-            </a:r>
-            <a:r>
-              <a:rPr lang="de-AT" dirty="0" err="1"/>
-              <a:t>install</a:t>
-            </a:r>
-            <a:r>
-              <a:rPr lang="de-AT" dirty="0"/>
-              <a:t> </a:t>
-            </a:r>
-            <a:r>
-              <a:rPr lang="de-AT" dirty="0" err="1"/>
-              <a:t>esphome</a:t>
+              <a:t>Liegt als s3cr3ts.yaml auf </a:t>
+            </a:r>
+            <a:r>
+              <a:rPr lang="de-AT" dirty="0" err="1"/>
+              <a:t>Github</a:t>
             </a:r>
             <a:endParaRPr lang="de-AT" dirty="0"/>
           </a:p>
           <a:p>
-            <a:pPr lvl="1"/>
-            <a:r>
-              <a:rPr lang="de-AT" dirty="0"/>
-              <a:t>Update: </a:t>
-            </a:r>
-            <a:r>
-              <a:rPr lang="de-AT" b="0" i="0" dirty="0">
-                <a:solidFill>
-                  <a:srgbClr val="222222"/>
-                </a:solidFill>
-                <a:effectLst/>
-                <a:latin typeface="Arial" panose="020B0604020202020204" pitchFamily="34" charset="0"/>
-              </a:rPr>
-              <a:t>pip3 </a:t>
-            </a:r>
-            <a:r>
-              <a:rPr lang="de-AT" b="0" i="0" dirty="0" err="1">
-                <a:solidFill>
-                  <a:srgbClr val="222222"/>
-                </a:solidFill>
-                <a:effectLst/>
-                <a:latin typeface="Arial" panose="020B0604020202020204" pitchFamily="34" charset="0"/>
-              </a:rPr>
-              <a:t>install</a:t>
-            </a:r>
-            <a:r>
-              <a:rPr lang="de-AT" b="0" i="0" dirty="0">
-                <a:solidFill>
-                  <a:srgbClr val="222222"/>
-                </a:solidFill>
-                <a:effectLst/>
-                <a:latin typeface="Arial" panose="020B0604020202020204" pitchFamily="34" charset="0"/>
-              </a:rPr>
-              <a:t> </a:t>
-            </a:r>
-            <a:r>
-              <a:rPr lang="de-AT" b="0" i="0" dirty="0" err="1">
-                <a:solidFill>
-                  <a:srgbClr val="222222"/>
-                </a:solidFill>
-                <a:effectLst/>
-                <a:latin typeface="Arial" panose="020B0604020202020204" pitchFamily="34" charset="0"/>
-              </a:rPr>
-              <a:t>esphome</a:t>
-            </a:r>
-            <a:r>
-              <a:rPr lang="de-AT" b="0" i="0" dirty="0">
-                <a:solidFill>
-                  <a:srgbClr val="222222"/>
-                </a:solidFill>
-                <a:effectLst/>
-                <a:latin typeface="Arial" panose="020B0604020202020204" pitchFamily="34" charset="0"/>
-              </a:rPr>
-              <a:t> -U</a:t>
-            </a:r>
             <a:endParaRPr lang="de-AT" dirty="0"/>
           </a:p>
-          <a:p>
-            <a:pPr lvl="1"/>
-            <a:endParaRPr lang="de-AT" dirty="0"/>
-          </a:p>
-          <a:p>
-            <a:r>
-              <a:rPr lang="de-AT" dirty="0"/>
-              <a:t>Ergebnis</a:t>
-            </a:r>
-          </a:p>
-          <a:p>
-            <a:endParaRPr lang="de-AT" dirty="0"/>
-          </a:p>
         </p:txBody>
       </p:sp>
-      <p:pic>
-        <p:nvPicPr>
-          <p:cNvPr id="5" name="Grafik 4">
-            <a:extLst>
-              <a:ext uri="{FF2B5EF4-FFF2-40B4-BE49-F238E27FC236}">
-                <a16:creationId xmlns:a16="http://schemas.microsoft.com/office/drawing/2014/main" id="{ECB48A5E-8386-3A75-71A5-A61C43355B18}"/>
-              </a:ext>
-            </a:extLst>
-          </p:cNvPr>
-          <p:cNvPicPr>
-            <a:picLocks noChangeAspect="1"/>
-          </p:cNvPicPr>
-          <p:nvPr/>
-        </p:nvPicPr>
-        <p:blipFill>
-          <a:blip r:embed="rId4"/>
-          <a:stretch>
-            <a:fillRect/>
-          </a:stretch>
-        </p:blipFill>
-        <p:spPr>
-          <a:xfrm>
-            <a:off x="611560" y="5157192"/>
-            <a:ext cx="7868132" cy="575717"/>
-          </a:xfrm>
-          <a:prstGeom prst="rect">
-            <a:avLst/>
-          </a:prstGeom>
-        </p:spPr>
-      </p:pic>
-    </p:spTree>
-    <p:extLst>
-      <p:ext uri="{BB962C8B-B14F-4D97-AF65-F5344CB8AC3E}">
-        <p14:creationId xmlns:p14="http://schemas.microsoft.com/office/powerpoint/2010/main" val="2981123860"/>
-      </p:ext>
-    </p:extLst>
-  </p:cSld>
-  <p:clrMapOvr>
-    <a:masterClrMapping/>
-  </p:clrMapOvr>
-</p:sld>
-</file>
-
-<file path=ppt/slides/slide12.xml><?xml version="1.0" encoding="utf-8"?>
-<p:sld xmlns:a="http://schemas.openxmlformats.org/drawingml/2006/main" xmlns:r="http://schemas.openxmlformats.org/officeDocument/2006/relationships" xmlns:p="http://schemas.openxmlformats.org/presentationml/2006/main">
-  <p:cSld>
-    <p:spTree>
-      <p:nvGrpSpPr>
-        <p:cNvPr id="1" name=""/>
-        <p:cNvGrpSpPr/>
-        <p:nvPr/>
-      </p:nvGrpSpPr>
-      <p:grpSpPr>
-        <a:xfrm>
-          <a:off x="0" y="0"/>
-          <a:ext cx="0" cy="0"/>
-          <a:chOff x="0" y="0"/>
-          <a:chExt cx="0" cy="0"/>
-        </a:xfrm>
-      </p:grpSpPr>
-      <p:sp>
-        <p:nvSpPr>
-          <p:cNvPr id="2" name="Titel 1">
-            <a:extLst>
-              <a:ext uri="{FF2B5EF4-FFF2-40B4-BE49-F238E27FC236}">
-                <a16:creationId xmlns:a16="http://schemas.microsoft.com/office/drawing/2014/main" id="{2E0A31ED-9911-464C-6FAB-CD1A8A4BA6EC}"/>
-              </a:ext>
-            </a:extLst>
-          </p:cNvPr>
-          <p:cNvSpPr>
-            <a:spLocks noGrp="1"/>
-          </p:cNvSpPr>
-          <p:nvPr>
-            <p:ph type="title"/>
-          </p:nvPr>
-        </p:nvSpPr>
-        <p:spPr/>
-        <p:txBody>
-          <a:bodyPr/>
-          <a:lstStyle/>
-          <a:p>
-            <a:r>
-              <a:rPr lang="de-AT" dirty="0" err="1"/>
-              <a:t>zone_guard.yaml</a:t>
-            </a:r>
-            <a:r>
-              <a:rPr lang="de-AT" dirty="0"/>
-              <a:t> abhängig vom Modul</a:t>
-            </a:r>
-          </a:p>
-        </p:txBody>
-      </p:sp>
-      <p:sp>
-        <p:nvSpPr>
-          <p:cNvPr id="3" name="Textplatzhalter 2">
-            <a:extLst>
-              <a:ext uri="{FF2B5EF4-FFF2-40B4-BE49-F238E27FC236}">
-                <a16:creationId xmlns:a16="http://schemas.microsoft.com/office/drawing/2014/main" id="{9D2ABB80-519F-57A4-5DDD-586CADF174EC}"/>
-              </a:ext>
-            </a:extLst>
-          </p:cNvPr>
-          <p:cNvSpPr>
-            <a:spLocks noGrp="1"/>
-          </p:cNvSpPr>
-          <p:nvPr>
-            <p:ph type="body" sz="quarter" idx="10"/>
-          </p:nvPr>
-        </p:nvSpPr>
-        <p:spPr/>
-        <p:txBody>
-          <a:bodyPr/>
-          <a:lstStyle/>
-          <a:p>
-            <a:endParaRPr lang="de-AT"/>
-          </a:p>
-        </p:txBody>
-      </p:sp>
-      <p:pic>
-        <p:nvPicPr>
-          <p:cNvPr id="5" name="Grafik 4">
-            <a:extLst>
-              <a:ext uri="{FF2B5EF4-FFF2-40B4-BE49-F238E27FC236}">
-                <a16:creationId xmlns:a16="http://schemas.microsoft.com/office/drawing/2014/main" id="{30AC23C3-23C7-978C-E6BF-15629FCC8665}"/>
-              </a:ext>
-            </a:extLst>
-          </p:cNvPr>
-          <p:cNvPicPr>
-            <a:picLocks noChangeAspect="1"/>
-          </p:cNvPicPr>
-          <p:nvPr/>
-        </p:nvPicPr>
-        <p:blipFill>
-          <a:blip r:embed="rId3"/>
-          <a:stretch>
-            <a:fillRect/>
-          </a:stretch>
-        </p:blipFill>
-        <p:spPr>
-          <a:xfrm>
-            <a:off x="683568" y="1014991"/>
-            <a:ext cx="7258769" cy="5199073"/>
-          </a:xfrm>
-          <a:prstGeom prst="rect">
-            <a:avLst/>
-          </a:prstGeom>
-        </p:spPr>
-      </p:pic>
-    </p:spTree>
-    <p:extLst>
-      <p:ext uri="{BB962C8B-B14F-4D97-AF65-F5344CB8AC3E}">
-        <p14:creationId xmlns:p14="http://schemas.microsoft.com/office/powerpoint/2010/main" val="2103734650"/>
-      </p:ext>
-    </p:extLst>
-  </p:cSld>
-  <p:clrMapOvr>
-    <a:masterClrMapping/>
-  </p:clrMapOvr>
-</p:sld>
-</file>
-
-<file path=ppt/slides/slide13.xml><?xml version="1.0" encoding="utf-8"?>
-<p:sld xmlns:a="http://schemas.openxmlformats.org/drawingml/2006/main" xmlns:r="http://schemas.openxmlformats.org/officeDocument/2006/relationships" xmlns:p="http://schemas.openxmlformats.org/presentationml/2006/main">
-  <p:cSld>
-    <p:spTree>
-      <p:nvGrpSpPr>
-        <p:cNvPr id="1" name=""/>
-        <p:cNvGrpSpPr/>
-        <p:nvPr/>
-      </p:nvGrpSpPr>
-      <p:grpSpPr>
-        <a:xfrm>
-          <a:off x="0" y="0"/>
-          <a:ext cx="0" cy="0"/>
-          <a:chOff x="0" y="0"/>
-          <a:chExt cx="0" cy="0"/>
-        </a:xfrm>
-      </p:grpSpPr>
-      <p:sp>
-        <p:nvSpPr>
-          <p:cNvPr id="2" name="Titel 1">
-            <a:extLst>
-              <a:ext uri="{FF2B5EF4-FFF2-40B4-BE49-F238E27FC236}">
-                <a16:creationId xmlns:a16="http://schemas.microsoft.com/office/drawing/2014/main" id="{1CBC0C04-BD79-2DB0-AB94-B62DAFCE4ACF}"/>
-              </a:ext>
-            </a:extLst>
-          </p:cNvPr>
-          <p:cNvSpPr>
-            <a:spLocks noGrp="1"/>
-          </p:cNvSpPr>
-          <p:nvPr>
-            <p:ph type="title"/>
-          </p:nvPr>
-        </p:nvSpPr>
-        <p:spPr/>
-        <p:txBody>
-          <a:bodyPr/>
-          <a:lstStyle/>
-          <a:p>
-            <a:r>
-              <a:rPr lang="de-AT" dirty="0"/>
-              <a:t>esp32_template.yaml liegt auf GitHub</a:t>
-            </a:r>
-          </a:p>
-        </p:txBody>
-      </p:sp>
-      <p:sp>
-        <p:nvSpPr>
-          <p:cNvPr id="3" name="Textplatzhalter 2">
-            <a:extLst>
-              <a:ext uri="{FF2B5EF4-FFF2-40B4-BE49-F238E27FC236}">
-                <a16:creationId xmlns:a16="http://schemas.microsoft.com/office/drawing/2014/main" id="{35AF9763-9174-8BF1-03FC-2FCAFD069D16}"/>
-              </a:ext>
-            </a:extLst>
-          </p:cNvPr>
-          <p:cNvSpPr>
-            <a:spLocks noGrp="1"/>
-          </p:cNvSpPr>
-          <p:nvPr>
-            <p:ph type="body" sz="quarter" idx="10"/>
-          </p:nvPr>
-        </p:nvSpPr>
-        <p:spPr/>
-        <p:txBody>
-          <a:bodyPr/>
-          <a:lstStyle/>
-          <a:p>
-            <a:endParaRPr lang="de-AT" dirty="0"/>
-          </a:p>
-        </p:txBody>
-      </p:sp>
-      <p:pic>
-        <p:nvPicPr>
-          <p:cNvPr id="5" name="Grafik 4">
-            <a:extLst>
-              <a:ext uri="{FF2B5EF4-FFF2-40B4-BE49-F238E27FC236}">
-                <a16:creationId xmlns:a16="http://schemas.microsoft.com/office/drawing/2014/main" id="{F9146E53-91B2-9D2D-F9AC-553D9C5F5514}"/>
-              </a:ext>
-            </a:extLst>
-          </p:cNvPr>
-          <p:cNvPicPr>
-            <a:picLocks noChangeAspect="1"/>
-          </p:cNvPicPr>
-          <p:nvPr/>
-        </p:nvPicPr>
-        <p:blipFill>
-          <a:blip r:embed="rId2"/>
-          <a:stretch>
-            <a:fillRect/>
-          </a:stretch>
-        </p:blipFill>
-        <p:spPr>
-          <a:xfrm>
-            <a:off x="11113" y="829310"/>
-            <a:ext cx="3961711" cy="6028690"/>
-          </a:xfrm>
-          <a:prstGeom prst="rect">
-            <a:avLst/>
-          </a:prstGeom>
-        </p:spPr>
-      </p:pic>
-      <p:pic>
-        <p:nvPicPr>
-          <p:cNvPr id="7" name="Grafik 6">
-            <a:extLst>
-              <a:ext uri="{FF2B5EF4-FFF2-40B4-BE49-F238E27FC236}">
-                <a16:creationId xmlns:a16="http://schemas.microsoft.com/office/drawing/2014/main" id="{180754AE-F014-24C7-BB94-BBDEE1AB6AF0}"/>
-              </a:ext>
-            </a:extLst>
-          </p:cNvPr>
-          <p:cNvPicPr>
-            <a:picLocks noChangeAspect="1"/>
-          </p:cNvPicPr>
-          <p:nvPr/>
-        </p:nvPicPr>
-        <p:blipFill>
-          <a:blip r:embed="rId3"/>
-          <a:stretch>
-            <a:fillRect/>
-          </a:stretch>
-        </p:blipFill>
-        <p:spPr>
-          <a:xfrm>
-            <a:off x="4401431" y="948162"/>
-            <a:ext cx="4742569" cy="3364583"/>
-          </a:xfrm>
-          <a:prstGeom prst="rect">
-            <a:avLst/>
-          </a:prstGeom>
-        </p:spPr>
-      </p:pic>
-    </p:spTree>
-    <p:extLst>
-      <p:ext uri="{BB962C8B-B14F-4D97-AF65-F5344CB8AC3E}">
-        <p14:creationId xmlns:p14="http://schemas.microsoft.com/office/powerpoint/2010/main" val="644956354"/>
-      </p:ext>
-    </p:extLst>
-  </p:cSld>
-  <p:clrMapOvr>
-    <a:masterClrMapping/>
-  </p:clrMapOvr>
-</p:sld>
-</file>
-
-<file path=ppt/slides/slide14.xml><?xml version="1.0" encoding="utf-8"?>
-<p:sld xmlns:a="http://schemas.openxmlformats.org/drawingml/2006/main" xmlns:r="http://schemas.openxmlformats.org/officeDocument/2006/relationships" xmlns:p="http://schemas.openxmlformats.org/presentationml/2006/main">
-  <p:cSld>
-    <p:spTree>
-      <p:nvGrpSpPr>
-        <p:cNvPr id="1" name=""/>
-        <p:cNvGrpSpPr/>
-        <p:nvPr/>
-      </p:nvGrpSpPr>
-      <p:grpSpPr>
-        <a:xfrm>
-          <a:off x="0" y="0"/>
-          <a:ext cx="0" cy="0"/>
-          <a:chOff x="0" y="0"/>
-          <a:chExt cx="0" cy="0"/>
-        </a:xfrm>
-      </p:grpSpPr>
-      <p:sp>
-        <p:nvSpPr>
-          <p:cNvPr id="2" name="Titel 1">
-            <a:extLst>
-              <a:ext uri="{FF2B5EF4-FFF2-40B4-BE49-F238E27FC236}">
-                <a16:creationId xmlns:a16="http://schemas.microsoft.com/office/drawing/2014/main" id="{B5D57E6E-6927-D6DA-9647-486EB7A02EAC}"/>
-              </a:ext>
-            </a:extLst>
-          </p:cNvPr>
-          <p:cNvSpPr>
-            <a:spLocks noGrp="1"/>
-          </p:cNvSpPr>
-          <p:nvPr>
-            <p:ph type="title"/>
-          </p:nvPr>
-        </p:nvSpPr>
-        <p:spPr/>
-        <p:txBody>
-          <a:bodyPr/>
-          <a:lstStyle/>
-          <a:p>
-            <a:r>
-              <a:rPr lang="de-AT" dirty="0"/>
-              <a:t>RGB-Led</a:t>
-            </a:r>
-          </a:p>
-        </p:txBody>
-      </p:sp>
-      <p:sp>
-        <p:nvSpPr>
-          <p:cNvPr id="3" name="Textplatzhalter 2">
-            <a:extLst>
-              <a:ext uri="{FF2B5EF4-FFF2-40B4-BE49-F238E27FC236}">
-                <a16:creationId xmlns:a16="http://schemas.microsoft.com/office/drawing/2014/main" id="{D3805100-4EB6-3183-B8F8-DA779F980654}"/>
-              </a:ext>
-            </a:extLst>
-          </p:cNvPr>
-          <p:cNvSpPr>
-            <a:spLocks noGrp="1"/>
-          </p:cNvSpPr>
-          <p:nvPr>
-            <p:ph type="body" sz="quarter" idx="10"/>
-          </p:nvPr>
-        </p:nvSpPr>
-        <p:spPr/>
-        <p:txBody>
-          <a:bodyPr/>
-          <a:lstStyle/>
-          <a:p>
-            <a:endParaRPr lang="de-AT" dirty="0"/>
-          </a:p>
-        </p:txBody>
-      </p:sp>
-      <p:pic>
-        <p:nvPicPr>
-          <p:cNvPr id="5" name="Grafik 4">
-            <a:extLst>
-              <a:ext uri="{FF2B5EF4-FFF2-40B4-BE49-F238E27FC236}">
-                <a16:creationId xmlns:a16="http://schemas.microsoft.com/office/drawing/2014/main" id="{9CE4A720-B69D-DD4B-A835-38B4352E186E}"/>
-              </a:ext>
-            </a:extLst>
-          </p:cNvPr>
-          <p:cNvPicPr>
-            <a:picLocks noChangeAspect="1"/>
-          </p:cNvPicPr>
-          <p:nvPr/>
-        </p:nvPicPr>
-        <p:blipFill>
-          <a:blip r:embed="rId2"/>
-          <a:stretch>
-            <a:fillRect/>
-          </a:stretch>
-        </p:blipFill>
-        <p:spPr>
-          <a:xfrm>
-            <a:off x="107504" y="1244643"/>
-            <a:ext cx="4110763" cy="2376264"/>
-          </a:xfrm>
-          <a:prstGeom prst="rect">
-            <a:avLst/>
-          </a:prstGeom>
-        </p:spPr>
-      </p:pic>
-      <p:pic>
-        <p:nvPicPr>
-          <p:cNvPr id="7" name="Grafik 6">
-            <a:extLst>
-              <a:ext uri="{FF2B5EF4-FFF2-40B4-BE49-F238E27FC236}">
-                <a16:creationId xmlns:a16="http://schemas.microsoft.com/office/drawing/2014/main" id="{C88AAC59-DBA0-4CB9-CC6A-51171F007BA6}"/>
-              </a:ext>
-            </a:extLst>
-          </p:cNvPr>
-          <p:cNvPicPr>
-            <a:picLocks noChangeAspect="1"/>
-          </p:cNvPicPr>
-          <p:nvPr/>
-        </p:nvPicPr>
-        <p:blipFill>
-          <a:blip r:embed="rId3"/>
-          <a:stretch>
-            <a:fillRect/>
-          </a:stretch>
-        </p:blipFill>
-        <p:spPr>
-          <a:xfrm>
-            <a:off x="4716016" y="1268413"/>
-            <a:ext cx="4093418" cy="3694483"/>
-          </a:xfrm>
-          <a:prstGeom prst="rect">
-            <a:avLst/>
-          </a:prstGeom>
-        </p:spPr>
-      </p:pic>
-    </p:spTree>
-    <p:extLst>
-      <p:ext uri="{BB962C8B-B14F-4D97-AF65-F5344CB8AC3E}">
-        <p14:creationId xmlns:p14="http://schemas.microsoft.com/office/powerpoint/2010/main" val="1258934815"/>
-      </p:ext>
-    </p:extLst>
-  </p:cSld>
-  <p:clrMapOvr>
-    <a:masterClrMapping/>
-  </p:clrMapOvr>
-</p:sld>
-</file>
-
-<file path=ppt/slides/slide15.xml><?xml version="1.0" encoding="utf-8"?>
-<p:sld xmlns:a="http://schemas.openxmlformats.org/drawingml/2006/main" xmlns:r="http://schemas.openxmlformats.org/officeDocument/2006/relationships" xmlns:p="http://schemas.openxmlformats.org/presentationml/2006/main">
-  <p:cSld>
-    <p:spTree>
-      <p:nvGrpSpPr>
-        <p:cNvPr id="1" name=""/>
-        <p:cNvGrpSpPr/>
-        <p:nvPr/>
-      </p:nvGrpSpPr>
-      <p:grpSpPr>
-        <a:xfrm>
-          <a:off x="0" y="0"/>
-          <a:ext cx="0" cy="0"/>
-          <a:chOff x="0" y="0"/>
-          <a:chExt cx="0" cy="0"/>
-        </a:xfrm>
-      </p:grpSpPr>
-      <p:sp>
-        <p:nvSpPr>
-          <p:cNvPr id="2" name="Titel 1">
-            <a:extLst>
-              <a:ext uri="{FF2B5EF4-FFF2-40B4-BE49-F238E27FC236}">
-                <a16:creationId xmlns:a16="http://schemas.microsoft.com/office/drawing/2014/main" id="{06917B8D-A4BE-6A68-D58C-21F37A5F5E43}"/>
-              </a:ext>
-            </a:extLst>
-          </p:cNvPr>
-          <p:cNvSpPr>
-            <a:spLocks noGrp="1"/>
-          </p:cNvSpPr>
-          <p:nvPr>
-            <p:ph type="title"/>
-          </p:nvPr>
-        </p:nvSpPr>
-        <p:spPr/>
-        <p:txBody>
-          <a:bodyPr/>
-          <a:lstStyle/>
-          <a:p>
-            <a:r>
-              <a:rPr lang="de-AT" dirty="0"/>
-              <a:t>LD2420 mit angepassten </a:t>
-            </a:r>
-            <a:r>
-              <a:rPr lang="de-AT" dirty="0" err="1"/>
-              <a:t>Substitutions</a:t>
-            </a:r>
-            <a:endParaRPr lang="de-AT" dirty="0"/>
-          </a:p>
-        </p:txBody>
-      </p:sp>
-      <p:sp>
-        <p:nvSpPr>
-          <p:cNvPr id="3" name="Textplatzhalter 2">
-            <a:extLst>
-              <a:ext uri="{FF2B5EF4-FFF2-40B4-BE49-F238E27FC236}">
-                <a16:creationId xmlns:a16="http://schemas.microsoft.com/office/drawing/2014/main" id="{CA2053E5-E32C-813A-8E20-CDD5A69D0DF5}"/>
-              </a:ext>
-            </a:extLst>
-          </p:cNvPr>
-          <p:cNvSpPr>
-            <a:spLocks noGrp="1"/>
-          </p:cNvSpPr>
-          <p:nvPr>
-            <p:ph type="body" sz="quarter" idx="10"/>
-          </p:nvPr>
-        </p:nvSpPr>
-        <p:spPr/>
-        <p:txBody>
-          <a:bodyPr/>
-          <a:lstStyle/>
-          <a:p>
-            <a:endParaRPr lang="de-AT" dirty="0"/>
-          </a:p>
-        </p:txBody>
-      </p:sp>
-      <p:pic>
-        <p:nvPicPr>
-          <p:cNvPr id="5" name="Grafik 4">
-            <a:extLst>
-              <a:ext uri="{FF2B5EF4-FFF2-40B4-BE49-F238E27FC236}">
-                <a16:creationId xmlns:a16="http://schemas.microsoft.com/office/drawing/2014/main" id="{754FEDEA-FF55-53D7-CFBF-E2FB1BBCA1A2}"/>
-              </a:ext>
-            </a:extLst>
-          </p:cNvPr>
-          <p:cNvPicPr>
-            <a:picLocks noChangeAspect="1"/>
-          </p:cNvPicPr>
-          <p:nvPr/>
-        </p:nvPicPr>
-        <p:blipFill>
-          <a:blip r:embed="rId2"/>
-          <a:stretch>
-            <a:fillRect/>
-          </a:stretch>
-        </p:blipFill>
-        <p:spPr>
-          <a:xfrm>
-            <a:off x="363429" y="1031397"/>
-            <a:ext cx="3584899" cy="3385738"/>
-          </a:xfrm>
-          <a:prstGeom prst="rect">
-            <a:avLst/>
-          </a:prstGeom>
-        </p:spPr>
-      </p:pic>
-      <p:pic>
-        <p:nvPicPr>
-          <p:cNvPr id="7" name="Grafik 6">
-            <a:extLst>
-              <a:ext uri="{FF2B5EF4-FFF2-40B4-BE49-F238E27FC236}">
-                <a16:creationId xmlns:a16="http://schemas.microsoft.com/office/drawing/2014/main" id="{C7B41D7B-43E5-9339-4FA0-927DDE7143E8}"/>
-              </a:ext>
-            </a:extLst>
-          </p:cNvPr>
-          <p:cNvPicPr>
-            <a:picLocks noChangeAspect="1"/>
-          </p:cNvPicPr>
-          <p:nvPr/>
-        </p:nvPicPr>
-        <p:blipFill>
-          <a:blip r:embed="rId3"/>
-          <a:stretch>
-            <a:fillRect/>
-          </a:stretch>
-        </p:blipFill>
-        <p:spPr>
-          <a:xfrm>
-            <a:off x="4509570" y="1036272"/>
-            <a:ext cx="4454918" cy="5041919"/>
-          </a:xfrm>
-          <a:prstGeom prst="rect">
-            <a:avLst/>
-          </a:prstGeom>
-        </p:spPr>
-      </p:pic>
-      <p:pic>
-        <p:nvPicPr>
-          <p:cNvPr id="9" name="Grafik 8">
-            <a:extLst>
-              <a:ext uri="{FF2B5EF4-FFF2-40B4-BE49-F238E27FC236}">
-                <a16:creationId xmlns:a16="http://schemas.microsoft.com/office/drawing/2014/main" id="{1FDF29F8-BB90-2EBF-3998-177D959A5311}"/>
-              </a:ext>
-            </a:extLst>
-          </p:cNvPr>
-          <p:cNvPicPr>
-            <a:picLocks noChangeAspect="1"/>
-          </p:cNvPicPr>
-          <p:nvPr/>
-        </p:nvPicPr>
-        <p:blipFill>
-          <a:blip r:embed="rId4"/>
-          <a:stretch>
-            <a:fillRect/>
-          </a:stretch>
-        </p:blipFill>
-        <p:spPr>
-          <a:xfrm>
-            <a:off x="363429" y="4564947"/>
-            <a:ext cx="3609009" cy="2167640"/>
-          </a:xfrm>
-          <a:prstGeom prst="rect">
-            <a:avLst/>
-          </a:prstGeom>
-        </p:spPr>
-      </p:pic>
-    </p:spTree>
-    <p:extLst>
-      <p:ext uri="{BB962C8B-B14F-4D97-AF65-F5344CB8AC3E}">
-        <p14:creationId xmlns:p14="http://schemas.microsoft.com/office/powerpoint/2010/main" val="160983382"/>
-      </p:ext>
-    </p:extLst>
-  </p:cSld>
-  <p:clrMapOvr>
-    <a:masterClrMapping/>
-  </p:clrMapOvr>
-</p:sld>
-</file>
-
-<file path=ppt/slides/slide16.xml><?xml version="1.0" encoding="utf-8"?>
-<p:sld xmlns:a="http://schemas.openxmlformats.org/drawingml/2006/main" xmlns:r="http://schemas.openxmlformats.org/officeDocument/2006/relationships" xmlns:p="http://schemas.openxmlformats.org/presentationml/2006/main">
-  <p:cSld>
-    <p:spTree>
-      <p:nvGrpSpPr>
-        <p:cNvPr id="1" name=""/>
-        <p:cNvGrpSpPr/>
-        <p:nvPr/>
-      </p:nvGrpSpPr>
-      <p:grpSpPr>
-        <a:xfrm>
-          <a:off x="0" y="0"/>
-          <a:ext cx="0" cy="0"/>
-          <a:chOff x="0" y="0"/>
-          <a:chExt cx="0" cy="0"/>
-        </a:xfrm>
-      </p:grpSpPr>
-      <p:sp>
-        <p:nvSpPr>
-          <p:cNvPr id="2" name="Titel 1">
-            <a:extLst>
-              <a:ext uri="{FF2B5EF4-FFF2-40B4-BE49-F238E27FC236}">
-                <a16:creationId xmlns:a16="http://schemas.microsoft.com/office/drawing/2014/main" id="{CC647536-32EA-2A31-D780-6838EE2B9AF8}"/>
-              </a:ext>
-            </a:extLst>
-          </p:cNvPr>
-          <p:cNvSpPr>
-            <a:spLocks noGrp="1"/>
-          </p:cNvSpPr>
-          <p:nvPr>
-            <p:ph type="title"/>
-          </p:nvPr>
-        </p:nvSpPr>
-        <p:spPr/>
-        <p:txBody>
-          <a:bodyPr/>
-          <a:lstStyle/>
-          <a:p>
-            <a:r>
-              <a:rPr lang="de-AT" dirty="0"/>
-              <a:t>YAML-Datei verarbeiten</a:t>
-            </a:r>
-          </a:p>
-        </p:txBody>
-      </p:sp>
-      <p:sp>
-        <p:nvSpPr>
-          <p:cNvPr id="3" name="Textplatzhalter 2">
-            <a:extLst>
-              <a:ext uri="{FF2B5EF4-FFF2-40B4-BE49-F238E27FC236}">
-                <a16:creationId xmlns:a16="http://schemas.microsoft.com/office/drawing/2014/main" id="{FD1EE308-AC72-A745-E522-BAE50E858B5B}"/>
-              </a:ext>
-            </a:extLst>
-          </p:cNvPr>
-          <p:cNvSpPr>
-            <a:spLocks noGrp="1"/>
-          </p:cNvSpPr>
-          <p:nvPr>
-            <p:ph type="body" sz="quarter" idx="10"/>
-          </p:nvPr>
-        </p:nvSpPr>
-        <p:spPr>
-          <a:xfrm>
-            <a:off x="323528" y="908720"/>
-            <a:ext cx="8207375" cy="4608165"/>
-          </a:xfrm>
-        </p:spPr>
-        <p:txBody>
-          <a:bodyPr/>
-          <a:lstStyle/>
-          <a:p>
-            <a:r>
-              <a:rPr lang="de-AT" sz="2400" dirty="0" err="1"/>
-              <a:t>esphome</a:t>
-            </a:r>
-            <a:r>
-              <a:rPr lang="de-AT" sz="2400" dirty="0"/>
-              <a:t> </a:t>
-            </a:r>
-            <a:r>
-              <a:rPr lang="de-AT" sz="2400" dirty="0" err="1"/>
-              <a:t>run</a:t>
-            </a:r>
-            <a:r>
-              <a:rPr lang="de-AT" sz="2400" dirty="0"/>
-              <a:t> </a:t>
-            </a:r>
-            <a:r>
-              <a:rPr lang="de-AT" sz="2400" dirty="0" err="1"/>
-              <a:t>xxx.yaml</a:t>
-            </a:r>
-            <a:endParaRPr lang="de-AT" sz="2400" dirty="0"/>
-          </a:p>
-          <a:p>
-            <a:pPr lvl="1"/>
-            <a:r>
-              <a:rPr lang="de-AT" sz="2000" dirty="0" err="1"/>
-              <a:t>Compiliert</a:t>
-            </a:r>
-            <a:r>
-              <a:rPr lang="de-AT" sz="2000" dirty="0"/>
-              <a:t> und linkt die Anwendung</a:t>
-            </a:r>
-          </a:p>
-          <a:p>
-            <a:pPr lvl="1"/>
-            <a:r>
-              <a:rPr lang="de-AT" sz="2000" dirty="0" err="1"/>
-              <a:t>Flasht</a:t>
-            </a:r>
-            <a:r>
-              <a:rPr lang="de-AT" sz="2000" dirty="0"/>
-              <a:t> das Binary über COM-Port oder OTA</a:t>
-            </a:r>
-          </a:p>
-          <a:p>
-            <a:r>
-              <a:rPr lang="de-AT" sz="2400" dirty="0"/>
-              <a:t>Bei manchen ESPs Boot-Button drücken</a:t>
-            </a:r>
-          </a:p>
-        </p:txBody>
-      </p:sp>
-      <p:pic>
-        <p:nvPicPr>
-          <p:cNvPr id="5" name="Grafik 4">
-            <a:extLst>
-              <a:ext uri="{FF2B5EF4-FFF2-40B4-BE49-F238E27FC236}">
-                <a16:creationId xmlns:a16="http://schemas.microsoft.com/office/drawing/2014/main" id="{72294E36-9F80-92F6-7D0B-40DAB56A11A8}"/>
-              </a:ext>
-            </a:extLst>
-          </p:cNvPr>
-          <p:cNvPicPr>
-            <a:picLocks noChangeAspect="1"/>
-          </p:cNvPicPr>
-          <p:nvPr/>
-        </p:nvPicPr>
-        <p:blipFill>
-          <a:blip r:embed="rId2"/>
-          <a:stretch>
-            <a:fillRect/>
-          </a:stretch>
-        </p:blipFill>
-        <p:spPr>
-          <a:xfrm>
-            <a:off x="0" y="2996952"/>
-            <a:ext cx="9144000" cy="3141133"/>
-          </a:xfrm>
-          <a:prstGeom prst="rect">
-            <a:avLst/>
-          </a:prstGeom>
-        </p:spPr>
-      </p:pic>
-    </p:spTree>
-    <p:extLst>
-      <p:ext uri="{BB962C8B-B14F-4D97-AF65-F5344CB8AC3E}">
-        <p14:creationId xmlns:p14="http://schemas.microsoft.com/office/powerpoint/2010/main" val="3786940190"/>
-      </p:ext>
-    </p:extLst>
-  </p:cSld>
-  <p:clrMapOvr>
-    <a:masterClrMapping/>
-  </p:clrMapOvr>
-</p:sld>
-</file>
-
-<file path=ppt/slides/slide17.xml><?xml version="1.0" encoding="utf-8"?>
-<p:sld xmlns:a="http://schemas.openxmlformats.org/drawingml/2006/main" xmlns:r="http://schemas.openxmlformats.org/officeDocument/2006/relationships" xmlns:p="http://schemas.openxmlformats.org/presentationml/2006/main">
-  <p:cSld>
-    <p:spTree>
-      <p:nvGrpSpPr>
-        <p:cNvPr id="1" name=""/>
-        <p:cNvGrpSpPr/>
-        <p:nvPr/>
-      </p:nvGrpSpPr>
-      <p:grpSpPr>
-        <a:xfrm>
-          <a:off x="0" y="0"/>
-          <a:ext cx="0" cy="0"/>
-          <a:chOff x="0" y="0"/>
-          <a:chExt cx="0" cy="0"/>
-        </a:xfrm>
-      </p:grpSpPr>
-      <p:sp>
-        <p:nvSpPr>
-          <p:cNvPr id="2" name="Titel 1">
-            <a:extLst>
-              <a:ext uri="{FF2B5EF4-FFF2-40B4-BE49-F238E27FC236}">
-                <a16:creationId xmlns:a16="http://schemas.microsoft.com/office/drawing/2014/main" id="{319BF47D-55C9-DCE7-3736-6B14520637D4}"/>
-              </a:ext>
-            </a:extLst>
-          </p:cNvPr>
-          <p:cNvSpPr>
-            <a:spLocks noGrp="1"/>
-          </p:cNvSpPr>
-          <p:nvPr>
-            <p:ph type="title"/>
-          </p:nvPr>
-        </p:nvSpPr>
-        <p:spPr/>
-        <p:txBody>
-          <a:bodyPr/>
-          <a:lstStyle/>
-          <a:p>
-            <a:r>
-              <a:rPr lang="de-AT" dirty="0"/>
-              <a:t>Kontrolle und Steuerung über Web</a:t>
-            </a:r>
-          </a:p>
-        </p:txBody>
-      </p:sp>
-      <p:sp>
-        <p:nvSpPr>
-          <p:cNvPr id="3" name="Textplatzhalter 2">
-            <a:extLst>
-              <a:ext uri="{FF2B5EF4-FFF2-40B4-BE49-F238E27FC236}">
-                <a16:creationId xmlns:a16="http://schemas.microsoft.com/office/drawing/2014/main" id="{D8B49F6A-D32E-0A1C-B93A-C1B2BF96AE2A}"/>
-              </a:ext>
-            </a:extLst>
-          </p:cNvPr>
-          <p:cNvSpPr>
-            <a:spLocks noGrp="1"/>
-          </p:cNvSpPr>
-          <p:nvPr>
-            <p:ph type="body" sz="quarter" idx="10"/>
-          </p:nvPr>
-        </p:nvSpPr>
-        <p:spPr/>
-        <p:txBody>
-          <a:bodyPr/>
-          <a:lstStyle/>
-          <a:p>
-            <a:endParaRPr lang="de-AT"/>
-          </a:p>
-        </p:txBody>
-      </p:sp>
-      <p:pic>
-        <p:nvPicPr>
-          <p:cNvPr id="5" name="Grafik 4">
-            <a:extLst>
-              <a:ext uri="{FF2B5EF4-FFF2-40B4-BE49-F238E27FC236}">
-                <a16:creationId xmlns:a16="http://schemas.microsoft.com/office/drawing/2014/main" id="{B7346FFF-1047-F867-7013-3F8B2AD33413}"/>
-              </a:ext>
-            </a:extLst>
-          </p:cNvPr>
-          <p:cNvPicPr>
-            <a:picLocks noChangeAspect="1"/>
-          </p:cNvPicPr>
-          <p:nvPr/>
-        </p:nvPicPr>
-        <p:blipFill>
-          <a:blip r:embed="rId2"/>
-          <a:stretch>
-            <a:fillRect/>
-          </a:stretch>
-        </p:blipFill>
-        <p:spPr>
-          <a:xfrm>
-            <a:off x="468312" y="1058523"/>
-            <a:ext cx="8532440" cy="4740953"/>
-          </a:xfrm>
-          <a:prstGeom prst="rect">
-            <a:avLst/>
-          </a:prstGeom>
-        </p:spPr>
-      </p:pic>
-    </p:spTree>
-    <p:extLst>
-      <p:ext uri="{BB962C8B-B14F-4D97-AF65-F5344CB8AC3E}">
-        <p14:creationId xmlns:p14="http://schemas.microsoft.com/office/powerpoint/2010/main" val="3736295117"/>
-      </p:ext>
-    </p:extLst>
-  </p:cSld>
-  <p:clrMapOvr>
-    <a:masterClrMapping/>
-  </p:clrMapOvr>
-</p:sld>
-</file>
-
-<file path=ppt/slides/slide18.xml><?xml version="1.0" encoding="utf-8"?>
-<p:sld xmlns:a="http://schemas.openxmlformats.org/drawingml/2006/main" xmlns:r="http://schemas.openxmlformats.org/officeDocument/2006/relationships" xmlns:p="http://schemas.openxmlformats.org/presentationml/2006/main">
-  <p:cSld>
-    <p:spTree>
-      <p:nvGrpSpPr>
-        <p:cNvPr id="1" name=""/>
-        <p:cNvGrpSpPr/>
-        <p:nvPr/>
-      </p:nvGrpSpPr>
-      <p:grpSpPr>
-        <a:xfrm>
-          <a:off x="0" y="0"/>
-          <a:ext cx="0" cy="0"/>
-          <a:chOff x="0" y="0"/>
-          <a:chExt cx="0" cy="0"/>
-        </a:xfrm>
-      </p:grpSpPr>
-      <p:sp>
-        <p:nvSpPr>
-          <p:cNvPr id="2" name="Titel 1">
-            <a:extLst>
-              <a:ext uri="{FF2B5EF4-FFF2-40B4-BE49-F238E27FC236}">
-                <a16:creationId xmlns:a16="http://schemas.microsoft.com/office/drawing/2014/main" id="{7DBAAE8A-F26D-44A7-4F79-E88AF7C373E9}"/>
-              </a:ext>
-            </a:extLst>
-          </p:cNvPr>
-          <p:cNvSpPr>
-            <a:spLocks noGrp="1"/>
-          </p:cNvSpPr>
-          <p:nvPr>
-            <p:ph type="title"/>
-          </p:nvPr>
-        </p:nvSpPr>
-        <p:spPr/>
-        <p:txBody>
-          <a:bodyPr/>
-          <a:lstStyle/>
-          <a:p>
-            <a:r>
-              <a:rPr lang="de-AT" dirty="0"/>
-              <a:t>Kontrolle am MQTT-Broker …</a:t>
-            </a:r>
-          </a:p>
-        </p:txBody>
-      </p:sp>
-      <p:sp>
-        <p:nvSpPr>
-          <p:cNvPr id="3" name="Textplatzhalter 2">
-            <a:extLst>
-              <a:ext uri="{FF2B5EF4-FFF2-40B4-BE49-F238E27FC236}">
-                <a16:creationId xmlns:a16="http://schemas.microsoft.com/office/drawing/2014/main" id="{54965742-5705-8915-A00A-62F62AE93601}"/>
-              </a:ext>
-            </a:extLst>
-          </p:cNvPr>
-          <p:cNvSpPr>
-            <a:spLocks noGrp="1"/>
-          </p:cNvSpPr>
-          <p:nvPr>
-            <p:ph type="body" sz="quarter" idx="10"/>
-          </p:nvPr>
-        </p:nvSpPr>
-        <p:spPr/>
-        <p:txBody>
-          <a:bodyPr/>
-          <a:lstStyle/>
-          <a:p>
-            <a:endParaRPr lang="de-AT"/>
-          </a:p>
-        </p:txBody>
-      </p:sp>
-      <p:pic>
-        <p:nvPicPr>
-          <p:cNvPr id="5" name="Grafik 4">
-            <a:extLst>
-              <a:ext uri="{FF2B5EF4-FFF2-40B4-BE49-F238E27FC236}">
-                <a16:creationId xmlns:a16="http://schemas.microsoft.com/office/drawing/2014/main" id="{67C4AF71-5A5B-D84D-55E4-FFDBD5C7C1D1}"/>
-              </a:ext>
-            </a:extLst>
-          </p:cNvPr>
-          <p:cNvPicPr>
-            <a:picLocks noChangeAspect="1"/>
-          </p:cNvPicPr>
-          <p:nvPr/>
-        </p:nvPicPr>
-        <p:blipFill>
-          <a:blip r:embed="rId2"/>
-          <a:stretch>
-            <a:fillRect/>
-          </a:stretch>
-        </p:blipFill>
-        <p:spPr>
-          <a:xfrm>
-            <a:off x="2195736" y="1124744"/>
-            <a:ext cx="4248125" cy="5363878"/>
-          </a:xfrm>
-          <a:prstGeom prst="rect">
-            <a:avLst/>
-          </a:prstGeom>
-        </p:spPr>
-      </p:pic>
-    </p:spTree>
-    <p:extLst>
-      <p:ext uri="{BB962C8B-B14F-4D97-AF65-F5344CB8AC3E}">
-        <p14:creationId xmlns:p14="http://schemas.microsoft.com/office/powerpoint/2010/main" val="539483255"/>
-      </p:ext>
-    </p:extLst>
-  </p:cSld>
-  <p:clrMapOvr>
-    <a:masterClrMapping/>
-  </p:clrMapOvr>
-</p:sld>
-</file>
-
-<file path=ppt/slides/slide19.xml><?xml version="1.0" encoding="utf-8"?>
-<p:sld xmlns:a="http://schemas.openxmlformats.org/drawingml/2006/main" xmlns:r="http://schemas.openxmlformats.org/officeDocument/2006/relationships" xmlns:p="http://schemas.openxmlformats.org/presentationml/2006/main">
-  <p:cSld>
-    <p:spTree>
-      <p:nvGrpSpPr>
-        <p:cNvPr id="1" name=""/>
-        <p:cNvGrpSpPr/>
-        <p:nvPr/>
-      </p:nvGrpSpPr>
-      <p:grpSpPr>
-        <a:xfrm>
-          <a:off x="0" y="0"/>
-          <a:ext cx="0" cy="0"/>
-          <a:chOff x="0" y="0"/>
-          <a:chExt cx="0" cy="0"/>
-        </a:xfrm>
-      </p:grpSpPr>
-      <p:sp>
-        <p:nvSpPr>
-          <p:cNvPr id="2" name="Titel 1">
-            <a:extLst>
-              <a:ext uri="{FF2B5EF4-FFF2-40B4-BE49-F238E27FC236}">
-                <a16:creationId xmlns:a16="http://schemas.microsoft.com/office/drawing/2014/main" id="{F97A1A4A-6B2D-FD22-2858-A4337C1E91D6}"/>
-              </a:ext>
-            </a:extLst>
-          </p:cNvPr>
-          <p:cNvSpPr>
-            <a:spLocks noGrp="1"/>
-          </p:cNvSpPr>
-          <p:nvPr>
-            <p:ph type="title"/>
-          </p:nvPr>
-        </p:nvSpPr>
-        <p:spPr/>
-        <p:txBody>
-          <a:bodyPr/>
-          <a:lstStyle/>
-          <a:p>
-            <a:r>
-              <a:rPr lang="de-AT" dirty="0"/>
-              <a:t>… und in </a:t>
-            </a:r>
-            <a:r>
-              <a:rPr lang="de-AT" dirty="0" err="1"/>
-              <a:t>HomeAssistant</a:t>
-            </a:r>
-            <a:endParaRPr lang="de-AT" dirty="0"/>
-          </a:p>
-        </p:txBody>
-      </p:sp>
-      <p:sp>
-        <p:nvSpPr>
-          <p:cNvPr id="3" name="Textplatzhalter 2">
-            <a:extLst>
-              <a:ext uri="{FF2B5EF4-FFF2-40B4-BE49-F238E27FC236}">
-                <a16:creationId xmlns:a16="http://schemas.microsoft.com/office/drawing/2014/main" id="{0E7A3E4F-08E2-CEEE-E28F-D4C15B704FC1}"/>
-              </a:ext>
-            </a:extLst>
-          </p:cNvPr>
-          <p:cNvSpPr>
-            <a:spLocks noGrp="1"/>
-          </p:cNvSpPr>
-          <p:nvPr>
-            <p:ph type="body" sz="quarter" idx="10"/>
-          </p:nvPr>
-        </p:nvSpPr>
-        <p:spPr/>
-        <p:txBody>
-          <a:bodyPr/>
-          <a:lstStyle/>
-          <a:p>
-            <a:endParaRPr lang="de-AT"/>
-          </a:p>
-        </p:txBody>
-      </p:sp>
-      <p:pic>
-        <p:nvPicPr>
-          <p:cNvPr id="5" name="Grafik 4">
-            <a:extLst>
-              <a:ext uri="{FF2B5EF4-FFF2-40B4-BE49-F238E27FC236}">
-                <a16:creationId xmlns:a16="http://schemas.microsoft.com/office/drawing/2014/main" id="{AADC164A-CEDC-E7C2-C54F-3054ABABDF2A}"/>
-              </a:ext>
-            </a:extLst>
-          </p:cNvPr>
-          <p:cNvPicPr>
-            <a:picLocks noChangeAspect="1"/>
-          </p:cNvPicPr>
-          <p:nvPr/>
-        </p:nvPicPr>
-        <p:blipFill>
-          <a:blip r:embed="rId2"/>
-          <a:stretch>
-            <a:fillRect/>
-          </a:stretch>
-        </p:blipFill>
-        <p:spPr>
-          <a:xfrm>
-            <a:off x="1331640" y="1556792"/>
-            <a:ext cx="5472354" cy="2793479"/>
-          </a:xfrm>
-          <a:prstGeom prst="rect">
-            <a:avLst/>
-          </a:prstGeom>
-        </p:spPr>
-      </p:pic>
-    </p:spTree>
-    <p:extLst>
-      <p:ext uri="{BB962C8B-B14F-4D97-AF65-F5344CB8AC3E}">
-        <p14:creationId xmlns:p14="http://schemas.microsoft.com/office/powerpoint/2010/main" val="310626026"/>
-      </p:ext>
-    </p:extLst>
-  </p:cSld>
-  <p:clrMapOvr>
-    <a:masterClrMapping/>
-  </p:clrMapOvr>
-</p:sld>
-</file>
-
-<file path=ppt/slides/slide2.xml><?xml version="1.0" encoding="utf-8"?>
-<p:sld xmlns:a="http://schemas.openxmlformats.org/drawingml/2006/main" xmlns:r="http://schemas.openxmlformats.org/officeDocument/2006/relationships" xmlns:p="http://schemas.openxmlformats.org/presentationml/2006/main">
-  <p:cSld>
-    <p:spTree>
-      <p:nvGrpSpPr>
-        <p:cNvPr id="1" name=""/>
-        <p:cNvGrpSpPr/>
-        <p:nvPr/>
-      </p:nvGrpSpPr>
-      <p:grpSpPr>
-        <a:xfrm>
-          <a:off x="0" y="0"/>
-          <a:ext cx="0" cy="0"/>
-          <a:chOff x="0" y="0"/>
-          <a:chExt cx="0" cy="0"/>
-        </a:xfrm>
-      </p:grpSpPr>
-      <p:sp>
-        <p:nvSpPr>
-          <p:cNvPr id="2" name="Titel 1">
-            <a:extLst>
-              <a:ext uri="{FF2B5EF4-FFF2-40B4-BE49-F238E27FC236}">
-                <a16:creationId xmlns:a16="http://schemas.microsoft.com/office/drawing/2014/main" id="{B112374B-6EF7-DCFE-410F-6B6BAE1DC398}"/>
-              </a:ext>
-            </a:extLst>
-          </p:cNvPr>
-          <p:cNvSpPr>
-            <a:spLocks noGrp="1"/>
-          </p:cNvSpPr>
-          <p:nvPr>
-            <p:ph type="title"/>
-          </p:nvPr>
-        </p:nvSpPr>
-        <p:spPr/>
-        <p:txBody>
-          <a:bodyPr/>
-          <a:lstStyle/>
-          <a:p>
-            <a:r>
-              <a:rPr lang="de-AT" dirty="0" err="1"/>
-              <a:t>AddOn</a:t>
-            </a:r>
-            <a:r>
-              <a:rPr lang="de-AT" dirty="0"/>
-              <a:t> für </a:t>
-            </a:r>
-            <a:r>
-              <a:rPr lang="de-AT" dirty="0" err="1"/>
-              <a:t>Mqtt</a:t>
-            </a:r>
-            <a:r>
-              <a:rPr lang="de-AT" dirty="0"/>
-              <a:t>-Broker installieren</a:t>
-            </a:r>
-          </a:p>
-        </p:txBody>
-      </p:sp>
-      <p:sp>
-        <p:nvSpPr>
-          <p:cNvPr id="3" name="Textplatzhalter 2">
-            <a:extLst>
-              <a:ext uri="{FF2B5EF4-FFF2-40B4-BE49-F238E27FC236}">
-                <a16:creationId xmlns:a16="http://schemas.microsoft.com/office/drawing/2014/main" id="{70348CF5-0AFC-CBEB-2B82-A66A282307F1}"/>
-              </a:ext>
-            </a:extLst>
-          </p:cNvPr>
-          <p:cNvSpPr>
-            <a:spLocks noGrp="1"/>
-          </p:cNvSpPr>
-          <p:nvPr>
-            <p:ph type="body" sz="quarter" idx="10"/>
-          </p:nvPr>
-        </p:nvSpPr>
-        <p:spPr/>
-        <p:txBody>
-          <a:bodyPr/>
-          <a:lstStyle/>
-          <a:p>
-            <a:r>
-              <a:rPr lang="de-AT" dirty="0" err="1"/>
-              <a:t>Mosquitto</a:t>
-            </a:r>
-            <a:r>
-              <a:rPr lang="de-AT" dirty="0"/>
-              <a:t> ist praktisch der Standard</a:t>
-            </a:r>
-          </a:p>
-          <a:p>
-            <a:pPr lvl="1"/>
-            <a:r>
-              <a:rPr lang="de-AT" dirty="0"/>
-              <a:t>leichtgewichtiger</a:t>
-            </a:r>
-          </a:p>
-          <a:p>
-            <a:r>
-              <a:rPr lang="de-AT" dirty="0"/>
-              <a:t>EMQX ist neuer und moderner</a:t>
-            </a:r>
-          </a:p>
-        </p:txBody>
-      </p:sp>
-      <p:pic>
-        <p:nvPicPr>
-          <p:cNvPr id="5" name="Grafik 4">
-            <a:extLst>
-              <a:ext uri="{FF2B5EF4-FFF2-40B4-BE49-F238E27FC236}">
-                <a16:creationId xmlns:a16="http://schemas.microsoft.com/office/drawing/2014/main" id="{18F4ACF1-BCF0-5DAD-D9F5-7C01EC8065B3}"/>
-              </a:ext>
-            </a:extLst>
-          </p:cNvPr>
-          <p:cNvPicPr>
-            <a:picLocks noChangeAspect="1"/>
-          </p:cNvPicPr>
-          <p:nvPr/>
-        </p:nvPicPr>
-        <p:blipFill>
-          <a:blip r:embed="rId2"/>
-          <a:stretch>
-            <a:fillRect/>
-          </a:stretch>
-        </p:blipFill>
-        <p:spPr>
-          <a:xfrm>
-            <a:off x="1042388" y="3140968"/>
-            <a:ext cx="7585450" cy="1368152"/>
-          </a:xfrm>
-          <a:prstGeom prst="rect">
-            <a:avLst/>
-          </a:prstGeom>
-        </p:spPr>
-      </p:pic>
-      <p:pic>
-        <p:nvPicPr>
-          <p:cNvPr id="7" name="Grafik 6">
-            <a:extLst>
-              <a:ext uri="{FF2B5EF4-FFF2-40B4-BE49-F238E27FC236}">
-                <a16:creationId xmlns:a16="http://schemas.microsoft.com/office/drawing/2014/main" id="{DECF4D03-EC49-8621-CE62-98FE7467720C}"/>
-              </a:ext>
-            </a:extLst>
-          </p:cNvPr>
-          <p:cNvPicPr>
-            <a:picLocks noChangeAspect="1"/>
-          </p:cNvPicPr>
-          <p:nvPr/>
-        </p:nvPicPr>
-        <p:blipFill>
-          <a:blip r:embed="rId3"/>
-          <a:stretch>
-            <a:fillRect/>
-          </a:stretch>
-        </p:blipFill>
-        <p:spPr>
-          <a:xfrm>
-            <a:off x="971600" y="4666330"/>
-            <a:ext cx="7782811" cy="1474825"/>
-          </a:xfrm>
-          <a:prstGeom prst="rect">
-            <a:avLst/>
-          </a:prstGeom>
-        </p:spPr>
-      </p:pic>
-    </p:spTree>
-    <p:extLst>
-      <p:ext uri="{BB962C8B-B14F-4D97-AF65-F5344CB8AC3E}">
-        <p14:creationId xmlns:p14="http://schemas.microsoft.com/office/powerpoint/2010/main" val="1580198841"/>
-      </p:ext>
-    </p:extLst>
-  </p:cSld>
-  <p:clrMapOvr>
-    <a:masterClrMapping/>
-  </p:clrMapOvr>
-</p:sld>
-</file>
-
-<file path=ppt/slides/slide20.xml><?xml version="1.0" encoding="utf-8"?>
-<p:sld xmlns:a="http://schemas.openxmlformats.org/drawingml/2006/main" xmlns:r="http://schemas.openxmlformats.org/officeDocument/2006/relationships" xmlns:p="http://schemas.openxmlformats.org/presentationml/2006/main">
-  <p:cSld>
-    <p:spTree>
-      <p:nvGrpSpPr>
-        <p:cNvPr id="1" name=""/>
-        <p:cNvGrpSpPr/>
-        <p:nvPr/>
-      </p:nvGrpSpPr>
-      <p:grpSpPr>
-        <a:xfrm>
-          <a:off x="0" y="0"/>
-          <a:ext cx="0" cy="0"/>
-          <a:chOff x="0" y="0"/>
-          <a:chExt cx="0" cy="0"/>
-        </a:xfrm>
-      </p:grpSpPr>
-      <p:sp>
-        <p:nvSpPr>
-          <p:cNvPr id="2" name="Titel 1">
-            <a:extLst>
-              <a:ext uri="{FF2B5EF4-FFF2-40B4-BE49-F238E27FC236}">
-                <a16:creationId xmlns:a16="http://schemas.microsoft.com/office/drawing/2014/main" id="{CA90BD8A-A4B4-EEC1-699D-EEB0D2E1007C}"/>
-              </a:ext>
-            </a:extLst>
-          </p:cNvPr>
-          <p:cNvSpPr>
-            <a:spLocks noGrp="1"/>
-          </p:cNvSpPr>
-          <p:nvPr>
-            <p:ph type="title"/>
-          </p:nvPr>
-        </p:nvSpPr>
-        <p:spPr/>
-        <p:txBody>
-          <a:bodyPr/>
-          <a:lstStyle/>
-          <a:p>
-            <a:r>
-              <a:rPr lang="de-AT" dirty="0" err="1"/>
-              <a:t>SperlBox</a:t>
-            </a:r>
-            <a:r>
-              <a:rPr lang="de-AT" dirty="0"/>
-              <a:t> zu </a:t>
-            </a:r>
-            <a:r>
-              <a:rPr lang="de-AT" dirty="0" err="1"/>
-              <a:t>ESPHome</a:t>
-            </a:r>
-            <a:r>
-              <a:rPr lang="de-AT" dirty="0"/>
-              <a:t> hinzufügen</a:t>
-            </a:r>
-          </a:p>
-        </p:txBody>
-      </p:sp>
-      <p:sp>
-        <p:nvSpPr>
-          <p:cNvPr id="3" name="Textplatzhalter 2">
-            <a:extLst>
-              <a:ext uri="{FF2B5EF4-FFF2-40B4-BE49-F238E27FC236}">
-                <a16:creationId xmlns:a16="http://schemas.microsoft.com/office/drawing/2014/main" id="{C2B7C61D-037C-D6F4-BC12-567C256D6FCE}"/>
-              </a:ext>
-            </a:extLst>
-          </p:cNvPr>
-          <p:cNvSpPr>
-            <a:spLocks noGrp="1"/>
-          </p:cNvSpPr>
-          <p:nvPr>
-            <p:ph type="body" sz="quarter" idx="10"/>
-          </p:nvPr>
-        </p:nvSpPr>
-        <p:spPr/>
-        <p:txBody>
-          <a:bodyPr/>
-          <a:lstStyle/>
-          <a:p>
-            <a:endParaRPr lang="de-AT"/>
-          </a:p>
-        </p:txBody>
-      </p:sp>
-      <p:pic>
-        <p:nvPicPr>
-          <p:cNvPr id="5" name="Grafik 4">
-            <a:extLst>
-              <a:ext uri="{FF2B5EF4-FFF2-40B4-BE49-F238E27FC236}">
-                <a16:creationId xmlns:a16="http://schemas.microsoft.com/office/drawing/2014/main" id="{39212734-AB00-AE49-FA25-3C588230C05D}"/>
-              </a:ext>
-            </a:extLst>
-          </p:cNvPr>
-          <p:cNvPicPr>
-            <a:picLocks noChangeAspect="1"/>
-          </p:cNvPicPr>
-          <p:nvPr/>
-        </p:nvPicPr>
-        <p:blipFill>
-          <a:blip r:embed="rId2"/>
-          <a:stretch>
-            <a:fillRect/>
-          </a:stretch>
-        </p:blipFill>
-        <p:spPr>
-          <a:xfrm>
-            <a:off x="1243012" y="1052736"/>
-            <a:ext cx="6657975" cy="5238750"/>
-          </a:xfrm>
-          <a:prstGeom prst="rect">
-            <a:avLst/>
-          </a:prstGeom>
-        </p:spPr>
-      </p:pic>
-    </p:spTree>
-    <p:extLst>
-      <p:ext uri="{BB962C8B-B14F-4D97-AF65-F5344CB8AC3E}">
-        <p14:creationId xmlns:p14="http://schemas.microsoft.com/office/powerpoint/2010/main" val="168953904"/>
-      </p:ext>
-    </p:extLst>
-  </p:cSld>
-  <p:clrMapOvr>
-    <a:masterClrMapping/>
-  </p:clrMapOvr>
-</p:sld>
-</file>
-
-<file path=ppt/slides/slide21.xml><?xml version="1.0" encoding="utf-8"?>
-<p:sld xmlns:a="http://schemas.openxmlformats.org/drawingml/2006/main" xmlns:r="http://schemas.openxmlformats.org/officeDocument/2006/relationships" xmlns:p="http://schemas.openxmlformats.org/presentationml/2006/main">
-  <p:cSld>
-    <p:spTree>
-      <p:nvGrpSpPr>
-        <p:cNvPr id="1" name=""/>
-        <p:cNvGrpSpPr/>
-        <p:nvPr/>
-      </p:nvGrpSpPr>
-      <p:grpSpPr>
-        <a:xfrm>
-          <a:off x="0" y="0"/>
-          <a:ext cx="0" cy="0"/>
-          <a:chOff x="0" y="0"/>
-          <a:chExt cx="0" cy="0"/>
-        </a:xfrm>
-      </p:grpSpPr>
-      <p:sp>
-        <p:nvSpPr>
-          <p:cNvPr id="2" name="Titel 1">
-            <a:extLst>
-              <a:ext uri="{FF2B5EF4-FFF2-40B4-BE49-F238E27FC236}">
-                <a16:creationId xmlns:a16="http://schemas.microsoft.com/office/drawing/2014/main" id="{D63A5CFB-DD26-A553-421E-1BF51A316244}"/>
-              </a:ext>
-            </a:extLst>
-          </p:cNvPr>
-          <p:cNvSpPr>
-            <a:spLocks noGrp="1"/>
-          </p:cNvSpPr>
-          <p:nvPr>
-            <p:ph type="title"/>
-          </p:nvPr>
-        </p:nvSpPr>
-        <p:spPr/>
-        <p:txBody>
-          <a:bodyPr/>
-          <a:lstStyle/>
-          <a:p>
-            <a:r>
-              <a:rPr lang="de-AT" dirty="0"/>
-              <a:t>API-Key aus </a:t>
-            </a:r>
-            <a:r>
-              <a:rPr lang="de-AT" dirty="0" err="1"/>
-              <a:t>yaml</a:t>
-            </a:r>
-            <a:endParaRPr lang="de-AT" dirty="0"/>
-          </a:p>
-        </p:txBody>
-      </p:sp>
-      <p:sp>
-        <p:nvSpPr>
-          <p:cNvPr id="3" name="Textplatzhalter 2">
-            <a:extLst>
-              <a:ext uri="{FF2B5EF4-FFF2-40B4-BE49-F238E27FC236}">
-                <a16:creationId xmlns:a16="http://schemas.microsoft.com/office/drawing/2014/main" id="{899B1616-D25B-5BC0-01FE-E8B41BB6B0C0}"/>
-              </a:ext>
-            </a:extLst>
-          </p:cNvPr>
-          <p:cNvSpPr>
-            <a:spLocks noGrp="1"/>
-          </p:cNvSpPr>
-          <p:nvPr>
-            <p:ph type="body" sz="quarter" idx="10"/>
-          </p:nvPr>
-        </p:nvSpPr>
-        <p:spPr/>
-        <p:txBody>
-          <a:bodyPr/>
-          <a:lstStyle/>
-          <a:p>
-            <a:endParaRPr lang="de-AT"/>
-          </a:p>
-        </p:txBody>
-      </p:sp>
-      <p:pic>
-        <p:nvPicPr>
-          <p:cNvPr id="5" name="Grafik 4">
-            <a:extLst>
-              <a:ext uri="{FF2B5EF4-FFF2-40B4-BE49-F238E27FC236}">
-                <a16:creationId xmlns:a16="http://schemas.microsoft.com/office/drawing/2014/main" id="{CB9BD475-ADD6-FDA0-C081-150EBC016114}"/>
-              </a:ext>
-            </a:extLst>
-          </p:cNvPr>
-          <p:cNvPicPr>
-            <a:picLocks noChangeAspect="1"/>
-          </p:cNvPicPr>
-          <p:nvPr/>
-        </p:nvPicPr>
-        <p:blipFill>
-          <a:blip r:embed="rId2"/>
-          <a:stretch>
-            <a:fillRect/>
-          </a:stretch>
-        </p:blipFill>
-        <p:spPr>
-          <a:xfrm>
-            <a:off x="1257300" y="1110629"/>
-            <a:ext cx="6629400" cy="4924425"/>
-          </a:xfrm>
-          <a:prstGeom prst="rect">
-            <a:avLst/>
-          </a:prstGeom>
-        </p:spPr>
-      </p:pic>
-    </p:spTree>
-    <p:extLst>
-      <p:ext uri="{BB962C8B-B14F-4D97-AF65-F5344CB8AC3E}">
-        <p14:creationId xmlns:p14="http://schemas.microsoft.com/office/powerpoint/2010/main" val="3653098800"/>
-      </p:ext>
-    </p:extLst>
-  </p:cSld>
-  <p:clrMapOvr>
-    <a:masterClrMapping/>
-  </p:clrMapOvr>
-</p:sld>
-</file>
-
-<file path=ppt/slides/slide22.xml><?xml version="1.0" encoding="utf-8"?>
-<p:sld xmlns:a="http://schemas.openxmlformats.org/drawingml/2006/main" xmlns:r="http://schemas.openxmlformats.org/officeDocument/2006/relationships" xmlns:p="http://schemas.openxmlformats.org/presentationml/2006/main">
-  <p:cSld>
-    <p:spTree>
-      <p:nvGrpSpPr>
-        <p:cNvPr id="1" name=""/>
-        <p:cNvGrpSpPr/>
-        <p:nvPr/>
-      </p:nvGrpSpPr>
-      <p:grpSpPr>
-        <a:xfrm>
-          <a:off x="0" y="0"/>
-          <a:ext cx="0" cy="0"/>
-          <a:chOff x="0" y="0"/>
-          <a:chExt cx="0" cy="0"/>
-        </a:xfrm>
-      </p:grpSpPr>
-      <p:sp>
-        <p:nvSpPr>
-          <p:cNvPr id="2" name="Titel 1">
-            <a:extLst>
-              <a:ext uri="{FF2B5EF4-FFF2-40B4-BE49-F238E27FC236}">
-                <a16:creationId xmlns:a16="http://schemas.microsoft.com/office/drawing/2014/main" id="{932DA062-28AB-C1CA-B20C-F558A851FBE6}"/>
-              </a:ext>
-            </a:extLst>
-          </p:cNvPr>
-          <p:cNvSpPr>
-            <a:spLocks noGrp="1"/>
-          </p:cNvSpPr>
-          <p:nvPr>
-            <p:ph type="title"/>
-          </p:nvPr>
-        </p:nvSpPr>
-        <p:spPr/>
-        <p:txBody>
-          <a:bodyPr/>
-          <a:lstStyle/>
-          <a:p>
-            <a:r>
-              <a:rPr lang="de-AT" dirty="0"/>
-              <a:t>RGB-Light ist schon steuerbar</a:t>
-            </a:r>
-          </a:p>
-        </p:txBody>
-      </p:sp>
-      <p:sp>
-        <p:nvSpPr>
-          <p:cNvPr id="3" name="Textplatzhalter 2">
-            <a:extLst>
-              <a:ext uri="{FF2B5EF4-FFF2-40B4-BE49-F238E27FC236}">
-                <a16:creationId xmlns:a16="http://schemas.microsoft.com/office/drawing/2014/main" id="{9CFDEFDE-0B2B-970B-393E-A47566D0804B}"/>
-              </a:ext>
-            </a:extLst>
-          </p:cNvPr>
-          <p:cNvSpPr>
-            <a:spLocks noGrp="1"/>
-          </p:cNvSpPr>
-          <p:nvPr>
-            <p:ph type="body" sz="quarter" idx="10"/>
-          </p:nvPr>
-        </p:nvSpPr>
-        <p:spPr/>
-        <p:txBody>
-          <a:bodyPr/>
-          <a:lstStyle/>
-          <a:p>
-            <a:endParaRPr lang="de-AT"/>
-          </a:p>
-        </p:txBody>
-      </p:sp>
-      <p:pic>
-        <p:nvPicPr>
-          <p:cNvPr id="5" name="Grafik 4">
-            <a:extLst>
-              <a:ext uri="{FF2B5EF4-FFF2-40B4-BE49-F238E27FC236}">
-                <a16:creationId xmlns:a16="http://schemas.microsoft.com/office/drawing/2014/main" id="{E2E17702-8862-AABA-FA86-BEF66761F804}"/>
-              </a:ext>
-            </a:extLst>
-          </p:cNvPr>
-          <p:cNvPicPr>
-            <a:picLocks noChangeAspect="1"/>
-          </p:cNvPicPr>
-          <p:nvPr/>
-        </p:nvPicPr>
-        <p:blipFill>
-          <a:blip r:embed="rId2"/>
-          <a:stretch>
-            <a:fillRect/>
-          </a:stretch>
-        </p:blipFill>
-        <p:spPr>
-          <a:xfrm>
-            <a:off x="1979712" y="1268413"/>
-            <a:ext cx="3871665" cy="5014464"/>
-          </a:xfrm>
-          <a:prstGeom prst="rect">
-            <a:avLst/>
-          </a:prstGeom>
-        </p:spPr>
-      </p:pic>
-    </p:spTree>
-    <p:extLst>
-      <p:ext uri="{BB962C8B-B14F-4D97-AF65-F5344CB8AC3E}">
-        <p14:creationId xmlns:p14="http://schemas.microsoft.com/office/powerpoint/2010/main" val="4291356247"/>
-      </p:ext>
-    </p:extLst>
-  </p:cSld>
-  <p:clrMapOvr>
-    <a:masterClrMapping/>
-  </p:clrMapOvr>
-</p:sld>
-</file>
-
-<file path=ppt/slides/slide23.xml><?xml version="1.0" encoding="utf-8"?>
-<p:sld xmlns:a="http://schemas.openxmlformats.org/drawingml/2006/main" xmlns:r="http://schemas.openxmlformats.org/officeDocument/2006/relationships" xmlns:p="http://schemas.openxmlformats.org/presentationml/2006/main">
-  <p:cSld>
-    <p:spTree>
-      <p:nvGrpSpPr>
-        <p:cNvPr id="1" name=""/>
-        <p:cNvGrpSpPr/>
-        <p:nvPr/>
-      </p:nvGrpSpPr>
-      <p:grpSpPr>
-        <a:xfrm>
-          <a:off x="0" y="0"/>
-          <a:ext cx="0" cy="0"/>
-          <a:chOff x="0" y="0"/>
-          <a:chExt cx="0" cy="0"/>
-        </a:xfrm>
-      </p:grpSpPr>
-      <p:sp>
-        <p:nvSpPr>
-          <p:cNvPr id="2" name="Titel 1">
-            <a:extLst>
-              <a:ext uri="{FF2B5EF4-FFF2-40B4-BE49-F238E27FC236}">
-                <a16:creationId xmlns:a16="http://schemas.microsoft.com/office/drawing/2014/main" id="{6CA8F916-325E-49CA-D518-406035A0F453}"/>
-              </a:ext>
-            </a:extLst>
-          </p:cNvPr>
-          <p:cNvSpPr>
-            <a:spLocks noGrp="1"/>
-          </p:cNvSpPr>
-          <p:nvPr>
-            <p:ph type="title"/>
-          </p:nvPr>
-        </p:nvSpPr>
-        <p:spPr/>
-        <p:txBody>
-          <a:bodyPr/>
-          <a:lstStyle/>
-          <a:p>
-            <a:r>
-              <a:rPr lang="de-AT" dirty="0"/>
-              <a:t>Automatisierung - Anforderungen</a:t>
-            </a:r>
-          </a:p>
-        </p:txBody>
-      </p:sp>
-      <p:sp>
-        <p:nvSpPr>
-          <p:cNvPr id="3" name="Textplatzhalter 2">
-            <a:extLst>
-              <a:ext uri="{FF2B5EF4-FFF2-40B4-BE49-F238E27FC236}">
-                <a16:creationId xmlns:a16="http://schemas.microsoft.com/office/drawing/2014/main" id="{86F35138-ED60-7683-AAC7-4B5DD065E5C7}"/>
-              </a:ext>
-            </a:extLst>
-          </p:cNvPr>
-          <p:cNvSpPr>
-            <a:spLocks noGrp="1"/>
-          </p:cNvSpPr>
-          <p:nvPr>
-            <p:ph type="body" sz="quarter" idx="10"/>
-          </p:nvPr>
-        </p:nvSpPr>
-        <p:spPr/>
-        <p:txBody>
-          <a:bodyPr/>
-          <a:lstStyle/>
-          <a:p>
-            <a:r>
-              <a:rPr lang="de-AT" dirty="0"/>
-              <a:t>LED soll Präsenz von Person signalisieren</a:t>
-            </a:r>
-          </a:p>
-          <a:p>
-            <a:pPr lvl="1"/>
-            <a:r>
-              <a:rPr lang="de-AT" dirty="0"/>
-              <a:t>Rot 	</a:t>
-            </a:r>
-            <a:r>
-              <a:rPr lang="de-AT" dirty="0">
-                <a:sym typeface="Wingdings" panose="05000000000000000000" pitchFamily="2" charset="2"/>
-              </a:rPr>
-              <a:t> Innerhalb der Zone</a:t>
-            </a:r>
-          </a:p>
-          <a:p>
-            <a:pPr lvl="1"/>
-            <a:r>
-              <a:rPr lang="de-AT" dirty="0">
-                <a:sym typeface="Wingdings" panose="05000000000000000000" pitchFamily="2" charset="2"/>
-              </a:rPr>
-              <a:t>Grün 	 Präsent, aber außerhalb der Zone</a:t>
-            </a:r>
-          </a:p>
-          <a:p>
-            <a:r>
-              <a:rPr lang="de-AT" dirty="0">
-                <a:sym typeface="Wingdings" panose="05000000000000000000" pitchFamily="2" charset="2"/>
-              </a:rPr>
-              <a:t>Schwellwerte für die Distanz sinnvoll festlegen</a:t>
-            </a:r>
-          </a:p>
-          <a:p>
-            <a:pPr lvl="1"/>
-            <a:r>
-              <a:rPr lang="de-AT" dirty="0">
-                <a:sym typeface="Wingdings" panose="05000000000000000000" pitchFamily="2" charset="2"/>
-              </a:rPr>
-              <a:t>Zum Testen 50cm – 100cm</a:t>
-            </a:r>
-            <a:endParaRPr lang="de-AT" dirty="0"/>
-          </a:p>
-        </p:txBody>
-      </p:sp>
-    </p:spTree>
-    <p:extLst>
-      <p:ext uri="{BB962C8B-B14F-4D97-AF65-F5344CB8AC3E}">
-        <p14:creationId xmlns:p14="http://schemas.microsoft.com/office/powerpoint/2010/main" val="2591431486"/>
-      </p:ext>
-    </p:extLst>
-  </p:cSld>
-  <p:clrMapOvr>
-    <a:masterClrMapping/>
-  </p:clrMapOvr>
-</p:sld>
-</file>
-
-<file path=ppt/slides/slide24.xml><?xml version="1.0" encoding="utf-8"?>
-<p:sld xmlns:a="http://schemas.openxmlformats.org/drawingml/2006/main" xmlns:r="http://schemas.openxmlformats.org/officeDocument/2006/relationships" xmlns:p="http://schemas.openxmlformats.org/presentationml/2006/main">
-  <p:cSld>
-    <p:spTree>
-      <p:nvGrpSpPr>
-        <p:cNvPr id="1" name=""/>
-        <p:cNvGrpSpPr/>
-        <p:nvPr/>
-      </p:nvGrpSpPr>
-      <p:grpSpPr>
-        <a:xfrm>
-          <a:off x="0" y="0"/>
-          <a:ext cx="0" cy="0"/>
-          <a:chOff x="0" y="0"/>
-          <a:chExt cx="0" cy="0"/>
-        </a:xfrm>
-      </p:grpSpPr>
-      <p:sp>
-        <p:nvSpPr>
-          <p:cNvPr id="2" name="Titel 1">
-            <a:extLst>
-              <a:ext uri="{FF2B5EF4-FFF2-40B4-BE49-F238E27FC236}">
-                <a16:creationId xmlns:a16="http://schemas.microsoft.com/office/drawing/2014/main" id="{982C3E9F-5877-B1CA-AD0A-7B0C50F17685}"/>
-              </a:ext>
-            </a:extLst>
-          </p:cNvPr>
-          <p:cNvSpPr>
-            <a:spLocks noGrp="1"/>
-          </p:cNvSpPr>
-          <p:nvPr>
-            <p:ph type="title"/>
-          </p:nvPr>
-        </p:nvSpPr>
-        <p:spPr/>
-        <p:txBody>
-          <a:bodyPr>
-            <a:normAutofit/>
-          </a:bodyPr>
-          <a:lstStyle/>
-          <a:p>
-            <a:r>
-              <a:rPr lang="de-AT" sz="2800" dirty="0"/>
-              <a:t>Realisierung über HA-Automation</a:t>
-            </a:r>
-          </a:p>
-        </p:txBody>
-      </p:sp>
-      <p:sp>
-        <p:nvSpPr>
-          <p:cNvPr id="3" name="Textplatzhalter 2">
-            <a:extLst>
-              <a:ext uri="{FF2B5EF4-FFF2-40B4-BE49-F238E27FC236}">
-                <a16:creationId xmlns:a16="http://schemas.microsoft.com/office/drawing/2014/main" id="{909B4BA9-362F-756C-A2FD-382409C9A51E}"/>
-              </a:ext>
-            </a:extLst>
-          </p:cNvPr>
-          <p:cNvSpPr>
-            <a:spLocks noGrp="1"/>
-          </p:cNvSpPr>
-          <p:nvPr>
-            <p:ph type="body" sz="quarter" idx="10"/>
-          </p:nvPr>
-        </p:nvSpPr>
-        <p:spPr>
-          <a:xfrm>
-            <a:off x="323528" y="981075"/>
-            <a:ext cx="8207375" cy="4608165"/>
-          </a:xfrm>
-        </p:spPr>
-        <p:txBody>
-          <a:bodyPr/>
-          <a:lstStyle/>
-          <a:p>
-            <a:r>
-              <a:rPr lang="de-AT" sz="2400" dirty="0"/>
-              <a:t>Erster Ansatz: Helligkeits-Zustand steuert Ablauf</a:t>
-            </a:r>
-            <a:endParaRPr lang="de-AT" dirty="0"/>
-          </a:p>
-          <a:p>
-            <a:pPr lvl="1"/>
-            <a:r>
-              <a:rPr lang="de-AT" dirty="0"/>
-              <a:t>Trigger auf Helligkeitszustand für hell, mittel, dunkel</a:t>
-            </a:r>
-          </a:p>
-          <a:p>
-            <a:pPr lvl="1"/>
-            <a:r>
-              <a:rPr lang="de-AT" dirty="0"/>
-              <a:t>Setzen der Lichtfarbe je nach Auslöser-ID</a:t>
-            </a:r>
-          </a:p>
-          <a:p>
-            <a:r>
-              <a:rPr lang="de-AT" dirty="0"/>
-              <a:t>Zweiter Ansatz: Änderung der Helligkeit triggert</a:t>
-            </a:r>
-          </a:p>
-          <a:p>
-            <a:pPr lvl="1"/>
-            <a:r>
-              <a:rPr lang="de-AT" dirty="0"/>
-              <a:t>Event-Trigger ist sehr mächtig</a:t>
-            </a:r>
-          </a:p>
-          <a:p>
-            <a:pPr lvl="1"/>
-            <a:r>
-              <a:rPr lang="de-AT" dirty="0"/>
-              <a:t>Im Aktionsteil über Wenn/Dann/Sonst verschiedene Helligkeiten setzen</a:t>
-            </a:r>
-          </a:p>
-        </p:txBody>
-      </p:sp>
-      <p:pic>
-        <p:nvPicPr>
-          <p:cNvPr id="5" name="Grafik 4">
-            <a:extLst>
-              <a:ext uri="{FF2B5EF4-FFF2-40B4-BE49-F238E27FC236}">
-                <a16:creationId xmlns:a16="http://schemas.microsoft.com/office/drawing/2014/main" id="{6B16DFC2-F548-5D22-0F01-D60F991636CD}"/>
-              </a:ext>
-            </a:extLst>
-          </p:cNvPr>
-          <p:cNvPicPr>
-            <a:picLocks noChangeAspect="1"/>
-          </p:cNvPicPr>
-          <p:nvPr/>
-        </p:nvPicPr>
-        <p:blipFill>
-          <a:blip r:embed="rId2"/>
-          <a:stretch>
-            <a:fillRect/>
-          </a:stretch>
-        </p:blipFill>
-        <p:spPr>
-          <a:xfrm>
-            <a:off x="2267744" y="4035549"/>
-            <a:ext cx="4448175" cy="2809875"/>
-          </a:xfrm>
-          <a:prstGeom prst="rect">
-            <a:avLst/>
-          </a:prstGeom>
-        </p:spPr>
-      </p:pic>
       <p:sp>
         <p:nvSpPr>
           <p:cNvPr id="6" name="Textfeld 5">
             <a:extLst>
               <a:ext uri="{FF2B5EF4-FFF2-40B4-BE49-F238E27FC236}">
-                <a16:creationId xmlns:a16="http://schemas.microsoft.com/office/drawing/2014/main" id="{1BCCB249-461A-3D2B-434C-925EBACC7C03}"/>
+                <a16:creationId xmlns:a16="http://schemas.microsoft.com/office/drawing/2014/main" id="{C650E654-7718-C15E-E0E3-78EE9454F9C9}"/>
               </a:ext>
             </a:extLst>
           </p:cNvPr>
@@ -7002,10 +4937,2030 @@
           </a:p>
         </p:txBody>
       </p:sp>
+      <p:pic>
+        <p:nvPicPr>
+          <p:cNvPr id="7" name="Grafik 6">
+            <a:extLst>
+              <a:ext uri="{FF2B5EF4-FFF2-40B4-BE49-F238E27FC236}">
+                <a16:creationId xmlns:a16="http://schemas.microsoft.com/office/drawing/2014/main" id="{CAAA1658-2491-9E6D-B6A3-CE7DA1061132}"/>
+              </a:ext>
+            </a:extLst>
+          </p:cNvPr>
+          <p:cNvPicPr>
+            <a:picLocks noChangeAspect="1"/>
+          </p:cNvPicPr>
+          <p:nvPr/>
+        </p:nvPicPr>
+        <p:blipFill>
+          <a:blip r:embed="rId2"/>
+          <a:stretch>
+            <a:fillRect/>
+          </a:stretch>
+        </p:blipFill>
+        <p:spPr>
+          <a:xfrm>
+            <a:off x="1331640" y="2830725"/>
+            <a:ext cx="5717931" cy="2824100"/>
+          </a:xfrm>
+          <a:prstGeom prst="rect">
+            <a:avLst/>
+          </a:prstGeom>
+        </p:spPr>
+      </p:pic>
     </p:spTree>
     <p:extLst>
       <p:ext uri="{BB962C8B-B14F-4D97-AF65-F5344CB8AC3E}">
-        <p14:creationId xmlns:p14="http://schemas.microsoft.com/office/powerpoint/2010/main" val="3348715770"/>
+        <p14:creationId xmlns:p14="http://schemas.microsoft.com/office/powerpoint/2010/main" val="3694185104"/>
+      </p:ext>
+    </p:extLst>
+  </p:cSld>
+  <p:clrMapOvr>
+    <a:masterClrMapping/>
+  </p:clrMapOvr>
+</p:sld>
+</file>
+
+<file path=ppt/slides/slide12.xml><?xml version="1.0" encoding="utf-8"?>
+<p:sld xmlns:a="http://schemas.openxmlformats.org/drawingml/2006/main" xmlns:r="http://schemas.openxmlformats.org/officeDocument/2006/relationships" xmlns:p="http://schemas.openxmlformats.org/presentationml/2006/main">
+  <p:cSld>
+    <p:spTree>
+      <p:nvGrpSpPr>
+        <p:cNvPr id="1" name=""/>
+        <p:cNvGrpSpPr/>
+        <p:nvPr/>
+      </p:nvGrpSpPr>
+      <p:grpSpPr>
+        <a:xfrm>
+          <a:off x="0" y="0"/>
+          <a:ext cx="0" cy="0"/>
+          <a:chOff x="0" y="0"/>
+          <a:chExt cx="0" cy="0"/>
+        </a:xfrm>
+      </p:grpSpPr>
+      <p:sp>
+        <p:nvSpPr>
+          <p:cNvPr id="2" name="Titel 1">
+            <a:extLst>
+              <a:ext uri="{FF2B5EF4-FFF2-40B4-BE49-F238E27FC236}">
+                <a16:creationId xmlns:a16="http://schemas.microsoft.com/office/drawing/2014/main" id="{F7433EB0-6770-6455-24BE-61DE187B8604}"/>
+              </a:ext>
+            </a:extLst>
+          </p:cNvPr>
+          <p:cNvSpPr>
+            <a:spLocks noGrp="1"/>
+          </p:cNvSpPr>
+          <p:nvPr>
+            <p:ph type="title"/>
+          </p:nvPr>
+        </p:nvSpPr>
+        <p:spPr/>
+        <p:txBody>
+          <a:bodyPr/>
+          <a:lstStyle/>
+          <a:p>
+            <a:r>
+              <a:rPr lang="de-AT" dirty="0" err="1"/>
+              <a:t>EspHome</a:t>
+            </a:r>
+            <a:r>
+              <a:rPr lang="de-AT" dirty="0"/>
+              <a:t> CLI</a:t>
+            </a:r>
+          </a:p>
+        </p:txBody>
+      </p:sp>
+      <p:sp>
+        <p:nvSpPr>
+          <p:cNvPr id="3" name="Textplatzhalter 2">
+            <a:extLst>
+              <a:ext uri="{FF2B5EF4-FFF2-40B4-BE49-F238E27FC236}">
+                <a16:creationId xmlns:a16="http://schemas.microsoft.com/office/drawing/2014/main" id="{93BFD776-BA06-6B4B-136B-357C2A45341A}"/>
+              </a:ext>
+            </a:extLst>
+          </p:cNvPr>
+          <p:cNvSpPr>
+            <a:spLocks noGrp="1"/>
+          </p:cNvSpPr>
+          <p:nvPr>
+            <p:ph type="body" sz="quarter" idx="10"/>
+          </p:nvPr>
+        </p:nvSpPr>
+        <p:spPr>
+          <a:xfrm>
+            <a:off x="468313" y="1124744"/>
+            <a:ext cx="8207375" cy="4608165"/>
+          </a:xfrm>
+        </p:spPr>
+        <p:txBody>
+          <a:bodyPr/>
+          <a:lstStyle/>
+          <a:p>
+            <a:r>
+              <a:rPr lang="de-AT" dirty="0"/>
+              <a:t>Wenn Installation über Web-Serial Probleme macht</a:t>
+            </a:r>
+          </a:p>
+          <a:p>
+            <a:pPr lvl="1"/>
+            <a:r>
+              <a:rPr lang="de-AT" dirty="0"/>
+              <a:t>Schlechte Beobachtbarkeit des Ablaufs</a:t>
+            </a:r>
+          </a:p>
+          <a:p>
+            <a:r>
+              <a:rPr lang="de-AT" dirty="0"/>
+              <a:t>Installation</a:t>
+            </a:r>
+          </a:p>
+          <a:p>
+            <a:pPr lvl="1"/>
+            <a:r>
+              <a:rPr lang="de-AT" dirty="0">
+                <a:hlinkClick r:id="rId3"/>
+              </a:rPr>
+              <a:t>https://esphome.io/guides/installing_esphome</a:t>
+            </a:r>
+            <a:r>
+              <a:rPr lang="de-AT" dirty="0"/>
+              <a:t>  </a:t>
+            </a:r>
+          </a:p>
+          <a:p>
+            <a:pPr lvl="1"/>
+            <a:r>
+              <a:rPr lang="de-AT" dirty="0"/>
+              <a:t>pip3 </a:t>
+            </a:r>
+            <a:r>
+              <a:rPr lang="de-AT" dirty="0" err="1"/>
+              <a:t>install</a:t>
+            </a:r>
+            <a:r>
+              <a:rPr lang="de-AT" dirty="0"/>
+              <a:t> </a:t>
+            </a:r>
+            <a:r>
+              <a:rPr lang="de-AT" dirty="0" err="1"/>
+              <a:t>esphome</a:t>
+            </a:r>
+            <a:endParaRPr lang="de-AT" dirty="0"/>
+          </a:p>
+          <a:p>
+            <a:pPr lvl="1"/>
+            <a:r>
+              <a:rPr lang="de-AT" dirty="0"/>
+              <a:t>Update: </a:t>
+            </a:r>
+            <a:r>
+              <a:rPr lang="de-AT" b="0" i="0" dirty="0">
+                <a:solidFill>
+                  <a:srgbClr val="222222"/>
+                </a:solidFill>
+                <a:effectLst/>
+                <a:latin typeface="Arial" panose="020B0604020202020204" pitchFamily="34" charset="0"/>
+              </a:rPr>
+              <a:t>pip3 </a:t>
+            </a:r>
+            <a:r>
+              <a:rPr lang="de-AT" b="0" i="0" dirty="0" err="1">
+                <a:solidFill>
+                  <a:srgbClr val="222222"/>
+                </a:solidFill>
+                <a:effectLst/>
+                <a:latin typeface="Arial" panose="020B0604020202020204" pitchFamily="34" charset="0"/>
+              </a:rPr>
+              <a:t>install</a:t>
+            </a:r>
+            <a:r>
+              <a:rPr lang="de-AT" b="0" i="0" dirty="0">
+                <a:solidFill>
+                  <a:srgbClr val="222222"/>
+                </a:solidFill>
+                <a:effectLst/>
+                <a:latin typeface="Arial" panose="020B0604020202020204" pitchFamily="34" charset="0"/>
+              </a:rPr>
+              <a:t> </a:t>
+            </a:r>
+            <a:r>
+              <a:rPr lang="de-AT" b="0" i="0" dirty="0" err="1">
+                <a:solidFill>
+                  <a:srgbClr val="222222"/>
+                </a:solidFill>
+                <a:effectLst/>
+                <a:latin typeface="Arial" panose="020B0604020202020204" pitchFamily="34" charset="0"/>
+              </a:rPr>
+              <a:t>esphome</a:t>
+            </a:r>
+            <a:r>
+              <a:rPr lang="de-AT" b="0" i="0" dirty="0">
+                <a:solidFill>
+                  <a:srgbClr val="222222"/>
+                </a:solidFill>
+                <a:effectLst/>
+                <a:latin typeface="Arial" panose="020B0604020202020204" pitchFamily="34" charset="0"/>
+              </a:rPr>
+              <a:t> -U</a:t>
+            </a:r>
+            <a:endParaRPr lang="de-AT" dirty="0"/>
+          </a:p>
+          <a:p>
+            <a:pPr lvl="1"/>
+            <a:endParaRPr lang="de-AT" dirty="0"/>
+          </a:p>
+          <a:p>
+            <a:r>
+              <a:rPr lang="de-AT" dirty="0"/>
+              <a:t>Ergebnis</a:t>
+            </a:r>
+          </a:p>
+          <a:p>
+            <a:endParaRPr lang="de-AT" dirty="0"/>
+          </a:p>
+        </p:txBody>
+      </p:sp>
+      <p:pic>
+        <p:nvPicPr>
+          <p:cNvPr id="5" name="Grafik 4">
+            <a:extLst>
+              <a:ext uri="{FF2B5EF4-FFF2-40B4-BE49-F238E27FC236}">
+                <a16:creationId xmlns:a16="http://schemas.microsoft.com/office/drawing/2014/main" id="{ECB48A5E-8386-3A75-71A5-A61C43355B18}"/>
+              </a:ext>
+            </a:extLst>
+          </p:cNvPr>
+          <p:cNvPicPr>
+            <a:picLocks noChangeAspect="1"/>
+          </p:cNvPicPr>
+          <p:nvPr/>
+        </p:nvPicPr>
+        <p:blipFill>
+          <a:blip r:embed="rId4"/>
+          <a:stretch>
+            <a:fillRect/>
+          </a:stretch>
+        </p:blipFill>
+        <p:spPr>
+          <a:xfrm>
+            <a:off x="611560" y="5157192"/>
+            <a:ext cx="7868132" cy="575717"/>
+          </a:xfrm>
+          <a:prstGeom prst="rect">
+            <a:avLst/>
+          </a:prstGeom>
+        </p:spPr>
+      </p:pic>
+    </p:spTree>
+    <p:extLst>
+      <p:ext uri="{BB962C8B-B14F-4D97-AF65-F5344CB8AC3E}">
+        <p14:creationId xmlns:p14="http://schemas.microsoft.com/office/powerpoint/2010/main" val="2981123860"/>
+      </p:ext>
+    </p:extLst>
+  </p:cSld>
+  <p:clrMapOvr>
+    <a:masterClrMapping/>
+  </p:clrMapOvr>
+</p:sld>
+</file>
+
+<file path=ppt/slides/slide13.xml><?xml version="1.0" encoding="utf-8"?>
+<p:sld xmlns:a="http://schemas.openxmlformats.org/drawingml/2006/main" xmlns:r="http://schemas.openxmlformats.org/officeDocument/2006/relationships" xmlns:p="http://schemas.openxmlformats.org/presentationml/2006/main">
+  <p:cSld>
+    <p:spTree>
+      <p:nvGrpSpPr>
+        <p:cNvPr id="1" name=""/>
+        <p:cNvGrpSpPr/>
+        <p:nvPr/>
+      </p:nvGrpSpPr>
+      <p:grpSpPr>
+        <a:xfrm>
+          <a:off x="0" y="0"/>
+          <a:ext cx="0" cy="0"/>
+          <a:chOff x="0" y="0"/>
+          <a:chExt cx="0" cy="0"/>
+        </a:xfrm>
+      </p:grpSpPr>
+      <p:sp>
+        <p:nvSpPr>
+          <p:cNvPr id="2" name="Titel 1">
+            <a:extLst>
+              <a:ext uri="{FF2B5EF4-FFF2-40B4-BE49-F238E27FC236}">
+                <a16:creationId xmlns:a16="http://schemas.microsoft.com/office/drawing/2014/main" id="{2E0A31ED-9911-464C-6FAB-CD1A8A4BA6EC}"/>
+              </a:ext>
+            </a:extLst>
+          </p:cNvPr>
+          <p:cNvSpPr>
+            <a:spLocks noGrp="1"/>
+          </p:cNvSpPr>
+          <p:nvPr>
+            <p:ph type="title"/>
+          </p:nvPr>
+        </p:nvSpPr>
+        <p:spPr/>
+        <p:txBody>
+          <a:bodyPr/>
+          <a:lstStyle/>
+          <a:p>
+            <a:r>
+              <a:rPr lang="de-AT" dirty="0" err="1"/>
+              <a:t>zone_guard.yaml</a:t>
+            </a:r>
+            <a:r>
+              <a:rPr lang="de-AT" dirty="0"/>
+              <a:t> abhängig vom Modul</a:t>
+            </a:r>
+          </a:p>
+        </p:txBody>
+      </p:sp>
+      <p:sp>
+        <p:nvSpPr>
+          <p:cNvPr id="3" name="Textplatzhalter 2">
+            <a:extLst>
+              <a:ext uri="{FF2B5EF4-FFF2-40B4-BE49-F238E27FC236}">
+                <a16:creationId xmlns:a16="http://schemas.microsoft.com/office/drawing/2014/main" id="{9D2ABB80-519F-57A4-5DDD-586CADF174EC}"/>
+              </a:ext>
+            </a:extLst>
+          </p:cNvPr>
+          <p:cNvSpPr>
+            <a:spLocks noGrp="1"/>
+          </p:cNvSpPr>
+          <p:nvPr>
+            <p:ph type="body" sz="quarter" idx="10"/>
+          </p:nvPr>
+        </p:nvSpPr>
+        <p:spPr/>
+        <p:txBody>
+          <a:bodyPr/>
+          <a:lstStyle/>
+          <a:p>
+            <a:endParaRPr lang="de-AT"/>
+          </a:p>
+        </p:txBody>
+      </p:sp>
+      <p:pic>
+        <p:nvPicPr>
+          <p:cNvPr id="5" name="Grafik 4">
+            <a:extLst>
+              <a:ext uri="{FF2B5EF4-FFF2-40B4-BE49-F238E27FC236}">
+                <a16:creationId xmlns:a16="http://schemas.microsoft.com/office/drawing/2014/main" id="{30AC23C3-23C7-978C-E6BF-15629FCC8665}"/>
+              </a:ext>
+            </a:extLst>
+          </p:cNvPr>
+          <p:cNvPicPr>
+            <a:picLocks noChangeAspect="1"/>
+          </p:cNvPicPr>
+          <p:nvPr/>
+        </p:nvPicPr>
+        <p:blipFill>
+          <a:blip r:embed="rId3"/>
+          <a:stretch>
+            <a:fillRect/>
+          </a:stretch>
+        </p:blipFill>
+        <p:spPr>
+          <a:xfrm>
+            <a:off x="683568" y="1014991"/>
+            <a:ext cx="7258769" cy="5199073"/>
+          </a:xfrm>
+          <a:prstGeom prst="rect">
+            <a:avLst/>
+          </a:prstGeom>
+        </p:spPr>
+      </p:pic>
+    </p:spTree>
+    <p:extLst>
+      <p:ext uri="{BB962C8B-B14F-4D97-AF65-F5344CB8AC3E}">
+        <p14:creationId xmlns:p14="http://schemas.microsoft.com/office/powerpoint/2010/main" val="2103734650"/>
+      </p:ext>
+    </p:extLst>
+  </p:cSld>
+  <p:clrMapOvr>
+    <a:masterClrMapping/>
+  </p:clrMapOvr>
+</p:sld>
+</file>
+
+<file path=ppt/slides/slide14.xml><?xml version="1.0" encoding="utf-8"?>
+<p:sld xmlns:a="http://schemas.openxmlformats.org/drawingml/2006/main" xmlns:r="http://schemas.openxmlformats.org/officeDocument/2006/relationships" xmlns:p="http://schemas.openxmlformats.org/presentationml/2006/main">
+  <p:cSld>
+    <p:spTree>
+      <p:nvGrpSpPr>
+        <p:cNvPr id="1" name=""/>
+        <p:cNvGrpSpPr/>
+        <p:nvPr/>
+      </p:nvGrpSpPr>
+      <p:grpSpPr>
+        <a:xfrm>
+          <a:off x="0" y="0"/>
+          <a:ext cx="0" cy="0"/>
+          <a:chOff x="0" y="0"/>
+          <a:chExt cx="0" cy="0"/>
+        </a:xfrm>
+      </p:grpSpPr>
+      <p:sp>
+        <p:nvSpPr>
+          <p:cNvPr id="2" name="Titel 1">
+            <a:extLst>
+              <a:ext uri="{FF2B5EF4-FFF2-40B4-BE49-F238E27FC236}">
+                <a16:creationId xmlns:a16="http://schemas.microsoft.com/office/drawing/2014/main" id="{1CBC0C04-BD79-2DB0-AB94-B62DAFCE4ACF}"/>
+              </a:ext>
+            </a:extLst>
+          </p:cNvPr>
+          <p:cNvSpPr>
+            <a:spLocks noGrp="1"/>
+          </p:cNvSpPr>
+          <p:nvPr>
+            <p:ph type="title"/>
+          </p:nvPr>
+        </p:nvSpPr>
+        <p:spPr/>
+        <p:txBody>
+          <a:bodyPr/>
+          <a:lstStyle/>
+          <a:p>
+            <a:r>
+              <a:rPr lang="de-AT" dirty="0"/>
+              <a:t>esp32_template.yaml liegt auf GitHub</a:t>
+            </a:r>
+          </a:p>
+        </p:txBody>
+      </p:sp>
+      <p:sp>
+        <p:nvSpPr>
+          <p:cNvPr id="3" name="Textplatzhalter 2">
+            <a:extLst>
+              <a:ext uri="{FF2B5EF4-FFF2-40B4-BE49-F238E27FC236}">
+                <a16:creationId xmlns:a16="http://schemas.microsoft.com/office/drawing/2014/main" id="{35AF9763-9174-8BF1-03FC-2FCAFD069D16}"/>
+              </a:ext>
+            </a:extLst>
+          </p:cNvPr>
+          <p:cNvSpPr>
+            <a:spLocks noGrp="1"/>
+          </p:cNvSpPr>
+          <p:nvPr>
+            <p:ph type="body" sz="quarter" idx="10"/>
+          </p:nvPr>
+        </p:nvSpPr>
+        <p:spPr/>
+        <p:txBody>
+          <a:bodyPr/>
+          <a:lstStyle/>
+          <a:p>
+            <a:endParaRPr lang="de-AT" dirty="0"/>
+          </a:p>
+        </p:txBody>
+      </p:sp>
+      <p:pic>
+        <p:nvPicPr>
+          <p:cNvPr id="5" name="Grafik 4">
+            <a:extLst>
+              <a:ext uri="{FF2B5EF4-FFF2-40B4-BE49-F238E27FC236}">
+                <a16:creationId xmlns:a16="http://schemas.microsoft.com/office/drawing/2014/main" id="{F9146E53-91B2-9D2D-F9AC-553D9C5F5514}"/>
+              </a:ext>
+            </a:extLst>
+          </p:cNvPr>
+          <p:cNvPicPr>
+            <a:picLocks noChangeAspect="1"/>
+          </p:cNvPicPr>
+          <p:nvPr/>
+        </p:nvPicPr>
+        <p:blipFill>
+          <a:blip r:embed="rId2"/>
+          <a:stretch>
+            <a:fillRect/>
+          </a:stretch>
+        </p:blipFill>
+        <p:spPr>
+          <a:xfrm>
+            <a:off x="11113" y="829310"/>
+            <a:ext cx="3961711" cy="6028690"/>
+          </a:xfrm>
+          <a:prstGeom prst="rect">
+            <a:avLst/>
+          </a:prstGeom>
+        </p:spPr>
+      </p:pic>
+      <p:pic>
+        <p:nvPicPr>
+          <p:cNvPr id="7" name="Grafik 6">
+            <a:extLst>
+              <a:ext uri="{FF2B5EF4-FFF2-40B4-BE49-F238E27FC236}">
+                <a16:creationId xmlns:a16="http://schemas.microsoft.com/office/drawing/2014/main" id="{180754AE-F014-24C7-BB94-BBDEE1AB6AF0}"/>
+              </a:ext>
+            </a:extLst>
+          </p:cNvPr>
+          <p:cNvPicPr>
+            <a:picLocks noChangeAspect="1"/>
+          </p:cNvPicPr>
+          <p:nvPr/>
+        </p:nvPicPr>
+        <p:blipFill>
+          <a:blip r:embed="rId3"/>
+          <a:stretch>
+            <a:fillRect/>
+          </a:stretch>
+        </p:blipFill>
+        <p:spPr>
+          <a:xfrm>
+            <a:off x="4401431" y="948162"/>
+            <a:ext cx="4742569" cy="3364583"/>
+          </a:xfrm>
+          <a:prstGeom prst="rect">
+            <a:avLst/>
+          </a:prstGeom>
+        </p:spPr>
+      </p:pic>
+    </p:spTree>
+    <p:extLst>
+      <p:ext uri="{BB962C8B-B14F-4D97-AF65-F5344CB8AC3E}">
+        <p14:creationId xmlns:p14="http://schemas.microsoft.com/office/powerpoint/2010/main" val="644956354"/>
+      </p:ext>
+    </p:extLst>
+  </p:cSld>
+  <p:clrMapOvr>
+    <a:masterClrMapping/>
+  </p:clrMapOvr>
+</p:sld>
+</file>
+
+<file path=ppt/slides/slide15.xml><?xml version="1.0" encoding="utf-8"?>
+<p:sld xmlns:a="http://schemas.openxmlformats.org/drawingml/2006/main" xmlns:r="http://schemas.openxmlformats.org/officeDocument/2006/relationships" xmlns:p="http://schemas.openxmlformats.org/presentationml/2006/main">
+  <p:cSld>
+    <p:spTree>
+      <p:nvGrpSpPr>
+        <p:cNvPr id="1" name=""/>
+        <p:cNvGrpSpPr/>
+        <p:nvPr/>
+      </p:nvGrpSpPr>
+      <p:grpSpPr>
+        <a:xfrm>
+          <a:off x="0" y="0"/>
+          <a:ext cx="0" cy="0"/>
+          <a:chOff x="0" y="0"/>
+          <a:chExt cx="0" cy="0"/>
+        </a:xfrm>
+      </p:grpSpPr>
+      <p:sp>
+        <p:nvSpPr>
+          <p:cNvPr id="2" name="Titel 1">
+            <a:extLst>
+              <a:ext uri="{FF2B5EF4-FFF2-40B4-BE49-F238E27FC236}">
+                <a16:creationId xmlns:a16="http://schemas.microsoft.com/office/drawing/2014/main" id="{B5D57E6E-6927-D6DA-9647-486EB7A02EAC}"/>
+              </a:ext>
+            </a:extLst>
+          </p:cNvPr>
+          <p:cNvSpPr>
+            <a:spLocks noGrp="1"/>
+          </p:cNvSpPr>
+          <p:nvPr>
+            <p:ph type="title"/>
+          </p:nvPr>
+        </p:nvSpPr>
+        <p:spPr/>
+        <p:txBody>
+          <a:bodyPr/>
+          <a:lstStyle/>
+          <a:p>
+            <a:r>
+              <a:rPr lang="de-AT" dirty="0"/>
+              <a:t>RGB-Led</a:t>
+            </a:r>
+          </a:p>
+        </p:txBody>
+      </p:sp>
+      <p:sp>
+        <p:nvSpPr>
+          <p:cNvPr id="3" name="Textplatzhalter 2">
+            <a:extLst>
+              <a:ext uri="{FF2B5EF4-FFF2-40B4-BE49-F238E27FC236}">
+                <a16:creationId xmlns:a16="http://schemas.microsoft.com/office/drawing/2014/main" id="{D3805100-4EB6-3183-B8F8-DA779F980654}"/>
+              </a:ext>
+            </a:extLst>
+          </p:cNvPr>
+          <p:cNvSpPr>
+            <a:spLocks noGrp="1"/>
+          </p:cNvSpPr>
+          <p:nvPr>
+            <p:ph type="body" sz="quarter" idx="10"/>
+          </p:nvPr>
+        </p:nvSpPr>
+        <p:spPr/>
+        <p:txBody>
+          <a:bodyPr/>
+          <a:lstStyle/>
+          <a:p>
+            <a:endParaRPr lang="de-AT" dirty="0"/>
+          </a:p>
+        </p:txBody>
+      </p:sp>
+      <p:pic>
+        <p:nvPicPr>
+          <p:cNvPr id="5" name="Grafik 4">
+            <a:extLst>
+              <a:ext uri="{FF2B5EF4-FFF2-40B4-BE49-F238E27FC236}">
+                <a16:creationId xmlns:a16="http://schemas.microsoft.com/office/drawing/2014/main" id="{9CE4A720-B69D-DD4B-A835-38B4352E186E}"/>
+              </a:ext>
+            </a:extLst>
+          </p:cNvPr>
+          <p:cNvPicPr>
+            <a:picLocks noChangeAspect="1"/>
+          </p:cNvPicPr>
+          <p:nvPr/>
+        </p:nvPicPr>
+        <p:blipFill>
+          <a:blip r:embed="rId2"/>
+          <a:stretch>
+            <a:fillRect/>
+          </a:stretch>
+        </p:blipFill>
+        <p:spPr>
+          <a:xfrm>
+            <a:off x="107504" y="1244643"/>
+            <a:ext cx="4110763" cy="2376264"/>
+          </a:xfrm>
+          <a:prstGeom prst="rect">
+            <a:avLst/>
+          </a:prstGeom>
+        </p:spPr>
+      </p:pic>
+      <p:pic>
+        <p:nvPicPr>
+          <p:cNvPr id="7" name="Grafik 6">
+            <a:extLst>
+              <a:ext uri="{FF2B5EF4-FFF2-40B4-BE49-F238E27FC236}">
+                <a16:creationId xmlns:a16="http://schemas.microsoft.com/office/drawing/2014/main" id="{C88AAC59-DBA0-4CB9-CC6A-51171F007BA6}"/>
+              </a:ext>
+            </a:extLst>
+          </p:cNvPr>
+          <p:cNvPicPr>
+            <a:picLocks noChangeAspect="1"/>
+          </p:cNvPicPr>
+          <p:nvPr/>
+        </p:nvPicPr>
+        <p:blipFill>
+          <a:blip r:embed="rId3"/>
+          <a:stretch>
+            <a:fillRect/>
+          </a:stretch>
+        </p:blipFill>
+        <p:spPr>
+          <a:xfrm>
+            <a:off x="4716016" y="1268413"/>
+            <a:ext cx="4093418" cy="3694483"/>
+          </a:xfrm>
+          <a:prstGeom prst="rect">
+            <a:avLst/>
+          </a:prstGeom>
+        </p:spPr>
+      </p:pic>
+    </p:spTree>
+    <p:extLst>
+      <p:ext uri="{BB962C8B-B14F-4D97-AF65-F5344CB8AC3E}">
+        <p14:creationId xmlns:p14="http://schemas.microsoft.com/office/powerpoint/2010/main" val="1258934815"/>
+      </p:ext>
+    </p:extLst>
+  </p:cSld>
+  <p:clrMapOvr>
+    <a:masterClrMapping/>
+  </p:clrMapOvr>
+</p:sld>
+</file>
+
+<file path=ppt/slides/slide16.xml><?xml version="1.0" encoding="utf-8"?>
+<p:sld xmlns:a="http://schemas.openxmlformats.org/drawingml/2006/main" xmlns:r="http://schemas.openxmlformats.org/officeDocument/2006/relationships" xmlns:p="http://schemas.openxmlformats.org/presentationml/2006/main">
+  <p:cSld>
+    <p:spTree>
+      <p:nvGrpSpPr>
+        <p:cNvPr id="1" name=""/>
+        <p:cNvGrpSpPr/>
+        <p:nvPr/>
+      </p:nvGrpSpPr>
+      <p:grpSpPr>
+        <a:xfrm>
+          <a:off x="0" y="0"/>
+          <a:ext cx="0" cy="0"/>
+          <a:chOff x="0" y="0"/>
+          <a:chExt cx="0" cy="0"/>
+        </a:xfrm>
+      </p:grpSpPr>
+      <p:sp>
+        <p:nvSpPr>
+          <p:cNvPr id="2" name="Titel 1">
+            <a:extLst>
+              <a:ext uri="{FF2B5EF4-FFF2-40B4-BE49-F238E27FC236}">
+                <a16:creationId xmlns:a16="http://schemas.microsoft.com/office/drawing/2014/main" id="{06917B8D-A4BE-6A68-D58C-21F37A5F5E43}"/>
+              </a:ext>
+            </a:extLst>
+          </p:cNvPr>
+          <p:cNvSpPr>
+            <a:spLocks noGrp="1"/>
+          </p:cNvSpPr>
+          <p:nvPr>
+            <p:ph type="title"/>
+          </p:nvPr>
+        </p:nvSpPr>
+        <p:spPr/>
+        <p:txBody>
+          <a:bodyPr/>
+          <a:lstStyle/>
+          <a:p>
+            <a:r>
+              <a:rPr lang="de-AT" dirty="0"/>
+              <a:t>LD2420 mit angepassten </a:t>
+            </a:r>
+            <a:r>
+              <a:rPr lang="de-AT" dirty="0" err="1"/>
+              <a:t>Substitutions</a:t>
+            </a:r>
+            <a:endParaRPr lang="de-AT" dirty="0"/>
+          </a:p>
+        </p:txBody>
+      </p:sp>
+      <p:sp>
+        <p:nvSpPr>
+          <p:cNvPr id="3" name="Textplatzhalter 2">
+            <a:extLst>
+              <a:ext uri="{FF2B5EF4-FFF2-40B4-BE49-F238E27FC236}">
+                <a16:creationId xmlns:a16="http://schemas.microsoft.com/office/drawing/2014/main" id="{CA2053E5-E32C-813A-8E20-CDD5A69D0DF5}"/>
+              </a:ext>
+            </a:extLst>
+          </p:cNvPr>
+          <p:cNvSpPr>
+            <a:spLocks noGrp="1"/>
+          </p:cNvSpPr>
+          <p:nvPr>
+            <p:ph type="body" sz="quarter" idx="10"/>
+          </p:nvPr>
+        </p:nvSpPr>
+        <p:spPr/>
+        <p:txBody>
+          <a:bodyPr/>
+          <a:lstStyle/>
+          <a:p>
+            <a:endParaRPr lang="de-AT" dirty="0"/>
+          </a:p>
+        </p:txBody>
+      </p:sp>
+      <p:pic>
+        <p:nvPicPr>
+          <p:cNvPr id="5" name="Grafik 4">
+            <a:extLst>
+              <a:ext uri="{FF2B5EF4-FFF2-40B4-BE49-F238E27FC236}">
+                <a16:creationId xmlns:a16="http://schemas.microsoft.com/office/drawing/2014/main" id="{754FEDEA-FF55-53D7-CFBF-E2FB1BBCA1A2}"/>
+              </a:ext>
+            </a:extLst>
+          </p:cNvPr>
+          <p:cNvPicPr>
+            <a:picLocks noChangeAspect="1"/>
+          </p:cNvPicPr>
+          <p:nvPr/>
+        </p:nvPicPr>
+        <p:blipFill>
+          <a:blip r:embed="rId2"/>
+          <a:stretch>
+            <a:fillRect/>
+          </a:stretch>
+        </p:blipFill>
+        <p:spPr>
+          <a:xfrm>
+            <a:off x="363429" y="1031397"/>
+            <a:ext cx="3584899" cy="3385738"/>
+          </a:xfrm>
+          <a:prstGeom prst="rect">
+            <a:avLst/>
+          </a:prstGeom>
+        </p:spPr>
+      </p:pic>
+      <p:pic>
+        <p:nvPicPr>
+          <p:cNvPr id="7" name="Grafik 6">
+            <a:extLst>
+              <a:ext uri="{FF2B5EF4-FFF2-40B4-BE49-F238E27FC236}">
+                <a16:creationId xmlns:a16="http://schemas.microsoft.com/office/drawing/2014/main" id="{C7B41D7B-43E5-9339-4FA0-927DDE7143E8}"/>
+              </a:ext>
+            </a:extLst>
+          </p:cNvPr>
+          <p:cNvPicPr>
+            <a:picLocks noChangeAspect="1"/>
+          </p:cNvPicPr>
+          <p:nvPr/>
+        </p:nvPicPr>
+        <p:blipFill>
+          <a:blip r:embed="rId3"/>
+          <a:stretch>
+            <a:fillRect/>
+          </a:stretch>
+        </p:blipFill>
+        <p:spPr>
+          <a:xfrm>
+            <a:off x="4509570" y="1036272"/>
+            <a:ext cx="4454918" cy="5041919"/>
+          </a:xfrm>
+          <a:prstGeom prst="rect">
+            <a:avLst/>
+          </a:prstGeom>
+        </p:spPr>
+      </p:pic>
+      <p:pic>
+        <p:nvPicPr>
+          <p:cNvPr id="9" name="Grafik 8">
+            <a:extLst>
+              <a:ext uri="{FF2B5EF4-FFF2-40B4-BE49-F238E27FC236}">
+                <a16:creationId xmlns:a16="http://schemas.microsoft.com/office/drawing/2014/main" id="{1FDF29F8-BB90-2EBF-3998-177D959A5311}"/>
+              </a:ext>
+            </a:extLst>
+          </p:cNvPr>
+          <p:cNvPicPr>
+            <a:picLocks noChangeAspect="1"/>
+          </p:cNvPicPr>
+          <p:nvPr/>
+        </p:nvPicPr>
+        <p:blipFill>
+          <a:blip r:embed="rId4"/>
+          <a:stretch>
+            <a:fillRect/>
+          </a:stretch>
+        </p:blipFill>
+        <p:spPr>
+          <a:xfrm>
+            <a:off x="363429" y="4564947"/>
+            <a:ext cx="3609009" cy="2167640"/>
+          </a:xfrm>
+          <a:prstGeom prst="rect">
+            <a:avLst/>
+          </a:prstGeom>
+        </p:spPr>
+      </p:pic>
+    </p:spTree>
+    <p:extLst>
+      <p:ext uri="{BB962C8B-B14F-4D97-AF65-F5344CB8AC3E}">
+        <p14:creationId xmlns:p14="http://schemas.microsoft.com/office/powerpoint/2010/main" val="160983382"/>
+      </p:ext>
+    </p:extLst>
+  </p:cSld>
+  <p:clrMapOvr>
+    <a:masterClrMapping/>
+  </p:clrMapOvr>
+</p:sld>
+</file>
+
+<file path=ppt/slides/slide17.xml><?xml version="1.0" encoding="utf-8"?>
+<p:sld xmlns:a="http://schemas.openxmlformats.org/drawingml/2006/main" xmlns:r="http://schemas.openxmlformats.org/officeDocument/2006/relationships" xmlns:p="http://schemas.openxmlformats.org/presentationml/2006/main">
+  <p:cSld>
+    <p:spTree>
+      <p:nvGrpSpPr>
+        <p:cNvPr id="1" name=""/>
+        <p:cNvGrpSpPr/>
+        <p:nvPr/>
+      </p:nvGrpSpPr>
+      <p:grpSpPr>
+        <a:xfrm>
+          <a:off x="0" y="0"/>
+          <a:ext cx="0" cy="0"/>
+          <a:chOff x="0" y="0"/>
+          <a:chExt cx="0" cy="0"/>
+        </a:xfrm>
+      </p:grpSpPr>
+      <p:sp>
+        <p:nvSpPr>
+          <p:cNvPr id="2" name="Titel 1">
+            <a:extLst>
+              <a:ext uri="{FF2B5EF4-FFF2-40B4-BE49-F238E27FC236}">
+                <a16:creationId xmlns:a16="http://schemas.microsoft.com/office/drawing/2014/main" id="{CC647536-32EA-2A31-D780-6838EE2B9AF8}"/>
+              </a:ext>
+            </a:extLst>
+          </p:cNvPr>
+          <p:cNvSpPr>
+            <a:spLocks noGrp="1"/>
+          </p:cNvSpPr>
+          <p:nvPr>
+            <p:ph type="title"/>
+          </p:nvPr>
+        </p:nvSpPr>
+        <p:spPr/>
+        <p:txBody>
+          <a:bodyPr/>
+          <a:lstStyle/>
+          <a:p>
+            <a:r>
+              <a:rPr lang="de-AT" dirty="0"/>
+              <a:t>YAML-Datei verarbeiten</a:t>
+            </a:r>
+          </a:p>
+        </p:txBody>
+      </p:sp>
+      <p:sp>
+        <p:nvSpPr>
+          <p:cNvPr id="3" name="Textplatzhalter 2">
+            <a:extLst>
+              <a:ext uri="{FF2B5EF4-FFF2-40B4-BE49-F238E27FC236}">
+                <a16:creationId xmlns:a16="http://schemas.microsoft.com/office/drawing/2014/main" id="{FD1EE308-AC72-A745-E522-BAE50E858B5B}"/>
+              </a:ext>
+            </a:extLst>
+          </p:cNvPr>
+          <p:cNvSpPr>
+            <a:spLocks noGrp="1"/>
+          </p:cNvSpPr>
+          <p:nvPr>
+            <p:ph type="body" sz="quarter" idx="10"/>
+          </p:nvPr>
+        </p:nvSpPr>
+        <p:spPr>
+          <a:xfrm>
+            <a:off x="323528" y="908720"/>
+            <a:ext cx="8207375" cy="4608165"/>
+          </a:xfrm>
+        </p:spPr>
+        <p:txBody>
+          <a:bodyPr/>
+          <a:lstStyle/>
+          <a:p>
+            <a:r>
+              <a:rPr lang="de-AT" sz="2400" dirty="0" err="1"/>
+              <a:t>esphome</a:t>
+            </a:r>
+            <a:r>
+              <a:rPr lang="de-AT" sz="2400" dirty="0"/>
+              <a:t> </a:t>
+            </a:r>
+            <a:r>
+              <a:rPr lang="de-AT" sz="2400" dirty="0" err="1"/>
+              <a:t>run</a:t>
+            </a:r>
+            <a:r>
+              <a:rPr lang="de-AT" sz="2400" dirty="0"/>
+              <a:t> </a:t>
+            </a:r>
+            <a:r>
+              <a:rPr lang="de-AT" sz="2400" dirty="0" err="1"/>
+              <a:t>xxx.yaml</a:t>
+            </a:r>
+            <a:endParaRPr lang="de-AT" sz="2400" dirty="0"/>
+          </a:p>
+          <a:p>
+            <a:pPr lvl="1"/>
+            <a:r>
+              <a:rPr lang="de-AT" sz="2000" dirty="0" err="1"/>
+              <a:t>Compiliert</a:t>
+            </a:r>
+            <a:r>
+              <a:rPr lang="de-AT" sz="2000" dirty="0"/>
+              <a:t> und linkt die Anwendung</a:t>
+            </a:r>
+          </a:p>
+          <a:p>
+            <a:pPr lvl="1"/>
+            <a:r>
+              <a:rPr lang="de-AT" sz="2000" dirty="0" err="1"/>
+              <a:t>Flasht</a:t>
+            </a:r>
+            <a:r>
+              <a:rPr lang="de-AT" sz="2000" dirty="0"/>
+              <a:t> das Binary über COM-Port oder OTA</a:t>
+            </a:r>
+          </a:p>
+          <a:p>
+            <a:r>
+              <a:rPr lang="de-AT" sz="2400" dirty="0"/>
+              <a:t>Bei manchen ESPs Boot-Button drücken</a:t>
+            </a:r>
+          </a:p>
+        </p:txBody>
+      </p:sp>
+      <p:pic>
+        <p:nvPicPr>
+          <p:cNvPr id="5" name="Grafik 4">
+            <a:extLst>
+              <a:ext uri="{FF2B5EF4-FFF2-40B4-BE49-F238E27FC236}">
+                <a16:creationId xmlns:a16="http://schemas.microsoft.com/office/drawing/2014/main" id="{72294E36-9F80-92F6-7D0B-40DAB56A11A8}"/>
+              </a:ext>
+            </a:extLst>
+          </p:cNvPr>
+          <p:cNvPicPr>
+            <a:picLocks noChangeAspect="1"/>
+          </p:cNvPicPr>
+          <p:nvPr/>
+        </p:nvPicPr>
+        <p:blipFill>
+          <a:blip r:embed="rId2"/>
+          <a:stretch>
+            <a:fillRect/>
+          </a:stretch>
+        </p:blipFill>
+        <p:spPr>
+          <a:xfrm>
+            <a:off x="0" y="2996952"/>
+            <a:ext cx="9144000" cy="3141133"/>
+          </a:xfrm>
+          <a:prstGeom prst="rect">
+            <a:avLst/>
+          </a:prstGeom>
+        </p:spPr>
+      </p:pic>
+    </p:spTree>
+    <p:extLst>
+      <p:ext uri="{BB962C8B-B14F-4D97-AF65-F5344CB8AC3E}">
+        <p14:creationId xmlns:p14="http://schemas.microsoft.com/office/powerpoint/2010/main" val="3786940190"/>
+      </p:ext>
+    </p:extLst>
+  </p:cSld>
+  <p:clrMapOvr>
+    <a:masterClrMapping/>
+  </p:clrMapOvr>
+</p:sld>
+</file>
+
+<file path=ppt/slides/slide18.xml><?xml version="1.0" encoding="utf-8"?>
+<p:sld xmlns:a="http://schemas.openxmlformats.org/drawingml/2006/main" xmlns:r="http://schemas.openxmlformats.org/officeDocument/2006/relationships" xmlns:p="http://schemas.openxmlformats.org/presentationml/2006/main">
+  <p:cSld>
+    <p:spTree>
+      <p:nvGrpSpPr>
+        <p:cNvPr id="1" name=""/>
+        <p:cNvGrpSpPr/>
+        <p:nvPr/>
+      </p:nvGrpSpPr>
+      <p:grpSpPr>
+        <a:xfrm>
+          <a:off x="0" y="0"/>
+          <a:ext cx="0" cy="0"/>
+          <a:chOff x="0" y="0"/>
+          <a:chExt cx="0" cy="0"/>
+        </a:xfrm>
+      </p:grpSpPr>
+      <p:sp>
+        <p:nvSpPr>
+          <p:cNvPr id="2" name="Titel 1">
+            <a:extLst>
+              <a:ext uri="{FF2B5EF4-FFF2-40B4-BE49-F238E27FC236}">
+                <a16:creationId xmlns:a16="http://schemas.microsoft.com/office/drawing/2014/main" id="{319BF47D-55C9-DCE7-3736-6B14520637D4}"/>
+              </a:ext>
+            </a:extLst>
+          </p:cNvPr>
+          <p:cNvSpPr>
+            <a:spLocks noGrp="1"/>
+          </p:cNvSpPr>
+          <p:nvPr>
+            <p:ph type="title"/>
+          </p:nvPr>
+        </p:nvSpPr>
+        <p:spPr/>
+        <p:txBody>
+          <a:bodyPr/>
+          <a:lstStyle/>
+          <a:p>
+            <a:r>
+              <a:rPr lang="de-AT" dirty="0"/>
+              <a:t>Kontrolle und Steuerung über Web</a:t>
+            </a:r>
+          </a:p>
+        </p:txBody>
+      </p:sp>
+      <p:sp>
+        <p:nvSpPr>
+          <p:cNvPr id="3" name="Textplatzhalter 2">
+            <a:extLst>
+              <a:ext uri="{FF2B5EF4-FFF2-40B4-BE49-F238E27FC236}">
+                <a16:creationId xmlns:a16="http://schemas.microsoft.com/office/drawing/2014/main" id="{D8B49F6A-D32E-0A1C-B93A-C1B2BF96AE2A}"/>
+              </a:ext>
+            </a:extLst>
+          </p:cNvPr>
+          <p:cNvSpPr>
+            <a:spLocks noGrp="1"/>
+          </p:cNvSpPr>
+          <p:nvPr>
+            <p:ph type="body" sz="quarter" idx="10"/>
+          </p:nvPr>
+        </p:nvSpPr>
+        <p:spPr/>
+        <p:txBody>
+          <a:bodyPr/>
+          <a:lstStyle/>
+          <a:p>
+            <a:endParaRPr lang="de-AT"/>
+          </a:p>
+        </p:txBody>
+      </p:sp>
+      <p:pic>
+        <p:nvPicPr>
+          <p:cNvPr id="5" name="Grafik 4">
+            <a:extLst>
+              <a:ext uri="{FF2B5EF4-FFF2-40B4-BE49-F238E27FC236}">
+                <a16:creationId xmlns:a16="http://schemas.microsoft.com/office/drawing/2014/main" id="{B7346FFF-1047-F867-7013-3F8B2AD33413}"/>
+              </a:ext>
+            </a:extLst>
+          </p:cNvPr>
+          <p:cNvPicPr>
+            <a:picLocks noChangeAspect="1"/>
+          </p:cNvPicPr>
+          <p:nvPr/>
+        </p:nvPicPr>
+        <p:blipFill>
+          <a:blip r:embed="rId2"/>
+          <a:stretch>
+            <a:fillRect/>
+          </a:stretch>
+        </p:blipFill>
+        <p:spPr>
+          <a:xfrm>
+            <a:off x="468312" y="1058523"/>
+            <a:ext cx="8532440" cy="4740953"/>
+          </a:xfrm>
+          <a:prstGeom prst="rect">
+            <a:avLst/>
+          </a:prstGeom>
+        </p:spPr>
+      </p:pic>
+    </p:spTree>
+    <p:extLst>
+      <p:ext uri="{BB962C8B-B14F-4D97-AF65-F5344CB8AC3E}">
+        <p14:creationId xmlns:p14="http://schemas.microsoft.com/office/powerpoint/2010/main" val="3736295117"/>
+      </p:ext>
+    </p:extLst>
+  </p:cSld>
+  <p:clrMapOvr>
+    <a:masterClrMapping/>
+  </p:clrMapOvr>
+</p:sld>
+</file>
+
+<file path=ppt/slides/slide19.xml><?xml version="1.0" encoding="utf-8"?>
+<p:sld xmlns:a="http://schemas.openxmlformats.org/drawingml/2006/main" xmlns:r="http://schemas.openxmlformats.org/officeDocument/2006/relationships" xmlns:p="http://schemas.openxmlformats.org/presentationml/2006/main">
+  <p:cSld>
+    <p:spTree>
+      <p:nvGrpSpPr>
+        <p:cNvPr id="1" name=""/>
+        <p:cNvGrpSpPr/>
+        <p:nvPr/>
+      </p:nvGrpSpPr>
+      <p:grpSpPr>
+        <a:xfrm>
+          <a:off x="0" y="0"/>
+          <a:ext cx="0" cy="0"/>
+          <a:chOff x="0" y="0"/>
+          <a:chExt cx="0" cy="0"/>
+        </a:xfrm>
+      </p:grpSpPr>
+      <p:sp>
+        <p:nvSpPr>
+          <p:cNvPr id="2" name="Titel 1">
+            <a:extLst>
+              <a:ext uri="{FF2B5EF4-FFF2-40B4-BE49-F238E27FC236}">
+                <a16:creationId xmlns:a16="http://schemas.microsoft.com/office/drawing/2014/main" id="{7DBAAE8A-F26D-44A7-4F79-E88AF7C373E9}"/>
+              </a:ext>
+            </a:extLst>
+          </p:cNvPr>
+          <p:cNvSpPr>
+            <a:spLocks noGrp="1"/>
+          </p:cNvSpPr>
+          <p:nvPr>
+            <p:ph type="title"/>
+          </p:nvPr>
+        </p:nvSpPr>
+        <p:spPr/>
+        <p:txBody>
+          <a:bodyPr/>
+          <a:lstStyle/>
+          <a:p>
+            <a:r>
+              <a:rPr lang="de-AT" dirty="0"/>
+              <a:t>Kontrolle am MQTT-Broker …</a:t>
+            </a:r>
+          </a:p>
+        </p:txBody>
+      </p:sp>
+      <p:sp>
+        <p:nvSpPr>
+          <p:cNvPr id="3" name="Textplatzhalter 2">
+            <a:extLst>
+              <a:ext uri="{FF2B5EF4-FFF2-40B4-BE49-F238E27FC236}">
+                <a16:creationId xmlns:a16="http://schemas.microsoft.com/office/drawing/2014/main" id="{54965742-5705-8915-A00A-62F62AE93601}"/>
+              </a:ext>
+            </a:extLst>
+          </p:cNvPr>
+          <p:cNvSpPr>
+            <a:spLocks noGrp="1"/>
+          </p:cNvSpPr>
+          <p:nvPr>
+            <p:ph type="body" sz="quarter" idx="10"/>
+          </p:nvPr>
+        </p:nvSpPr>
+        <p:spPr/>
+        <p:txBody>
+          <a:bodyPr/>
+          <a:lstStyle/>
+          <a:p>
+            <a:endParaRPr lang="de-AT"/>
+          </a:p>
+        </p:txBody>
+      </p:sp>
+      <p:pic>
+        <p:nvPicPr>
+          <p:cNvPr id="5" name="Grafik 4">
+            <a:extLst>
+              <a:ext uri="{FF2B5EF4-FFF2-40B4-BE49-F238E27FC236}">
+                <a16:creationId xmlns:a16="http://schemas.microsoft.com/office/drawing/2014/main" id="{67C4AF71-5A5B-D84D-55E4-FFDBD5C7C1D1}"/>
+              </a:ext>
+            </a:extLst>
+          </p:cNvPr>
+          <p:cNvPicPr>
+            <a:picLocks noChangeAspect="1"/>
+          </p:cNvPicPr>
+          <p:nvPr/>
+        </p:nvPicPr>
+        <p:blipFill>
+          <a:blip r:embed="rId2"/>
+          <a:stretch>
+            <a:fillRect/>
+          </a:stretch>
+        </p:blipFill>
+        <p:spPr>
+          <a:xfrm>
+            <a:off x="2195736" y="1124744"/>
+            <a:ext cx="4248125" cy="5363878"/>
+          </a:xfrm>
+          <a:prstGeom prst="rect">
+            <a:avLst/>
+          </a:prstGeom>
+        </p:spPr>
+      </p:pic>
+    </p:spTree>
+    <p:extLst>
+      <p:ext uri="{BB962C8B-B14F-4D97-AF65-F5344CB8AC3E}">
+        <p14:creationId xmlns:p14="http://schemas.microsoft.com/office/powerpoint/2010/main" val="539483255"/>
+      </p:ext>
+    </p:extLst>
+  </p:cSld>
+  <p:clrMapOvr>
+    <a:masterClrMapping/>
+  </p:clrMapOvr>
+</p:sld>
+</file>
+
+<file path=ppt/slides/slide2.xml><?xml version="1.0" encoding="utf-8"?>
+<p:sld xmlns:a="http://schemas.openxmlformats.org/drawingml/2006/main" xmlns:r="http://schemas.openxmlformats.org/officeDocument/2006/relationships" xmlns:p="http://schemas.openxmlformats.org/presentationml/2006/main">
+  <p:cSld>
+    <p:spTree>
+      <p:nvGrpSpPr>
+        <p:cNvPr id="1" name=""/>
+        <p:cNvGrpSpPr/>
+        <p:nvPr/>
+      </p:nvGrpSpPr>
+      <p:grpSpPr>
+        <a:xfrm>
+          <a:off x="0" y="0"/>
+          <a:ext cx="0" cy="0"/>
+          <a:chOff x="0" y="0"/>
+          <a:chExt cx="0" cy="0"/>
+        </a:xfrm>
+      </p:grpSpPr>
+      <p:sp>
+        <p:nvSpPr>
+          <p:cNvPr id="2" name="Titel 1">
+            <a:extLst>
+              <a:ext uri="{FF2B5EF4-FFF2-40B4-BE49-F238E27FC236}">
+                <a16:creationId xmlns:a16="http://schemas.microsoft.com/office/drawing/2014/main" id="{B112374B-6EF7-DCFE-410F-6B6BAE1DC398}"/>
+              </a:ext>
+            </a:extLst>
+          </p:cNvPr>
+          <p:cNvSpPr>
+            <a:spLocks noGrp="1"/>
+          </p:cNvSpPr>
+          <p:nvPr>
+            <p:ph type="title"/>
+          </p:nvPr>
+        </p:nvSpPr>
+        <p:spPr/>
+        <p:txBody>
+          <a:bodyPr/>
+          <a:lstStyle/>
+          <a:p>
+            <a:r>
+              <a:rPr lang="de-AT" dirty="0" err="1"/>
+              <a:t>AddOn</a:t>
+            </a:r>
+            <a:r>
+              <a:rPr lang="de-AT" dirty="0"/>
+              <a:t> für </a:t>
+            </a:r>
+            <a:r>
+              <a:rPr lang="de-AT" dirty="0" err="1"/>
+              <a:t>Mqtt</a:t>
+            </a:r>
+            <a:r>
+              <a:rPr lang="de-AT" dirty="0"/>
+              <a:t>-Broker installieren</a:t>
+            </a:r>
+          </a:p>
+        </p:txBody>
+      </p:sp>
+      <p:sp>
+        <p:nvSpPr>
+          <p:cNvPr id="3" name="Textplatzhalter 2">
+            <a:extLst>
+              <a:ext uri="{FF2B5EF4-FFF2-40B4-BE49-F238E27FC236}">
+                <a16:creationId xmlns:a16="http://schemas.microsoft.com/office/drawing/2014/main" id="{70348CF5-0AFC-CBEB-2B82-A66A282307F1}"/>
+              </a:ext>
+            </a:extLst>
+          </p:cNvPr>
+          <p:cNvSpPr>
+            <a:spLocks noGrp="1"/>
+          </p:cNvSpPr>
+          <p:nvPr>
+            <p:ph type="body" sz="quarter" idx="10"/>
+          </p:nvPr>
+        </p:nvSpPr>
+        <p:spPr/>
+        <p:txBody>
+          <a:bodyPr/>
+          <a:lstStyle/>
+          <a:p>
+            <a:r>
+              <a:rPr lang="de-AT" dirty="0" err="1"/>
+              <a:t>Mosquitto</a:t>
+            </a:r>
+            <a:r>
+              <a:rPr lang="de-AT" dirty="0"/>
+              <a:t> ist praktisch der Standard</a:t>
+            </a:r>
+          </a:p>
+          <a:p>
+            <a:pPr lvl="1"/>
+            <a:r>
+              <a:rPr lang="de-AT" dirty="0"/>
+              <a:t>leichtgewichtiger</a:t>
+            </a:r>
+          </a:p>
+          <a:p>
+            <a:r>
+              <a:rPr lang="de-AT" dirty="0"/>
+              <a:t>EMQX ist neuer und moderner</a:t>
+            </a:r>
+          </a:p>
+        </p:txBody>
+      </p:sp>
+      <p:pic>
+        <p:nvPicPr>
+          <p:cNvPr id="5" name="Grafik 4">
+            <a:extLst>
+              <a:ext uri="{FF2B5EF4-FFF2-40B4-BE49-F238E27FC236}">
+                <a16:creationId xmlns:a16="http://schemas.microsoft.com/office/drawing/2014/main" id="{18F4ACF1-BCF0-5DAD-D9F5-7C01EC8065B3}"/>
+              </a:ext>
+            </a:extLst>
+          </p:cNvPr>
+          <p:cNvPicPr>
+            <a:picLocks noChangeAspect="1"/>
+          </p:cNvPicPr>
+          <p:nvPr/>
+        </p:nvPicPr>
+        <p:blipFill>
+          <a:blip r:embed="rId2"/>
+          <a:stretch>
+            <a:fillRect/>
+          </a:stretch>
+        </p:blipFill>
+        <p:spPr>
+          <a:xfrm>
+            <a:off x="1042388" y="3140968"/>
+            <a:ext cx="7585450" cy="1368152"/>
+          </a:xfrm>
+          <a:prstGeom prst="rect">
+            <a:avLst/>
+          </a:prstGeom>
+        </p:spPr>
+      </p:pic>
+      <p:pic>
+        <p:nvPicPr>
+          <p:cNvPr id="7" name="Grafik 6">
+            <a:extLst>
+              <a:ext uri="{FF2B5EF4-FFF2-40B4-BE49-F238E27FC236}">
+                <a16:creationId xmlns:a16="http://schemas.microsoft.com/office/drawing/2014/main" id="{DECF4D03-EC49-8621-CE62-98FE7467720C}"/>
+              </a:ext>
+            </a:extLst>
+          </p:cNvPr>
+          <p:cNvPicPr>
+            <a:picLocks noChangeAspect="1"/>
+          </p:cNvPicPr>
+          <p:nvPr/>
+        </p:nvPicPr>
+        <p:blipFill>
+          <a:blip r:embed="rId3"/>
+          <a:stretch>
+            <a:fillRect/>
+          </a:stretch>
+        </p:blipFill>
+        <p:spPr>
+          <a:xfrm>
+            <a:off x="971600" y="4666330"/>
+            <a:ext cx="7782811" cy="1474825"/>
+          </a:xfrm>
+          <a:prstGeom prst="rect">
+            <a:avLst/>
+          </a:prstGeom>
+        </p:spPr>
+      </p:pic>
+    </p:spTree>
+    <p:extLst>
+      <p:ext uri="{BB962C8B-B14F-4D97-AF65-F5344CB8AC3E}">
+        <p14:creationId xmlns:p14="http://schemas.microsoft.com/office/powerpoint/2010/main" val="1580198841"/>
+      </p:ext>
+    </p:extLst>
+  </p:cSld>
+  <p:clrMapOvr>
+    <a:masterClrMapping/>
+  </p:clrMapOvr>
+</p:sld>
+</file>
+
+<file path=ppt/slides/slide20.xml><?xml version="1.0" encoding="utf-8"?>
+<p:sld xmlns:a="http://schemas.openxmlformats.org/drawingml/2006/main" xmlns:r="http://schemas.openxmlformats.org/officeDocument/2006/relationships" xmlns:p="http://schemas.openxmlformats.org/presentationml/2006/main">
+  <p:cSld>
+    <p:spTree>
+      <p:nvGrpSpPr>
+        <p:cNvPr id="1" name=""/>
+        <p:cNvGrpSpPr/>
+        <p:nvPr/>
+      </p:nvGrpSpPr>
+      <p:grpSpPr>
+        <a:xfrm>
+          <a:off x="0" y="0"/>
+          <a:ext cx="0" cy="0"/>
+          <a:chOff x="0" y="0"/>
+          <a:chExt cx="0" cy="0"/>
+        </a:xfrm>
+      </p:grpSpPr>
+      <p:sp>
+        <p:nvSpPr>
+          <p:cNvPr id="2" name="Titel 1">
+            <a:extLst>
+              <a:ext uri="{FF2B5EF4-FFF2-40B4-BE49-F238E27FC236}">
+                <a16:creationId xmlns:a16="http://schemas.microsoft.com/office/drawing/2014/main" id="{F97A1A4A-6B2D-FD22-2858-A4337C1E91D6}"/>
+              </a:ext>
+            </a:extLst>
+          </p:cNvPr>
+          <p:cNvSpPr>
+            <a:spLocks noGrp="1"/>
+          </p:cNvSpPr>
+          <p:nvPr>
+            <p:ph type="title"/>
+          </p:nvPr>
+        </p:nvSpPr>
+        <p:spPr/>
+        <p:txBody>
+          <a:bodyPr/>
+          <a:lstStyle/>
+          <a:p>
+            <a:r>
+              <a:rPr lang="de-AT" dirty="0"/>
+              <a:t>… und in </a:t>
+            </a:r>
+            <a:r>
+              <a:rPr lang="de-AT" dirty="0" err="1"/>
+              <a:t>HomeAssistant</a:t>
+            </a:r>
+            <a:endParaRPr lang="de-AT" dirty="0"/>
+          </a:p>
+        </p:txBody>
+      </p:sp>
+      <p:sp>
+        <p:nvSpPr>
+          <p:cNvPr id="3" name="Textplatzhalter 2">
+            <a:extLst>
+              <a:ext uri="{FF2B5EF4-FFF2-40B4-BE49-F238E27FC236}">
+                <a16:creationId xmlns:a16="http://schemas.microsoft.com/office/drawing/2014/main" id="{0E7A3E4F-08E2-CEEE-E28F-D4C15B704FC1}"/>
+              </a:ext>
+            </a:extLst>
+          </p:cNvPr>
+          <p:cNvSpPr>
+            <a:spLocks noGrp="1"/>
+          </p:cNvSpPr>
+          <p:nvPr>
+            <p:ph type="body" sz="quarter" idx="10"/>
+          </p:nvPr>
+        </p:nvSpPr>
+        <p:spPr/>
+        <p:txBody>
+          <a:bodyPr/>
+          <a:lstStyle/>
+          <a:p>
+            <a:endParaRPr lang="de-AT"/>
+          </a:p>
+        </p:txBody>
+      </p:sp>
+      <p:pic>
+        <p:nvPicPr>
+          <p:cNvPr id="5" name="Grafik 4">
+            <a:extLst>
+              <a:ext uri="{FF2B5EF4-FFF2-40B4-BE49-F238E27FC236}">
+                <a16:creationId xmlns:a16="http://schemas.microsoft.com/office/drawing/2014/main" id="{AADC164A-CEDC-E7C2-C54F-3054ABABDF2A}"/>
+              </a:ext>
+            </a:extLst>
+          </p:cNvPr>
+          <p:cNvPicPr>
+            <a:picLocks noChangeAspect="1"/>
+          </p:cNvPicPr>
+          <p:nvPr/>
+        </p:nvPicPr>
+        <p:blipFill>
+          <a:blip r:embed="rId2"/>
+          <a:stretch>
+            <a:fillRect/>
+          </a:stretch>
+        </p:blipFill>
+        <p:spPr>
+          <a:xfrm>
+            <a:off x="1331640" y="1556792"/>
+            <a:ext cx="5472354" cy="2793479"/>
+          </a:xfrm>
+          <a:prstGeom prst="rect">
+            <a:avLst/>
+          </a:prstGeom>
+        </p:spPr>
+      </p:pic>
+    </p:spTree>
+    <p:extLst>
+      <p:ext uri="{BB962C8B-B14F-4D97-AF65-F5344CB8AC3E}">
+        <p14:creationId xmlns:p14="http://schemas.microsoft.com/office/powerpoint/2010/main" val="310626026"/>
+      </p:ext>
+    </p:extLst>
+  </p:cSld>
+  <p:clrMapOvr>
+    <a:masterClrMapping/>
+  </p:clrMapOvr>
+</p:sld>
+</file>
+
+<file path=ppt/slides/slide21.xml><?xml version="1.0" encoding="utf-8"?>
+<p:sld xmlns:a="http://schemas.openxmlformats.org/drawingml/2006/main" xmlns:r="http://schemas.openxmlformats.org/officeDocument/2006/relationships" xmlns:p="http://schemas.openxmlformats.org/presentationml/2006/main">
+  <p:cSld>
+    <p:spTree>
+      <p:nvGrpSpPr>
+        <p:cNvPr id="1" name=""/>
+        <p:cNvGrpSpPr/>
+        <p:nvPr/>
+      </p:nvGrpSpPr>
+      <p:grpSpPr>
+        <a:xfrm>
+          <a:off x="0" y="0"/>
+          <a:ext cx="0" cy="0"/>
+          <a:chOff x="0" y="0"/>
+          <a:chExt cx="0" cy="0"/>
+        </a:xfrm>
+      </p:grpSpPr>
+      <p:sp>
+        <p:nvSpPr>
+          <p:cNvPr id="2" name="Titel 1">
+            <a:extLst>
+              <a:ext uri="{FF2B5EF4-FFF2-40B4-BE49-F238E27FC236}">
+                <a16:creationId xmlns:a16="http://schemas.microsoft.com/office/drawing/2014/main" id="{CA90BD8A-A4B4-EEC1-699D-EEB0D2E1007C}"/>
+              </a:ext>
+            </a:extLst>
+          </p:cNvPr>
+          <p:cNvSpPr>
+            <a:spLocks noGrp="1"/>
+          </p:cNvSpPr>
+          <p:nvPr>
+            <p:ph type="title"/>
+          </p:nvPr>
+        </p:nvSpPr>
+        <p:spPr/>
+        <p:txBody>
+          <a:bodyPr/>
+          <a:lstStyle/>
+          <a:p>
+            <a:r>
+              <a:rPr lang="de-AT" dirty="0" err="1"/>
+              <a:t>SperlBox</a:t>
+            </a:r>
+            <a:r>
+              <a:rPr lang="de-AT" dirty="0"/>
+              <a:t> zu </a:t>
+            </a:r>
+            <a:r>
+              <a:rPr lang="de-AT" dirty="0" err="1"/>
+              <a:t>ESPHome</a:t>
+            </a:r>
+            <a:r>
+              <a:rPr lang="de-AT" dirty="0"/>
+              <a:t> hinzufügen</a:t>
+            </a:r>
+          </a:p>
+        </p:txBody>
+      </p:sp>
+      <p:sp>
+        <p:nvSpPr>
+          <p:cNvPr id="3" name="Textplatzhalter 2">
+            <a:extLst>
+              <a:ext uri="{FF2B5EF4-FFF2-40B4-BE49-F238E27FC236}">
+                <a16:creationId xmlns:a16="http://schemas.microsoft.com/office/drawing/2014/main" id="{C2B7C61D-037C-D6F4-BC12-567C256D6FCE}"/>
+              </a:ext>
+            </a:extLst>
+          </p:cNvPr>
+          <p:cNvSpPr>
+            <a:spLocks noGrp="1"/>
+          </p:cNvSpPr>
+          <p:nvPr>
+            <p:ph type="body" sz="quarter" idx="10"/>
+          </p:nvPr>
+        </p:nvSpPr>
+        <p:spPr/>
+        <p:txBody>
+          <a:bodyPr/>
+          <a:lstStyle/>
+          <a:p>
+            <a:endParaRPr lang="de-AT"/>
+          </a:p>
+        </p:txBody>
+      </p:sp>
+      <p:pic>
+        <p:nvPicPr>
+          <p:cNvPr id="5" name="Grafik 4">
+            <a:extLst>
+              <a:ext uri="{FF2B5EF4-FFF2-40B4-BE49-F238E27FC236}">
+                <a16:creationId xmlns:a16="http://schemas.microsoft.com/office/drawing/2014/main" id="{39212734-AB00-AE49-FA25-3C588230C05D}"/>
+              </a:ext>
+            </a:extLst>
+          </p:cNvPr>
+          <p:cNvPicPr>
+            <a:picLocks noChangeAspect="1"/>
+          </p:cNvPicPr>
+          <p:nvPr/>
+        </p:nvPicPr>
+        <p:blipFill>
+          <a:blip r:embed="rId2"/>
+          <a:stretch>
+            <a:fillRect/>
+          </a:stretch>
+        </p:blipFill>
+        <p:spPr>
+          <a:xfrm>
+            <a:off x="1243012" y="1052736"/>
+            <a:ext cx="6657975" cy="5238750"/>
+          </a:xfrm>
+          <a:prstGeom prst="rect">
+            <a:avLst/>
+          </a:prstGeom>
+        </p:spPr>
+      </p:pic>
+    </p:spTree>
+    <p:extLst>
+      <p:ext uri="{BB962C8B-B14F-4D97-AF65-F5344CB8AC3E}">
+        <p14:creationId xmlns:p14="http://schemas.microsoft.com/office/powerpoint/2010/main" val="168953904"/>
+      </p:ext>
+    </p:extLst>
+  </p:cSld>
+  <p:clrMapOvr>
+    <a:masterClrMapping/>
+  </p:clrMapOvr>
+</p:sld>
+</file>
+
+<file path=ppt/slides/slide22.xml><?xml version="1.0" encoding="utf-8"?>
+<p:sld xmlns:a="http://schemas.openxmlformats.org/drawingml/2006/main" xmlns:r="http://schemas.openxmlformats.org/officeDocument/2006/relationships" xmlns:p="http://schemas.openxmlformats.org/presentationml/2006/main">
+  <p:cSld>
+    <p:spTree>
+      <p:nvGrpSpPr>
+        <p:cNvPr id="1" name=""/>
+        <p:cNvGrpSpPr/>
+        <p:nvPr/>
+      </p:nvGrpSpPr>
+      <p:grpSpPr>
+        <a:xfrm>
+          <a:off x="0" y="0"/>
+          <a:ext cx="0" cy="0"/>
+          <a:chOff x="0" y="0"/>
+          <a:chExt cx="0" cy="0"/>
+        </a:xfrm>
+      </p:grpSpPr>
+      <p:sp>
+        <p:nvSpPr>
+          <p:cNvPr id="2" name="Titel 1">
+            <a:extLst>
+              <a:ext uri="{FF2B5EF4-FFF2-40B4-BE49-F238E27FC236}">
+                <a16:creationId xmlns:a16="http://schemas.microsoft.com/office/drawing/2014/main" id="{D63A5CFB-DD26-A553-421E-1BF51A316244}"/>
+              </a:ext>
+            </a:extLst>
+          </p:cNvPr>
+          <p:cNvSpPr>
+            <a:spLocks noGrp="1"/>
+          </p:cNvSpPr>
+          <p:nvPr>
+            <p:ph type="title"/>
+          </p:nvPr>
+        </p:nvSpPr>
+        <p:spPr/>
+        <p:txBody>
+          <a:bodyPr/>
+          <a:lstStyle/>
+          <a:p>
+            <a:r>
+              <a:rPr lang="de-AT" dirty="0"/>
+              <a:t>API-Key aus </a:t>
+            </a:r>
+            <a:r>
+              <a:rPr lang="de-AT" dirty="0" err="1"/>
+              <a:t>yaml</a:t>
+            </a:r>
+            <a:endParaRPr lang="de-AT" dirty="0"/>
+          </a:p>
+        </p:txBody>
+      </p:sp>
+      <p:sp>
+        <p:nvSpPr>
+          <p:cNvPr id="3" name="Textplatzhalter 2">
+            <a:extLst>
+              <a:ext uri="{FF2B5EF4-FFF2-40B4-BE49-F238E27FC236}">
+                <a16:creationId xmlns:a16="http://schemas.microsoft.com/office/drawing/2014/main" id="{899B1616-D25B-5BC0-01FE-E8B41BB6B0C0}"/>
+              </a:ext>
+            </a:extLst>
+          </p:cNvPr>
+          <p:cNvSpPr>
+            <a:spLocks noGrp="1"/>
+          </p:cNvSpPr>
+          <p:nvPr>
+            <p:ph type="body" sz="quarter" idx="10"/>
+          </p:nvPr>
+        </p:nvSpPr>
+        <p:spPr/>
+        <p:txBody>
+          <a:bodyPr/>
+          <a:lstStyle/>
+          <a:p>
+            <a:endParaRPr lang="de-AT"/>
+          </a:p>
+        </p:txBody>
+      </p:sp>
+      <p:pic>
+        <p:nvPicPr>
+          <p:cNvPr id="5" name="Grafik 4">
+            <a:extLst>
+              <a:ext uri="{FF2B5EF4-FFF2-40B4-BE49-F238E27FC236}">
+                <a16:creationId xmlns:a16="http://schemas.microsoft.com/office/drawing/2014/main" id="{CB9BD475-ADD6-FDA0-C081-150EBC016114}"/>
+              </a:ext>
+            </a:extLst>
+          </p:cNvPr>
+          <p:cNvPicPr>
+            <a:picLocks noChangeAspect="1"/>
+          </p:cNvPicPr>
+          <p:nvPr/>
+        </p:nvPicPr>
+        <p:blipFill>
+          <a:blip r:embed="rId2"/>
+          <a:stretch>
+            <a:fillRect/>
+          </a:stretch>
+        </p:blipFill>
+        <p:spPr>
+          <a:xfrm>
+            <a:off x="1257300" y="1110629"/>
+            <a:ext cx="6629400" cy="4924425"/>
+          </a:xfrm>
+          <a:prstGeom prst="rect">
+            <a:avLst/>
+          </a:prstGeom>
+        </p:spPr>
+      </p:pic>
+    </p:spTree>
+    <p:extLst>
+      <p:ext uri="{BB962C8B-B14F-4D97-AF65-F5344CB8AC3E}">
+        <p14:creationId xmlns:p14="http://schemas.microsoft.com/office/powerpoint/2010/main" val="3653098800"/>
+      </p:ext>
+    </p:extLst>
+  </p:cSld>
+  <p:clrMapOvr>
+    <a:masterClrMapping/>
+  </p:clrMapOvr>
+</p:sld>
+</file>
+
+<file path=ppt/slides/slide23.xml><?xml version="1.0" encoding="utf-8"?>
+<p:sld xmlns:a="http://schemas.openxmlformats.org/drawingml/2006/main" xmlns:r="http://schemas.openxmlformats.org/officeDocument/2006/relationships" xmlns:p="http://schemas.openxmlformats.org/presentationml/2006/main">
+  <p:cSld>
+    <p:spTree>
+      <p:nvGrpSpPr>
+        <p:cNvPr id="1" name=""/>
+        <p:cNvGrpSpPr/>
+        <p:nvPr/>
+      </p:nvGrpSpPr>
+      <p:grpSpPr>
+        <a:xfrm>
+          <a:off x="0" y="0"/>
+          <a:ext cx="0" cy="0"/>
+          <a:chOff x="0" y="0"/>
+          <a:chExt cx="0" cy="0"/>
+        </a:xfrm>
+      </p:grpSpPr>
+      <p:sp>
+        <p:nvSpPr>
+          <p:cNvPr id="2" name="Titel 1">
+            <a:extLst>
+              <a:ext uri="{FF2B5EF4-FFF2-40B4-BE49-F238E27FC236}">
+                <a16:creationId xmlns:a16="http://schemas.microsoft.com/office/drawing/2014/main" id="{932DA062-28AB-C1CA-B20C-F558A851FBE6}"/>
+              </a:ext>
+            </a:extLst>
+          </p:cNvPr>
+          <p:cNvSpPr>
+            <a:spLocks noGrp="1"/>
+          </p:cNvSpPr>
+          <p:nvPr>
+            <p:ph type="title"/>
+          </p:nvPr>
+        </p:nvSpPr>
+        <p:spPr/>
+        <p:txBody>
+          <a:bodyPr/>
+          <a:lstStyle/>
+          <a:p>
+            <a:r>
+              <a:rPr lang="de-AT" dirty="0"/>
+              <a:t>RGB-Light ist schon steuerbar</a:t>
+            </a:r>
+          </a:p>
+        </p:txBody>
+      </p:sp>
+      <p:sp>
+        <p:nvSpPr>
+          <p:cNvPr id="3" name="Textplatzhalter 2">
+            <a:extLst>
+              <a:ext uri="{FF2B5EF4-FFF2-40B4-BE49-F238E27FC236}">
+                <a16:creationId xmlns:a16="http://schemas.microsoft.com/office/drawing/2014/main" id="{9CFDEFDE-0B2B-970B-393E-A47566D0804B}"/>
+              </a:ext>
+            </a:extLst>
+          </p:cNvPr>
+          <p:cNvSpPr>
+            <a:spLocks noGrp="1"/>
+          </p:cNvSpPr>
+          <p:nvPr>
+            <p:ph type="body" sz="quarter" idx="10"/>
+          </p:nvPr>
+        </p:nvSpPr>
+        <p:spPr/>
+        <p:txBody>
+          <a:bodyPr/>
+          <a:lstStyle/>
+          <a:p>
+            <a:endParaRPr lang="de-AT"/>
+          </a:p>
+        </p:txBody>
+      </p:sp>
+      <p:pic>
+        <p:nvPicPr>
+          <p:cNvPr id="5" name="Grafik 4">
+            <a:extLst>
+              <a:ext uri="{FF2B5EF4-FFF2-40B4-BE49-F238E27FC236}">
+                <a16:creationId xmlns:a16="http://schemas.microsoft.com/office/drawing/2014/main" id="{E2E17702-8862-AABA-FA86-BEF66761F804}"/>
+              </a:ext>
+            </a:extLst>
+          </p:cNvPr>
+          <p:cNvPicPr>
+            <a:picLocks noChangeAspect="1"/>
+          </p:cNvPicPr>
+          <p:nvPr/>
+        </p:nvPicPr>
+        <p:blipFill>
+          <a:blip r:embed="rId2"/>
+          <a:stretch>
+            <a:fillRect/>
+          </a:stretch>
+        </p:blipFill>
+        <p:spPr>
+          <a:xfrm>
+            <a:off x="1979712" y="1268413"/>
+            <a:ext cx="3871665" cy="5014464"/>
+          </a:xfrm>
+          <a:prstGeom prst="rect">
+            <a:avLst/>
+          </a:prstGeom>
+        </p:spPr>
+      </p:pic>
+    </p:spTree>
+    <p:extLst>
+      <p:ext uri="{BB962C8B-B14F-4D97-AF65-F5344CB8AC3E}">
+        <p14:creationId xmlns:p14="http://schemas.microsoft.com/office/powerpoint/2010/main" val="4291356247"/>
+      </p:ext>
+    </p:extLst>
+  </p:cSld>
+  <p:clrMapOvr>
+    <a:masterClrMapping/>
+  </p:clrMapOvr>
+</p:sld>
+</file>
+
+<file path=ppt/slides/slide24.xml><?xml version="1.0" encoding="utf-8"?>
+<p:sld xmlns:a="http://schemas.openxmlformats.org/drawingml/2006/main" xmlns:r="http://schemas.openxmlformats.org/officeDocument/2006/relationships" xmlns:p="http://schemas.openxmlformats.org/presentationml/2006/main">
+  <p:cSld>
+    <p:spTree>
+      <p:nvGrpSpPr>
+        <p:cNvPr id="1" name=""/>
+        <p:cNvGrpSpPr/>
+        <p:nvPr/>
+      </p:nvGrpSpPr>
+      <p:grpSpPr>
+        <a:xfrm>
+          <a:off x="0" y="0"/>
+          <a:ext cx="0" cy="0"/>
+          <a:chOff x="0" y="0"/>
+          <a:chExt cx="0" cy="0"/>
+        </a:xfrm>
+      </p:grpSpPr>
+      <p:sp>
+        <p:nvSpPr>
+          <p:cNvPr id="2" name="Titel 1">
+            <a:extLst>
+              <a:ext uri="{FF2B5EF4-FFF2-40B4-BE49-F238E27FC236}">
+                <a16:creationId xmlns:a16="http://schemas.microsoft.com/office/drawing/2014/main" id="{6CA8F916-325E-49CA-D518-406035A0F453}"/>
+              </a:ext>
+            </a:extLst>
+          </p:cNvPr>
+          <p:cNvSpPr>
+            <a:spLocks noGrp="1"/>
+          </p:cNvSpPr>
+          <p:nvPr>
+            <p:ph type="title"/>
+          </p:nvPr>
+        </p:nvSpPr>
+        <p:spPr/>
+        <p:txBody>
+          <a:bodyPr/>
+          <a:lstStyle/>
+          <a:p>
+            <a:r>
+              <a:rPr lang="de-AT" dirty="0"/>
+              <a:t>Automatisierung - Anforderungen</a:t>
+            </a:r>
+          </a:p>
+        </p:txBody>
+      </p:sp>
+      <p:sp>
+        <p:nvSpPr>
+          <p:cNvPr id="3" name="Textplatzhalter 2">
+            <a:extLst>
+              <a:ext uri="{FF2B5EF4-FFF2-40B4-BE49-F238E27FC236}">
+                <a16:creationId xmlns:a16="http://schemas.microsoft.com/office/drawing/2014/main" id="{86F35138-ED60-7683-AAC7-4B5DD065E5C7}"/>
+              </a:ext>
+            </a:extLst>
+          </p:cNvPr>
+          <p:cNvSpPr>
+            <a:spLocks noGrp="1"/>
+          </p:cNvSpPr>
+          <p:nvPr>
+            <p:ph type="body" sz="quarter" idx="10"/>
+          </p:nvPr>
+        </p:nvSpPr>
+        <p:spPr/>
+        <p:txBody>
+          <a:bodyPr/>
+          <a:lstStyle/>
+          <a:p>
+            <a:r>
+              <a:rPr lang="de-AT" dirty="0"/>
+              <a:t>LED soll Präsenz von Person signalisieren</a:t>
+            </a:r>
+          </a:p>
+          <a:p>
+            <a:pPr lvl="1"/>
+            <a:r>
+              <a:rPr lang="de-AT" dirty="0"/>
+              <a:t>Rot 	</a:t>
+            </a:r>
+            <a:r>
+              <a:rPr lang="de-AT" dirty="0">
+                <a:sym typeface="Wingdings" panose="05000000000000000000" pitchFamily="2" charset="2"/>
+              </a:rPr>
+              <a:t> Innerhalb der Zone</a:t>
+            </a:r>
+          </a:p>
+          <a:p>
+            <a:pPr lvl="1"/>
+            <a:r>
+              <a:rPr lang="de-AT" dirty="0">
+                <a:sym typeface="Wingdings" panose="05000000000000000000" pitchFamily="2" charset="2"/>
+              </a:rPr>
+              <a:t>Grün 	 Präsent, aber außerhalb der Zone</a:t>
+            </a:r>
+          </a:p>
+          <a:p>
+            <a:r>
+              <a:rPr lang="de-AT" dirty="0">
+                <a:sym typeface="Wingdings" panose="05000000000000000000" pitchFamily="2" charset="2"/>
+              </a:rPr>
+              <a:t>Schwellwerte für die Distanz sinnvoll festlegen</a:t>
+            </a:r>
+          </a:p>
+          <a:p>
+            <a:pPr lvl="1"/>
+            <a:r>
+              <a:rPr lang="de-AT" dirty="0">
+                <a:sym typeface="Wingdings" panose="05000000000000000000" pitchFamily="2" charset="2"/>
+              </a:rPr>
+              <a:t>Zum Testen 50cm – 100cm</a:t>
+            </a:r>
+            <a:endParaRPr lang="de-AT" dirty="0"/>
+          </a:p>
+        </p:txBody>
+      </p:sp>
+    </p:spTree>
+    <p:extLst>
+      <p:ext uri="{BB962C8B-B14F-4D97-AF65-F5344CB8AC3E}">
+        <p14:creationId xmlns:p14="http://schemas.microsoft.com/office/powerpoint/2010/main" val="2591431486"/>
       </p:ext>
     </p:extLst>
   </p:cSld>
@@ -7037,7 +6992,7 @@
           <p:cNvPr id="2" name="Titel 1">
             <a:extLst>
               <a:ext uri="{FF2B5EF4-FFF2-40B4-BE49-F238E27FC236}">
-                <a16:creationId xmlns:a16="http://schemas.microsoft.com/office/drawing/2014/main" id="{66914796-E2B0-1B47-D722-9B29F30B7FD4}"/>
+                <a16:creationId xmlns:a16="http://schemas.microsoft.com/office/drawing/2014/main" id="{982C3E9F-5877-B1CA-AD0A-7B0C50F17685}"/>
               </a:ext>
             </a:extLst>
           </p:cNvPr>
@@ -7050,20 +7005,14 @@
         </p:nvSpPr>
         <p:spPr/>
         <p:txBody>
-          <a:bodyPr/>
+          <a:bodyPr>
+            <a:normAutofit/>
+          </a:bodyPr>
           <a:lstStyle/>
           <a:p>
             <a:r>
-              <a:rPr lang="de-AT" dirty="0"/>
-              <a:t>Zweite Variante </a:t>
-            </a:r>
-            <a:r>
-              <a:rPr lang="de-AT" dirty="0" err="1"/>
-              <a:t>ESPHome</a:t>
-            </a:r>
-            <a:r>
-              <a:rPr lang="de-AT" dirty="0"/>
-              <a:t> mit YAML</a:t>
+              <a:rPr lang="de-AT" sz="2800" dirty="0"/>
+              <a:t>Realisierung über HA-Automation</a:t>
             </a:r>
           </a:p>
         </p:txBody>
@@ -7073,7 +7022,7 @@
           <p:cNvPr id="3" name="Textplatzhalter 2">
             <a:extLst>
               <a:ext uri="{FF2B5EF4-FFF2-40B4-BE49-F238E27FC236}">
-                <a16:creationId xmlns:a16="http://schemas.microsoft.com/office/drawing/2014/main" id="{E811C178-1597-36E0-07D2-4D2E81906D42}"/>
+                <a16:creationId xmlns:a16="http://schemas.microsoft.com/office/drawing/2014/main" id="{909B4BA9-362F-756C-A2FD-382409C9A51E}"/>
               </a:ext>
             </a:extLst>
           </p:cNvPr>
@@ -7086,7 +7035,7 @@
         </p:nvSpPr>
         <p:spPr>
           <a:xfrm>
-            <a:off x="323528" y="1052736"/>
+            <a:off x="323528" y="981075"/>
             <a:ext cx="8207375" cy="4608165"/>
           </a:xfrm>
         </p:spPr>
@@ -7095,29 +7044,43 @@
           <a:lstStyle/>
           <a:p>
             <a:r>
-              <a:rPr lang="de-AT" dirty="0"/>
-              <a:t>Logik auf Device als YAML auslagern</a:t>
-            </a:r>
+              <a:rPr lang="de-AT" sz="2400" dirty="0"/>
+              <a:t>Erster Ansatz: Helligkeits-Zustand steuert Ablauf</a:t>
+            </a:r>
+            <a:endParaRPr lang="de-AT" dirty="0"/>
           </a:p>
           <a:p>
             <a:pPr lvl="1"/>
             <a:r>
               <a:rPr lang="de-AT" dirty="0"/>
-              <a:t>Funktioniert auch ohne Server</a:t>
+              <a:t>Trigger auf Helligkeitszustand für hell, mittel, dunkel</a:t>
             </a:r>
           </a:p>
           <a:p>
             <a:pPr lvl="1"/>
             <a:r>
               <a:rPr lang="de-AT" dirty="0"/>
-              <a:t>Reagiert flotter</a:t>
+              <a:t>Setzen der Lichtfarbe je nach Auslöser-ID</a:t>
+            </a:r>
+          </a:p>
+          <a:p>
+            <a:r>
+              <a:rPr lang="de-AT" dirty="0"/>
+              <a:t>Zweiter Ansatz: Änderung der Helligkeit triggert</a:t>
             </a:r>
           </a:p>
           <a:p>
             <a:pPr lvl="1"/>
             <a:r>
               <a:rPr lang="de-AT" dirty="0"/>
-              <a:t>Schwellwerte als MQTT-Topics</a:t>
+              <a:t>Event-Trigger ist sehr mächtig</a:t>
+            </a:r>
+          </a:p>
+          <a:p>
+            <a:pPr lvl="1"/>
+            <a:r>
+              <a:rPr lang="de-AT" dirty="0"/>
+              <a:t>Im Aktionsteil über Wenn/Dann/Sonst verschiedene Helligkeiten setzen</a:t>
             </a:r>
           </a:p>
         </p:txBody>
@@ -7127,7 +7090,7 @@
           <p:cNvPr id="5" name="Grafik 4">
             <a:extLst>
               <a:ext uri="{FF2B5EF4-FFF2-40B4-BE49-F238E27FC236}">
-                <a16:creationId xmlns:a16="http://schemas.microsoft.com/office/drawing/2014/main" id="{EB1E93A8-D8BF-2E80-BFD0-1B979669B573}"/>
+                <a16:creationId xmlns:a16="http://schemas.microsoft.com/office/drawing/2014/main" id="{6B16DFC2-F548-5D22-0F01-D60F991636CD}"/>
               </a:ext>
             </a:extLst>
           </p:cNvPr>
@@ -7144,8 +7107,8 @@
         </p:blipFill>
         <p:spPr>
           <a:xfrm>
-            <a:off x="0" y="3229696"/>
-            <a:ext cx="9144000" cy="2924848"/>
+            <a:off x="2267744" y="4035549"/>
+            <a:ext cx="4448175" cy="2809875"/>
           </a:xfrm>
           <a:prstGeom prst="rect">
             <a:avLst/>
@@ -7157,7 +7120,7 @@
           <p:cNvPr id="6" name="Textfeld 5">
             <a:extLst>
               <a:ext uri="{FF2B5EF4-FFF2-40B4-BE49-F238E27FC236}">
-                <a16:creationId xmlns:a16="http://schemas.microsoft.com/office/drawing/2014/main" id="{86F90AC9-5FCB-634E-E683-4453078779E5}"/>
+                <a16:creationId xmlns:a16="http://schemas.microsoft.com/office/drawing/2014/main" id="{1BCCB249-461A-3D2B-434C-925EBACC7C03}"/>
               </a:ext>
             </a:extLst>
           </p:cNvPr>
@@ -7318,7 +7281,7 @@
     </p:spTree>
     <p:extLst>
       <p:ext uri="{BB962C8B-B14F-4D97-AF65-F5344CB8AC3E}">
-        <p14:creationId xmlns:p14="http://schemas.microsoft.com/office/powerpoint/2010/main" val="1589847221"/>
+        <p14:creationId xmlns:p14="http://schemas.microsoft.com/office/powerpoint/2010/main" val="3348715770"/>
       </p:ext>
     </p:extLst>
   </p:cSld>
@@ -7350,7 +7313,7 @@
           <p:cNvPr id="2" name="Titel 1">
             <a:extLst>
               <a:ext uri="{FF2B5EF4-FFF2-40B4-BE49-F238E27FC236}">
-                <a16:creationId xmlns:a16="http://schemas.microsoft.com/office/drawing/2014/main" id="{CAEBFF9F-15E7-1A90-8B2A-13CE6F671CF0}"/>
+                <a16:creationId xmlns:a16="http://schemas.microsoft.com/office/drawing/2014/main" id="{66914796-E2B0-1B47-D722-9B29F30B7FD4}"/>
               </a:ext>
             </a:extLst>
           </p:cNvPr>
@@ -7368,15 +7331,15 @@
           <a:p>
             <a:r>
               <a:rPr lang="de-AT" dirty="0"/>
-              <a:t>Beispiel </a:t>
-            </a:r>
-            <a:r>
-              <a:rPr lang="de-AT" dirty="0" err="1"/>
-              <a:t>NiLi</a:t>
-            </a:r>
-            <a:r>
-              <a:rPr lang="de-AT" dirty="0"/>
-              <a:t>-Sensorbox</a:t>
+              <a:t>Zweite Variante </a:t>
+            </a:r>
+            <a:r>
+              <a:rPr lang="de-AT" dirty="0" err="1"/>
+              <a:t>ESPHome</a:t>
+            </a:r>
+            <a:r>
+              <a:rPr lang="de-AT" dirty="0"/>
+              <a:t> mit YAML</a:t>
             </a:r>
           </a:p>
         </p:txBody>
@@ -7386,7 +7349,7 @@
           <p:cNvPr id="3" name="Textplatzhalter 2">
             <a:extLst>
               <a:ext uri="{FF2B5EF4-FFF2-40B4-BE49-F238E27FC236}">
-                <a16:creationId xmlns:a16="http://schemas.microsoft.com/office/drawing/2014/main" id="{D10FE0F9-53A2-6996-A39F-17388641488A}"/>
+                <a16:creationId xmlns:a16="http://schemas.microsoft.com/office/drawing/2014/main" id="{E811C178-1597-36E0-07D2-4D2E81906D42}"/>
               </a:ext>
             </a:extLst>
           </p:cNvPr>
@@ -7397,12 +7360,41 @@
             <p:ph type="body" sz="quarter" idx="10"/>
           </p:nvPr>
         </p:nvSpPr>
-        <p:spPr/>
+        <p:spPr>
+          <a:xfrm>
+            <a:off x="323528" y="1052736"/>
+            <a:ext cx="8207375" cy="4608165"/>
+          </a:xfrm>
+        </p:spPr>
         <p:txBody>
           <a:bodyPr/>
           <a:lstStyle/>
           <a:p>
-            <a:endParaRPr lang="de-AT"/>
+            <a:r>
+              <a:rPr lang="de-AT" dirty="0"/>
+              <a:t>Logik auf Device als YAML auslagern</a:t>
+            </a:r>
+          </a:p>
+          <a:p>
+            <a:pPr lvl="1"/>
+            <a:r>
+              <a:rPr lang="de-AT" dirty="0"/>
+              <a:t>Funktioniert auch ohne Server</a:t>
+            </a:r>
+          </a:p>
+          <a:p>
+            <a:pPr lvl="1"/>
+            <a:r>
+              <a:rPr lang="de-AT" dirty="0"/>
+              <a:t>Reagiert flotter</a:t>
+            </a:r>
+          </a:p>
+          <a:p>
+            <a:pPr lvl="1"/>
+            <a:r>
+              <a:rPr lang="de-AT" dirty="0"/>
+              <a:t>Schwellwerte als MQTT-Topics</a:t>
+            </a:r>
           </a:p>
         </p:txBody>
       </p:sp>
@@ -7411,7 +7403,7 @@
           <p:cNvPr id="5" name="Grafik 4">
             <a:extLst>
               <a:ext uri="{FF2B5EF4-FFF2-40B4-BE49-F238E27FC236}">
-                <a16:creationId xmlns:a16="http://schemas.microsoft.com/office/drawing/2014/main" id="{FAB44AF0-9AA3-99F4-A724-4D3059D7BE94}"/>
+                <a16:creationId xmlns:a16="http://schemas.microsoft.com/office/drawing/2014/main" id="{EB1E93A8-D8BF-2E80-BFD0-1B979669B573}"/>
               </a:ext>
             </a:extLst>
           </p:cNvPr>
@@ -7428,874 +7420,20 @@
         </p:blipFill>
         <p:spPr>
           <a:xfrm>
-            <a:off x="0" y="927738"/>
-            <a:ext cx="9144000" cy="5290207"/>
+            <a:off x="0" y="3229696"/>
+            <a:ext cx="9144000" cy="2924848"/>
           </a:xfrm>
           <a:prstGeom prst="rect">
             <a:avLst/>
           </a:prstGeom>
         </p:spPr>
       </p:pic>
-    </p:spTree>
-    <p:extLst>
-      <p:ext uri="{BB962C8B-B14F-4D97-AF65-F5344CB8AC3E}">
-        <p14:creationId xmlns:p14="http://schemas.microsoft.com/office/powerpoint/2010/main" val="985894395"/>
-      </p:ext>
-    </p:extLst>
-  </p:cSld>
-  <p:clrMapOvr>
-    <a:masterClrMapping/>
-  </p:clrMapOvr>
-</p:sld>
-</file>
-
-<file path=ppt/slides/slide27.xml><?xml version="1.0" encoding="utf-8"?>
-<p:sld xmlns:a="http://schemas.openxmlformats.org/drawingml/2006/main" xmlns:r="http://schemas.openxmlformats.org/officeDocument/2006/relationships" xmlns:p="http://schemas.openxmlformats.org/presentationml/2006/main">
-  <p:cSld>
-    <p:spTree>
-      <p:nvGrpSpPr>
-        <p:cNvPr id="1" name=""/>
-        <p:cNvGrpSpPr/>
-        <p:nvPr/>
-      </p:nvGrpSpPr>
-      <p:grpSpPr>
-        <a:xfrm>
-          <a:off x="0" y="0"/>
-          <a:ext cx="0" cy="0"/>
-          <a:chOff x="0" y="0"/>
-          <a:chExt cx="0" cy="0"/>
-        </a:xfrm>
-      </p:grpSpPr>
-      <p:sp>
-        <p:nvSpPr>
-          <p:cNvPr id="2" name="Titel 1">
-            <a:extLst>
-              <a:ext uri="{FF2B5EF4-FFF2-40B4-BE49-F238E27FC236}">
-                <a16:creationId xmlns:a16="http://schemas.microsoft.com/office/drawing/2014/main" id="{2D15C8E3-D625-7EFA-6514-999A76B47BE8}"/>
-              </a:ext>
-            </a:extLst>
-          </p:cNvPr>
-          <p:cNvSpPr>
-            <a:spLocks noGrp="1"/>
-          </p:cNvSpPr>
-          <p:nvPr>
-            <p:ph type="title"/>
-          </p:nvPr>
-        </p:nvSpPr>
-        <p:spPr/>
-        <p:txBody>
-          <a:bodyPr/>
-          <a:lstStyle/>
-          <a:p>
-            <a:r>
-              <a:rPr lang="de-AT" dirty="0"/>
-              <a:t>Angelehnt an HA-YAML</a:t>
-            </a:r>
-          </a:p>
-        </p:txBody>
-      </p:sp>
-      <p:sp>
-        <p:nvSpPr>
-          <p:cNvPr id="3" name="Textplatzhalter 2">
-            <a:extLst>
-              <a:ext uri="{FF2B5EF4-FFF2-40B4-BE49-F238E27FC236}">
-                <a16:creationId xmlns:a16="http://schemas.microsoft.com/office/drawing/2014/main" id="{8E29E7FC-165B-ABAE-E35C-4AA6BB642FB8}"/>
-              </a:ext>
-            </a:extLst>
-          </p:cNvPr>
-          <p:cNvSpPr>
-            <a:spLocks noGrp="1"/>
-          </p:cNvSpPr>
-          <p:nvPr>
-            <p:ph type="body" sz="quarter" idx="10"/>
-          </p:nvPr>
-        </p:nvSpPr>
-        <p:spPr/>
-        <p:txBody>
-          <a:bodyPr/>
-          <a:lstStyle/>
-          <a:p>
-            <a:r>
-              <a:rPr lang="de-AT" dirty="0" err="1"/>
-              <a:t>Ids</a:t>
-            </a:r>
-            <a:r>
-              <a:rPr lang="de-AT" dirty="0"/>
-              <a:t> vergeben</a:t>
-            </a:r>
-          </a:p>
-          <a:p>
-            <a:r>
-              <a:rPr lang="de-AT" dirty="0"/>
-              <a:t>Auf Events </a:t>
-            </a:r>
-            <a:br>
-              <a:rPr lang="de-AT" dirty="0"/>
-            </a:br>
-            <a:r>
-              <a:rPr lang="de-AT" dirty="0"/>
-              <a:t>reagieren</a:t>
-            </a:r>
-          </a:p>
-          <a:p>
-            <a:r>
-              <a:rPr lang="de-AT" dirty="0"/>
-              <a:t>Logger</a:t>
-            </a:r>
-          </a:p>
-          <a:p>
-            <a:r>
-              <a:rPr lang="de-AT" dirty="0"/>
-              <a:t>…</a:t>
-            </a:r>
-          </a:p>
-        </p:txBody>
-      </p:sp>
-      <p:pic>
-        <p:nvPicPr>
-          <p:cNvPr id="5" name="Grafik 4">
-            <a:extLst>
-              <a:ext uri="{FF2B5EF4-FFF2-40B4-BE49-F238E27FC236}">
-                <a16:creationId xmlns:a16="http://schemas.microsoft.com/office/drawing/2014/main" id="{355D90F6-E9E4-E11C-B214-E1FE8678DBF7}"/>
-              </a:ext>
-            </a:extLst>
-          </p:cNvPr>
-          <p:cNvPicPr>
-            <a:picLocks noChangeAspect="1"/>
-          </p:cNvPicPr>
-          <p:nvPr/>
-        </p:nvPicPr>
-        <p:blipFill>
-          <a:blip r:embed="rId2"/>
-          <a:stretch>
-            <a:fillRect/>
-          </a:stretch>
-        </p:blipFill>
-        <p:spPr>
-          <a:xfrm>
-            <a:off x="3508766" y="1124743"/>
-            <a:ext cx="5145548" cy="5607843"/>
-          </a:xfrm>
-          <a:prstGeom prst="rect">
-            <a:avLst/>
-          </a:prstGeom>
-        </p:spPr>
-      </p:pic>
-    </p:spTree>
-    <p:extLst>
-      <p:ext uri="{BB962C8B-B14F-4D97-AF65-F5344CB8AC3E}">
-        <p14:creationId xmlns:p14="http://schemas.microsoft.com/office/powerpoint/2010/main" val="1070234539"/>
-      </p:ext>
-    </p:extLst>
-  </p:cSld>
-  <p:clrMapOvr>
-    <a:masterClrMapping/>
-  </p:clrMapOvr>
-</p:sld>
-</file>
-
-<file path=ppt/slides/slide28.xml><?xml version="1.0" encoding="utf-8"?>
-<p:sld xmlns:a="http://schemas.openxmlformats.org/drawingml/2006/main" xmlns:r="http://schemas.openxmlformats.org/officeDocument/2006/relationships" xmlns:p="http://schemas.openxmlformats.org/presentationml/2006/main">
-  <p:cSld>
-    <p:spTree>
-      <p:nvGrpSpPr>
-        <p:cNvPr id="1" name=""/>
-        <p:cNvGrpSpPr/>
-        <p:nvPr/>
-      </p:nvGrpSpPr>
-      <p:grpSpPr>
-        <a:xfrm>
-          <a:off x="0" y="0"/>
-          <a:ext cx="0" cy="0"/>
-          <a:chOff x="0" y="0"/>
-          <a:chExt cx="0" cy="0"/>
-        </a:xfrm>
-      </p:grpSpPr>
-      <p:sp>
-        <p:nvSpPr>
-          <p:cNvPr id="2" name="Titel 1">
-            <a:extLst>
-              <a:ext uri="{FF2B5EF4-FFF2-40B4-BE49-F238E27FC236}">
-                <a16:creationId xmlns:a16="http://schemas.microsoft.com/office/drawing/2014/main" id="{3F57C761-A8BD-EBFA-7F0B-75EB08A5488C}"/>
-              </a:ext>
-            </a:extLst>
-          </p:cNvPr>
-          <p:cNvSpPr>
-            <a:spLocks noGrp="1"/>
-          </p:cNvSpPr>
-          <p:nvPr>
-            <p:ph type="title"/>
-          </p:nvPr>
-        </p:nvSpPr>
-        <p:spPr/>
-        <p:txBody>
-          <a:bodyPr/>
-          <a:lstStyle/>
-          <a:p>
-            <a:r>
-              <a:rPr lang="de-AT" dirty="0"/>
-              <a:t>Ohne API nur über MQTT</a:t>
-            </a:r>
-          </a:p>
-        </p:txBody>
-      </p:sp>
-      <p:sp>
-        <p:nvSpPr>
-          <p:cNvPr id="3" name="Textplatzhalter 2">
-            <a:extLst>
-              <a:ext uri="{FF2B5EF4-FFF2-40B4-BE49-F238E27FC236}">
-                <a16:creationId xmlns:a16="http://schemas.microsoft.com/office/drawing/2014/main" id="{915C280A-F2F9-A61D-04E9-A2970E729456}"/>
-              </a:ext>
-            </a:extLst>
-          </p:cNvPr>
-          <p:cNvSpPr>
-            <a:spLocks noGrp="1"/>
-          </p:cNvSpPr>
-          <p:nvPr>
-            <p:ph type="body" sz="quarter" idx="10"/>
-          </p:nvPr>
-        </p:nvSpPr>
-        <p:spPr/>
-        <p:txBody>
-          <a:bodyPr/>
-          <a:lstStyle/>
-          <a:p>
-            <a:endParaRPr lang="de-AT"/>
-          </a:p>
-        </p:txBody>
-      </p:sp>
-      <p:pic>
-        <p:nvPicPr>
-          <p:cNvPr id="5" name="Grafik 4">
-            <a:extLst>
-              <a:ext uri="{FF2B5EF4-FFF2-40B4-BE49-F238E27FC236}">
-                <a16:creationId xmlns:a16="http://schemas.microsoft.com/office/drawing/2014/main" id="{F5DD9BEB-C455-105A-C773-BB03BC65D069}"/>
-              </a:ext>
-            </a:extLst>
-          </p:cNvPr>
-          <p:cNvPicPr>
-            <a:picLocks noChangeAspect="1"/>
-          </p:cNvPicPr>
-          <p:nvPr/>
-        </p:nvPicPr>
-        <p:blipFill>
-          <a:blip r:embed="rId2"/>
-          <a:stretch>
-            <a:fillRect/>
-          </a:stretch>
-        </p:blipFill>
-        <p:spPr>
-          <a:xfrm>
-            <a:off x="1403648" y="1235059"/>
-            <a:ext cx="6048672" cy="5086910"/>
-          </a:xfrm>
-          <a:prstGeom prst="rect">
-            <a:avLst/>
-          </a:prstGeom>
-        </p:spPr>
-      </p:pic>
-    </p:spTree>
-    <p:extLst>
-      <p:ext uri="{BB962C8B-B14F-4D97-AF65-F5344CB8AC3E}">
-        <p14:creationId xmlns:p14="http://schemas.microsoft.com/office/powerpoint/2010/main" val="875530477"/>
-      </p:ext>
-    </p:extLst>
-  </p:cSld>
-  <p:clrMapOvr>
-    <a:masterClrMapping/>
-  </p:clrMapOvr>
-</p:sld>
-</file>
-
-<file path=ppt/slides/slide29.xml><?xml version="1.0" encoding="utf-8"?>
-<p:sld xmlns:a="http://schemas.openxmlformats.org/drawingml/2006/main" xmlns:r="http://schemas.openxmlformats.org/officeDocument/2006/relationships" xmlns:p="http://schemas.openxmlformats.org/presentationml/2006/main">
-  <p:cSld>
-    <p:spTree>
-      <p:nvGrpSpPr>
-        <p:cNvPr id="1" name=""/>
-        <p:cNvGrpSpPr/>
-        <p:nvPr/>
-      </p:nvGrpSpPr>
-      <p:grpSpPr>
-        <a:xfrm>
-          <a:off x="0" y="0"/>
-          <a:ext cx="0" cy="0"/>
-          <a:chOff x="0" y="0"/>
-          <a:chExt cx="0" cy="0"/>
-        </a:xfrm>
-      </p:grpSpPr>
-      <p:sp>
-        <p:nvSpPr>
-          <p:cNvPr id="2" name="Titel 1">
-            <a:extLst>
-              <a:ext uri="{FF2B5EF4-FFF2-40B4-BE49-F238E27FC236}">
-                <a16:creationId xmlns:a16="http://schemas.microsoft.com/office/drawing/2014/main" id="{E86AC6C0-B6E1-FBFF-6525-F97987BF51FC}"/>
-              </a:ext>
-            </a:extLst>
-          </p:cNvPr>
-          <p:cNvSpPr>
-            <a:spLocks noGrp="1"/>
-          </p:cNvSpPr>
-          <p:nvPr>
-            <p:ph type="title"/>
-          </p:nvPr>
-        </p:nvSpPr>
-        <p:spPr/>
-        <p:txBody>
-          <a:bodyPr/>
-          <a:lstStyle/>
-          <a:p>
-            <a:r>
-              <a:rPr lang="de-AT" dirty="0"/>
-              <a:t>LED Ansteuerung</a:t>
-            </a:r>
-          </a:p>
-        </p:txBody>
-      </p:sp>
-      <p:sp>
-        <p:nvSpPr>
-          <p:cNvPr id="3" name="Textplatzhalter 2">
-            <a:extLst>
-              <a:ext uri="{FF2B5EF4-FFF2-40B4-BE49-F238E27FC236}">
-                <a16:creationId xmlns:a16="http://schemas.microsoft.com/office/drawing/2014/main" id="{60E9EE22-910B-4E97-D712-3EAAC40C3FA8}"/>
-              </a:ext>
-            </a:extLst>
-          </p:cNvPr>
-          <p:cNvSpPr>
-            <a:spLocks noGrp="1"/>
-          </p:cNvSpPr>
-          <p:nvPr>
-            <p:ph type="body" sz="quarter" idx="10"/>
-          </p:nvPr>
-        </p:nvSpPr>
-        <p:spPr/>
-        <p:txBody>
-          <a:bodyPr/>
-          <a:lstStyle/>
-          <a:p>
-            <a:endParaRPr lang="de-AT" dirty="0"/>
-          </a:p>
-        </p:txBody>
-      </p:sp>
-      <p:pic>
-        <p:nvPicPr>
-          <p:cNvPr id="5" name="Grafik 4">
-            <a:extLst>
-              <a:ext uri="{FF2B5EF4-FFF2-40B4-BE49-F238E27FC236}">
-                <a16:creationId xmlns:a16="http://schemas.microsoft.com/office/drawing/2014/main" id="{7144E904-CF0C-7E53-98A4-C0BCE29A8396}"/>
-              </a:ext>
-            </a:extLst>
-          </p:cNvPr>
-          <p:cNvPicPr>
-            <a:picLocks noChangeAspect="1"/>
-          </p:cNvPicPr>
-          <p:nvPr/>
-        </p:nvPicPr>
-        <p:blipFill>
-          <a:blip r:embed="rId2"/>
-          <a:stretch>
-            <a:fillRect/>
-          </a:stretch>
-        </p:blipFill>
-        <p:spPr>
-          <a:xfrm>
-            <a:off x="468312" y="1268412"/>
-            <a:ext cx="4022110" cy="3348249"/>
-          </a:xfrm>
-          <a:prstGeom prst="rect">
-            <a:avLst/>
-          </a:prstGeom>
-        </p:spPr>
-      </p:pic>
-      <p:pic>
-        <p:nvPicPr>
-          <p:cNvPr id="7" name="Grafik 6">
-            <a:extLst>
-              <a:ext uri="{FF2B5EF4-FFF2-40B4-BE49-F238E27FC236}">
-                <a16:creationId xmlns:a16="http://schemas.microsoft.com/office/drawing/2014/main" id="{27E4DE0C-998A-9FDF-2AAA-461B094E832B}"/>
-              </a:ext>
-            </a:extLst>
-          </p:cNvPr>
-          <p:cNvPicPr>
-            <a:picLocks noChangeAspect="1"/>
-          </p:cNvPicPr>
-          <p:nvPr/>
-        </p:nvPicPr>
-        <p:blipFill>
-          <a:blip r:embed="rId3"/>
-          <a:stretch>
-            <a:fillRect/>
-          </a:stretch>
-        </p:blipFill>
-        <p:spPr>
-          <a:xfrm>
-            <a:off x="4592823" y="1260090"/>
-            <a:ext cx="3474598" cy="4401158"/>
-          </a:xfrm>
-          <a:prstGeom prst="rect">
-            <a:avLst/>
-          </a:prstGeom>
-        </p:spPr>
-      </p:pic>
-    </p:spTree>
-    <p:extLst>
-      <p:ext uri="{BB962C8B-B14F-4D97-AF65-F5344CB8AC3E}">
-        <p14:creationId xmlns:p14="http://schemas.microsoft.com/office/powerpoint/2010/main" val="4012880878"/>
-      </p:ext>
-    </p:extLst>
-  </p:cSld>
-  <p:clrMapOvr>
-    <a:masterClrMapping/>
-  </p:clrMapOvr>
-</p:sld>
-</file>
-
-<file path=ppt/slides/slide3.xml><?xml version="1.0" encoding="utf-8"?>
-<p:sld xmlns:a="http://schemas.openxmlformats.org/drawingml/2006/main" xmlns:r="http://schemas.openxmlformats.org/officeDocument/2006/relationships" xmlns:p="http://schemas.openxmlformats.org/presentationml/2006/main">
-  <p:cSld>
-    <p:spTree>
-      <p:nvGrpSpPr>
-        <p:cNvPr id="1" name=""/>
-        <p:cNvGrpSpPr/>
-        <p:nvPr/>
-      </p:nvGrpSpPr>
-      <p:grpSpPr>
-        <a:xfrm>
-          <a:off x="0" y="0"/>
-          <a:ext cx="0" cy="0"/>
-          <a:chOff x="0" y="0"/>
-          <a:chExt cx="0" cy="0"/>
-        </a:xfrm>
-      </p:grpSpPr>
-      <p:sp>
-        <p:nvSpPr>
-          <p:cNvPr id="2" name="Titel 1">
-            <a:extLst>
-              <a:ext uri="{FF2B5EF4-FFF2-40B4-BE49-F238E27FC236}">
-                <a16:creationId xmlns:a16="http://schemas.microsoft.com/office/drawing/2014/main" id="{958E1C95-1126-D9A2-E45F-6564BB1D06C4}"/>
-              </a:ext>
-            </a:extLst>
-          </p:cNvPr>
-          <p:cNvSpPr>
-            <a:spLocks noGrp="1"/>
-          </p:cNvSpPr>
-          <p:nvPr>
-            <p:ph type="title"/>
-          </p:nvPr>
-        </p:nvSpPr>
-        <p:spPr/>
-        <p:txBody>
-          <a:bodyPr/>
-          <a:lstStyle/>
-          <a:p>
-            <a:r>
-              <a:rPr lang="de-AT" dirty="0"/>
-              <a:t>Protokoll überprüfen</a:t>
-            </a:r>
-          </a:p>
-        </p:txBody>
-      </p:sp>
-      <p:sp>
-        <p:nvSpPr>
-          <p:cNvPr id="3" name="Textplatzhalter 2">
-            <a:extLst>
-              <a:ext uri="{FF2B5EF4-FFF2-40B4-BE49-F238E27FC236}">
-                <a16:creationId xmlns:a16="http://schemas.microsoft.com/office/drawing/2014/main" id="{73C03391-F717-5002-400B-663B47DB8C76}"/>
-              </a:ext>
-            </a:extLst>
-          </p:cNvPr>
-          <p:cNvSpPr>
-            <a:spLocks noGrp="1"/>
-          </p:cNvSpPr>
-          <p:nvPr>
-            <p:ph type="body" sz="quarter" idx="10"/>
-          </p:nvPr>
-        </p:nvSpPr>
-        <p:spPr>
-          <a:xfrm>
-            <a:off x="468313" y="1052736"/>
-            <a:ext cx="8207375" cy="4608165"/>
-          </a:xfrm>
-        </p:spPr>
-        <p:txBody>
-          <a:bodyPr/>
-          <a:lstStyle/>
-          <a:p>
-            <a:r>
-              <a:rPr lang="de-AT" dirty="0"/>
-              <a:t>Mit </a:t>
-            </a:r>
-            <a:r>
-              <a:rPr lang="de-AT" dirty="0" err="1"/>
-              <a:t>Mqtt</a:t>
-            </a:r>
-            <a:r>
-              <a:rPr lang="de-AT" dirty="0"/>
-              <a:t>-Explorer Zugang testen</a:t>
-            </a:r>
-          </a:p>
-        </p:txBody>
-      </p:sp>
-      <p:pic>
-        <p:nvPicPr>
-          <p:cNvPr id="5" name="Grafik 4">
-            <a:extLst>
-              <a:ext uri="{FF2B5EF4-FFF2-40B4-BE49-F238E27FC236}">
-                <a16:creationId xmlns:a16="http://schemas.microsoft.com/office/drawing/2014/main" id="{231902C4-B145-EA14-98FE-F41CF053A129}"/>
-              </a:ext>
-            </a:extLst>
-          </p:cNvPr>
-          <p:cNvPicPr>
-            <a:picLocks noChangeAspect="1"/>
-          </p:cNvPicPr>
-          <p:nvPr/>
-        </p:nvPicPr>
-        <p:blipFill>
-          <a:blip r:embed="rId2"/>
-          <a:stretch>
-            <a:fillRect/>
-          </a:stretch>
-        </p:blipFill>
-        <p:spPr>
-          <a:xfrm>
-            <a:off x="1691680" y="1988840"/>
-            <a:ext cx="4536504" cy="4273403"/>
-          </a:xfrm>
-          <a:prstGeom prst="rect">
-            <a:avLst/>
-          </a:prstGeom>
-        </p:spPr>
-      </p:pic>
-    </p:spTree>
-    <p:extLst>
-      <p:ext uri="{BB962C8B-B14F-4D97-AF65-F5344CB8AC3E}">
-        <p14:creationId xmlns:p14="http://schemas.microsoft.com/office/powerpoint/2010/main" val="3070429147"/>
-      </p:ext>
-    </p:extLst>
-  </p:cSld>
-  <p:clrMapOvr>
-    <a:masterClrMapping/>
-  </p:clrMapOvr>
-</p:sld>
-</file>
-
-<file path=ppt/slides/slide30.xml><?xml version="1.0" encoding="utf-8"?>
-<p:sld xmlns:a="http://schemas.openxmlformats.org/drawingml/2006/main" xmlns:r="http://schemas.openxmlformats.org/officeDocument/2006/relationships" xmlns:p="http://schemas.openxmlformats.org/presentationml/2006/main">
-  <p:cSld>
-    <p:spTree>
-      <p:nvGrpSpPr>
-        <p:cNvPr id="1" name=""/>
-        <p:cNvGrpSpPr/>
-        <p:nvPr/>
-      </p:nvGrpSpPr>
-      <p:grpSpPr>
-        <a:xfrm>
-          <a:off x="0" y="0"/>
-          <a:ext cx="0" cy="0"/>
-          <a:chOff x="0" y="0"/>
-          <a:chExt cx="0" cy="0"/>
-        </a:xfrm>
-      </p:grpSpPr>
-      <p:sp>
-        <p:nvSpPr>
-          <p:cNvPr id="2" name="Titel 1">
-            <a:extLst>
-              <a:ext uri="{FF2B5EF4-FFF2-40B4-BE49-F238E27FC236}">
-                <a16:creationId xmlns:a16="http://schemas.microsoft.com/office/drawing/2014/main" id="{4B7E2921-4A35-20B3-220D-25CCB0573840}"/>
-              </a:ext>
-            </a:extLst>
-          </p:cNvPr>
-          <p:cNvSpPr>
-            <a:spLocks noGrp="1"/>
-          </p:cNvSpPr>
-          <p:nvPr>
-            <p:ph type="title"/>
-          </p:nvPr>
-        </p:nvSpPr>
-        <p:spPr/>
-        <p:txBody>
-          <a:bodyPr/>
-          <a:lstStyle/>
-          <a:p>
-            <a:r>
-              <a:rPr lang="de-AT" dirty="0"/>
-              <a:t>Fragment für die Logik</a:t>
-            </a:r>
-          </a:p>
-        </p:txBody>
-      </p:sp>
-      <p:sp>
-        <p:nvSpPr>
-          <p:cNvPr id="3" name="Textplatzhalter 2">
-            <a:extLst>
-              <a:ext uri="{FF2B5EF4-FFF2-40B4-BE49-F238E27FC236}">
-                <a16:creationId xmlns:a16="http://schemas.microsoft.com/office/drawing/2014/main" id="{C1AE35C7-779E-B9F0-E6E1-5AF11CC83BCB}"/>
-              </a:ext>
-            </a:extLst>
-          </p:cNvPr>
-          <p:cNvSpPr>
-            <a:spLocks noGrp="1"/>
-          </p:cNvSpPr>
-          <p:nvPr>
-            <p:ph type="body" sz="quarter" idx="10"/>
-          </p:nvPr>
-        </p:nvSpPr>
-        <p:spPr/>
-        <p:txBody>
-          <a:bodyPr/>
-          <a:lstStyle/>
-          <a:p>
-            <a:endParaRPr lang="de-AT"/>
-          </a:p>
-        </p:txBody>
-      </p:sp>
-      <p:pic>
-        <p:nvPicPr>
-          <p:cNvPr id="5" name="Grafik 4">
-            <a:extLst>
-              <a:ext uri="{FF2B5EF4-FFF2-40B4-BE49-F238E27FC236}">
-                <a16:creationId xmlns:a16="http://schemas.microsoft.com/office/drawing/2014/main" id="{2EDCD26B-9870-395F-DD62-A694E8D49806}"/>
-              </a:ext>
-            </a:extLst>
-          </p:cNvPr>
-          <p:cNvPicPr>
-            <a:picLocks noChangeAspect="1"/>
-          </p:cNvPicPr>
-          <p:nvPr/>
-        </p:nvPicPr>
-        <p:blipFill>
-          <a:blip r:embed="rId2"/>
-          <a:stretch>
-            <a:fillRect/>
-          </a:stretch>
-        </p:blipFill>
-        <p:spPr>
-          <a:xfrm>
-            <a:off x="0" y="1915323"/>
-            <a:ext cx="9144000" cy="3027353"/>
-          </a:xfrm>
-          <a:prstGeom prst="rect">
-            <a:avLst/>
-          </a:prstGeom>
-        </p:spPr>
-      </p:pic>
-    </p:spTree>
-    <p:extLst>
-      <p:ext uri="{BB962C8B-B14F-4D97-AF65-F5344CB8AC3E}">
-        <p14:creationId xmlns:p14="http://schemas.microsoft.com/office/powerpoint/2010/main" val="176867414"/>
-      </p:ext>
-    </p:extLst>
-  </p:cSld>
-  <p:clrMapOvr>
-    <a:masterClrMapping/>
-  </p:clrMapOvr>
-</p:sld>
-</file>
-
-<file path=ppt/slides/slide31.xml><?xml version="1.0" encoding="utf-8"?>
-<p:sld xmlns:a="http://schemas.openxmlformats.org/drawingml/2006/main" xmlns:r="http://schemas.openxmlformats.org/officeDocument/2006/relationships" xmlns:p="http://schemas.openxmlformats.org/presentationml/2006/main">
-  <p:cSld>
-    <p:spTree>
-      <p:nvGrpSpPr>
-        <p:cNvPr id="1" name=""/>
-        <p:cNvGrpSpPr/>
-        <p:nvPr/>
-      </p:nvGrpSpPr>
-      <p:grpSpPr>
-        <a:xfrm>
-          <a:off x="0" y="0"/>
-          <a:ext cx="0" cy="0"/>
-          <a:chOff x="0" y="0"/>
-          <a:chExt cx="0" cy="0"/>
-        </a:xfrm>
-      </p:grpSpPr>
-      <p:sp>
-        <p:nvSpPr>
-          <p:cNvPr id="2" name="Titel 1">
-            <a:extLst>
-              <a:ext uri="{FF2B5EF4-FFF2-40B4-BE49-F238E27FC236}">
-                <a16:creationId xmlns:a16="http://schemas.microsoft.com/office/drawing/2014/main" id="{D4866952-E071-2649-5A8C-DD65E4D1EF07}"/>
-              </a:ext>
-            </a:extLst>
-          </p:cNvPr>
-          <p:cNvSpPr>
-            <a:spLocks noGrp="1"/>
-          </p:cNvSpPr>
-          <p:nvPr>
-            <p:ph type="title"/>
-          </p:nvPr>
-        </p:nvSpPr>
-        <p:spPr/>
-        <p:txBody>
-          <a:bodyPr/>
-          <a:lstStyle/>
-          <a:p>
-            <a:r>
-              <a:rPr lang="de-AT" dirty="0"/>
-              <a:t>Presence-Sensor schaltet LED aus</a:t>
-            </a:r>
-          </a:p>
-        </p:txBody>
-      </p:sp>
-      <p:sp>
-        <p:nvSpPr>
-          <p:cNvPr id="3" name="Textplatzhalter 2">
-            <a:extLst>
-              <a:ext uri="{FF2B5EF4-FFF2-40B4-BE49-F238E27FC236}">
-                <a16:creationId xmlns:a16="http://schemas.microsoft.com/office/drawing/2014/main" id="{B3724823-A0C3-DF89-0D64-B6795C4FFE1E}"/>
-              </a:ext>
-            </a:extLst>
-          </p:cNvPr>
-          <p:cNvSpPr>
-            <a:spLocks noGrp="1"/>
-          </p:cNvSpPr>
-          <p:nvPr>
-            <p:ph type="body" sz="quarter" idx="10"/>
-          </p:nvPr>
-        </p:nvSpPr>
-        <p:spPr/>
-        <p:txBody>
-          <a:bodyPr/>
-          <a:lstStyle/>
-          <a:p>
-            <a:endParaRPr lang="de-AT"/>
-          </a:p>
-        </p:txBody>
-      </p:sp>
-      <p:pic>
-        <p:nvPicPr>
-          <p:cNvPr id="5" name="Grafik 4">
-            <a:extLst>
-              <a:ext uri="{FF2B5EF4-FFF2-40B4-BE49-F238E27FC236}">
-                <a16:creationId xmlns:a16="http://schemas.microsoft.com/office/drawing/2014/main" id="{14919317-BDAF-73D9-1DCF-ACAA1D0FD6C1}"/>
-              </a:ext>
-            </a:extLst>
-          </p:cNvPr>
-          <p:cNvPicPr>
-            <a:picLocks noChangeAspect="1"/>
-          </p:cNvPicPr>
-          <p:nvPr/>
-        </p:nvPicPr>
-        <p:blipFill>
-          <a:blip r:embed="rId2"/>
-          <a:stretch>
-            <a:fillRect/>
-          </a:stretch>
-        </p:blipFill>
-        <p:spPr>
-          <a:xfrm>
-            <a:off x="1259632" y="1400797"/>
-            <a:ext cx="6624736" cy="4344090"/>
-          </a:xfrm>
-          <a:prstGeom prst="rect">
-            <a:avLst/>
-          </a:prstGeom>
-        </p:spPr>
-      </p:pic>
-    </p:spTree>
-    <p:extLst>
-      <p:ext uri="{BB962C8B-B14F-4D97-AF65-F5344CB8AC3E}">
-        <p14:creationId xmlns:p14="http://schemas.microsoft.com/office/powerpoint/2010/main" val="2840353985"/>
-      </p:ext>
-    </p:extLst>
-  </p:cSld>
-  <p:clrMapOvr>
-    <a:masterClrMapping/>
-  </p:clrMapOvr>
-</p:sld>
-</file>
-
-<file path=ppt/slides/slide32.xml><?xml version="1.0" encoding="utf-8"?>
-<p:sld xmlns:a="http://schemas.openxmlformats.org/drawingml/2006/main" xmlns:r="http://schemas.openxmlformats.org/officeDocument/2006/relationships" xmlns:p="http://schemas.openxmlformats.org/presentationml/2006/main">
-  <p:cSld>
-    <p:spTree>
-      <p:nvGrpSpPr>
-        <p:cNvPr id="1" name=""/>
-        <p:cNvGrpSpPr/>
-        <p:nvPr/>
-      </p:nvGrpSpPr>
-      <p:grpSpPr>
-        <a:xfrm>
-          <a:off x="0" y="0"/>
-          <a:ext cx="0" cy="0"/>
-          <a:chOff x="0" y="0"/>
-          <a:chExt cx="0" cy="0"/>
-        </a:xfrm>
-      </p:grpSpPr>
-      <p:sp>
-        <p:nvSpPr>
-          <p:cNvPr id="2" name="Titel 1">
-            <a:extLst>
-              <a:ext uri="{FF2B5EF4-FFF2-40B4-BE49-F238E27FC236}">
-                <a16:creationId xmlns:a16="http://schemas.microsoft.com/office/drawing/2014/main" id="{4D6A3BC1-D64C-58E3-BD8A-D684F42FF821}"/>
-              </a:ext>
-            </a:extLst>
-          </p:cNvPr>
-          <p:cNvSpPr>
-            <a:spLocks noGrp="1"/>
-          </p:cNvSpPr>
-          <p:nvPr>
-            <p:ph type="title"/>
-          </p:nvPr>
-        </p:nvSpPr>
-        <p:spPr/>
-        <p:txBody>
-          <a:bodyPr/>
-          <a:lstStyle/>
-          <a:p>
-            <a:r>
-              <a:rPr lang="de-AT" dirty="0"/>
-              <a:t>Erweiterte Anforderungen</a:t>
-            </a:r>
-          </a:p>
-        </p:txBody>
-      </p:sp>
-      <p:sp>
-        <p:nvSpPr>
-          <p:cNvPr id="3" name="Textplatzhalter 2">
-            <a:extLst>
-              <a:ext uri="{FF2B5EF4-FFF2-40B4-BE49-F238E27FC236}">
-                <a16:creationId xmlns:a16="http://schemas.microsoft.com/office/drawing/2014/main" id="{CFD9805A-297E-1822-B0BF-C651E3162F1A}"/>
-              </a:ext>
-            </a:extLst>
-          </p:cNvPr>
-          <p:cNvSpPr>
-            <a:spLocks noGrp="1"/>
-          </p:cNvSpPr>
-          <p:nvPr>
-            <p:ph type="body" sz="quarter" idx="10"/>
-          </p:nvPr>
-        </p:nvSpPr>
-        <p:spPr>
-          <a:xfrm>
-            <a:off x="468313" y="1124744"/>
-            <a:ext cx="8207375" cy="4608165"/>
-          </a:xfrm>
-        </p:spPr>
-        <p:txBody>
-          <a:bodyPr/>
-          <a:lstStyle/>
-          <a:p>
-            <a:r>
-              <a:rPr lang="de-AT" sz="2400" dirty="0"/>
-              <a:t>Threshold über MQTT-Topics einstellbar</a:t>
-            </a:r>
-          </a:p>
-          <a:p>
-            <a:r>
-              <a:rPr lang="de-AT" sz="2400" dirty="0"/>
-              <a:t>In HA lesbar und schreibbar einbinden</a:t>
-            </a:r>
-            <a:endParaRPr lang="de-AT" sz="2200" dirty="0"/>
-          </a:p>
-        </p:txBody>
-      </p:sp>
-      <p:sp>
-        <p:nvSpPr>
-          <p:cNvPr id="8" name="Textfeld 7">
-            <a:extLst>
-              <a:ext uri="{FF2B5EF4-FFF2-40B4-BE49-F238E27FC236}">
-                <a16:creationId xmlns:a16="http://schemas.microsoft.com/office/drawing/2014/main" id="{AA0AE261-E856-2D2F-466B-F1F9E135BD30}"/>
+      <p:sp>
+        <p:nvSpPr>
+          <p:cNvPr id="6" name="Textfeld 5">
+            <a:extLst>
+              <a:ext uri="{FF2B5EF4-FFF2-40B4-BE49-F238E27FC236}">
+                <a16:creationId xmlns:a16="http://schemas.microsoft.com/office/drawing/2014/main" id="{86F90AC9-5FCB-634E-E683-4453078779E5}"/>
               </a:ext>
             </a:extLst>
           </p:cNvPr>
@@ -8453,12 +7591,103 @@
           </a:p>
         </p:txBody>
       </p:sp>
+    </p:spTree>
+    <p:extLst>
+      <p:ext uri="{BB962C8B-B14F-4D97-AF65-F5344CB8AC3E}">
+        <p14:creationId xmlns:p14="http://schemas.microsoft.com/office/powerpoint/2010/main" val="1589847221"/>
+      </p:ext>
+    </p:extLst>
+  </p:cSld>
+  <p:clrMapOvr>
+    <a:masterClrMapping/>
+  </p:clrMapOvr>
+</p:sld>
+</file>
+
+<file path=ppt/slides/slide27.xml><?xml version="1.0" encoding="utf-8"?>
+<p:sld xmlns:a="http://schemas.openxmlformats.org/drawingml/2006/main" xmlns:r="http://schemas.openxmlformats.org/officeDocument/2006/relationships" xmlns:p="http://schemas.openxmlformats.org/presentationml/2006/main">
+  <p:cSld>
+    <p:spTree>
+      <p:nvGrpSpPr>
+        <p:cNvPr id="1" name=""/>
+        <p:cNvGrpSpPr/>
+        <p:nvPr/>
+      </p:nvGrpSpPr>
+      <p:grpSpPr>
+        <a:xfrm>
+          <a:off x="0" y="0"/>
+          <a:ext cx="0" cy="0"/>
+          <a:chOff x="0" y="0"/>
+          <a:chExt cx="0" cy="0"/>
+        </a:xfrm>
+      </p:grpSpPr>
+      <p:sp>
+        <p:nvSpPr>
+          <p:cNvPr id="2" name="Titel 1">
+            <a:extLst>
+              <a:ext uri="{FF2B5EF4-FFF2-40B4-BE49-F238E27FC236}">
+                <a16:creationId xmlns:a16="http://schemas.microsoft.com/office/drawing/2014/main" id="{CAEBFF9F-15E7-1A90-8B2A-13CE6F671CF0}"/>
+              </a:ext>
+            </a:extLst>
+          </p:cNvPr>
+          <p:cNvSpPr>
+            <a:spLocks noGrp="1"/>
+          </p:cNvSpPr>
+          <p:nvPr>
+            <p:ph type="title"/>
+          </p:nvPr>
+        </p:nvSpPr>
+        <p:spPr/>
+        <p:txBody>
+          <a:bodyPr/>
+          <a:lstStyle/>
+          <a:p>
+            <a:r>
+              <a:rPr lang="de-AT" dirty="0"/>
+              <a:t>Beispiel </a:t>
+            </a:r>
+            <a:r>
+              <a:rPr lang="de-AT" dirty="0" err="1"/>
+              <a:t>NiLi</a:t>
+            </a:r>
+            <a:r>
+              <a:rPr lang="de-AT" dirty="0"/>
+              <a:t>-Sensorbox</a:t>
+            </a:r>
+          </a:p>
+        </p:txBody>
+      </p:sp>
+      <p:sp>
+        <p:nvSpPr>
+          <p:cNvPr id="3" name="Textplatzhalter 2">
+            <a:extLst>
+              <a:ext uri="{FF2B5EF4-FFF2-40B4-BE49-F238E27FC236}">
+                <a16:creationId xmlns:a16="http://schemas.microsoft.com/office/drawing/2014/main" id="{D10FE0F9-53A2-6996-A39F-17388641488A}"/>
+              </a:ext>
+            </a:extLst>
+          </p:cNvPr>
+          <p:cNvSpPr>
+            <a:spLocks noGrp="1"/>
+          </p:cNvSpPr>
+          <p:nvPr>
+            <p:ph type="body" sz="quarter" idx="10"/>
+          </p:nvPr>
+        </p:nvSpPr>
+        <p:spPr/>
+        <p:txBody>
+          <a:bodyPr/>
+          <a:lstStyle/>
+          <a:p>
+            <a:endParaRPr lang="de-AT"/>
+          </a:p>
+        </p:txBody>
+      </p:sp>
       <p:pic>
         <p:nvPicPr>
-          <p:cNvPr id="4" name="Grafik 3">
-            <a:extLst>
-              <a:ext uri="{FF2B5EF4-FFF2-40B4-BE49-F238E27FC236}">
-                <a16:creationId xmlns:a16="http://schemas.microsoft.com/office/drawing/2014/main" id="{EF0598EC-52B2-B346-C753-0CDEDA0D0F7B}"/>
+          <p:cNvPr id="5" name="Grafik 4">
+            <a:extLst>
+              <a:ext uri="{FF2B5EF4-FFF2-40B4-BE49-F238E27FC236}">
+                <a16:creationId xmlns:a16="http://schemas.microsoft.com/office/drawing/2014/main" id="{FAB44AF0-9AA3-99F4-A724-4D3059D7BE94}"/>
               </a:ext>
             </a:extLst>
           </p:cNvPr>
@@ -8475,8 +7704,8 @@
         </p:blipFill>
         <p:spPr>
           <a:xfrm>
-            <a:off x="1043608" y="2564904"/>
-            <a:ext cx="6235896" cy="1088807"/>
+            <a:off x="0" y="927738"/>
+            <a:ext cx="9144000" cy="5290207"/>
           </a:xfrm>
           <a:prstGeom prst="rect">
             <a:avLst/>
@@ -8486,7 +7715,763 @@
     </p:spTree>
     <p:extLst>
       <p:ext uri="{BB962C8B-B14F-4D97-AF65-F5344CB8AC3E}">
-        <p14:creationId xmlns:p14="http://schemas.microsoft.com/office/powerpoint/2010/main" val="2910926391"/>
+        <p14:creationId xmlns:p14="http://schemas.microsoft.com/office/powerpoint/2010/main" val="985894395"/>
+      </p:ext>
+    </p:extLst>
+  </p:cSld>
+  <p:clrMapOvr>
+    <a:masterClrMapping/>
+  </p:clrMapOvr>
+</p:sld>
+</file>
+
+<file path=ppt/slides/slide28.xml><?xml version="1.0" encoding="utf-8"?>
+<p:sld xmlns:a="http://schemas.openxmlformats.org/drawingml/2006/main" xmlns:r="http://schemas.openxmlformats.org/officeDocument/2006/relationships" xmlns:p="http://schemas.openxmlformats.org/presentationml/2006/main">
+  <p:cSld>
+    <p:spTree>
+      <p:nvGrpSpPr>
+        <p:cNvPr id="1" name=""/>
+        <p:cNvGrpSpPr/>
+        <p:nvPr/>
+      </p:nvGrpSpPr>
+      <p:grpSpPr>
+        <a:xfrm>
+          <a:off x="0" y="0"/>
+          <a:ext cx="0" cy="0"/>
+          <a:chOff x="0" y="0"/>
+          <a:chExt cx="0" cy="0"/>
+        </a:xfrm>
+      </p:grpSpPr>
+      <p:sp>
+        <p:nvSpPr>
+          <p:cNvPr id="2" name="Titel 1">
+            <a:extLst>
+              <a:ext uri="{FF2B5EF4-FFF2-40B4-BE49-F238E27FC236}">
+                <a16:creationId xmlns:a16="http://schemas.microsoft.com/office/drawing/2014/main" id="{2D15C8E3-D625-7EFA-6514-999A76B47BE8}"/>
+              </a:ext>
+            </a:extLst>
+          </p:cNvPr>
+          <p:cNvSpPr>
+            <a:spLocks noGrp="1"/>
+          </p:cNvSpPr>
+          <p:nvPr>
+            <p:ph type="title"/>
+          </p:nvPr>
+        </p:nvSpPr>
+        <p:spPr/>
+        <p:txBody>
+          <a:bodyPr/>
+          <a:lstStyle/>
+          <a:p>
+            <a:r>
+              <a:rPr lang="de-AT" dirty="0"/>
+              <a:t>Angelehnt an HA-YAML</a:t>
+            </a:r>
+          </a:p>
+        </p:txBody>
+      </p:sp>
+      <p:sp>
+        <p:nvSpPr>
+          <p:cNvPr id="3" name="Textplatzhalter 2">
+            <a:extLst>
+              <a:ext uri="{FF2B5EF4-FFF2-40B4-BE49-F238E27FC236}">
+                <a16:creationId xmlns:a16="http://schemas.microsoft.com/office/drawing/2014/main" id="{8E29E7FC-165B-ABAE-E35C-4AA6BB642FB8}"/>
+              </a:ext>
+            </a:extLst>
+          </p:cNvPr>
+          <p:cNvSpPr>
+            <a:spLocks noGrp="1"/>
+          </p:cNvSpPr>
+          <p:nvPr>
+            <p:ph type="body" sz="quarter" idx="10"/>
+          </p:nvPr>
+        </p:nvSpPr>
+        <p:spPr/>
+        <p:txBody>
+          <a:bodyPr/>
+          <a:lstStyle/>
+          <a:p>
+            <a:r>
+              <a:rPr lang="de-AT" dirty="0" err="1"/>
+              <a:t>Ids</a:t>
+            </a:r>
+            <a:r>
+              <a:rPr lang="de-AT" dirty="0"/>
+              <a:t> vergeben</a:t>
+            </a:r>
+          </a:p>
+          <a:p>
+            <a:r>
+              <a:rPr lang="de-AT" dirty="0"/>
+              <a:t>Auf Events </a:t>
+            </a:r>
+            <a:br>
+              <a:rPr lang="de-AT" dirty="0"/>
+            </a:br>
+            <a:r>
+              <a:rPr lang="de-AT" dirty="0"/>
+              <a:t>reagieren</a:t>
+            </a:r>
+          </a:p>
+          <a:p>
+            <a:r>
+              <a:rPr lang="de-AT" dirty="0"/>
+              <a:t>Logger</a:t>
+            </a:r>
+          </a:p>
+          <a:p>
+            <a:r>
+              <a:rPr lang="de-AT" dirty="0"/>
+              <a:t>…</a:t>
+            </a:r>
+          </a:p>
+        </p:txBody>
+      </p:sp>
+      <p:pic>
+        <p:nvPicPr>
+          <p:cNvPr id="5" name="Grafik 4">
+            <a:extLst>
+              <a:ext uri="{FF2B5EF4-FFF2-40B4-BE49-F238E27FC236}">
+                <a16:creationId xmlns:a16="http://schemas.microsoft.com/office/drawing/2014/main" id="{355D90F6-E9E4-E11C-B214-E1FE8678DBF7}"/>
+              </a:ext>
+            </a:extLst>
+          </p:cNvPr>
+          <p:cNvPicPr>
+            <a:picLocks noChangeAspect="1"/>
+          </p:cNvPicPr>
+          <p:nvPr/>
+        </p:nvPicPr>
+        <p:blipFill>
+          <a:blip r:embed="rId2"/>
+          <a:stretch>
+            <a:fillRect/>
+          </a:stretch>
+        </p:blipFill>
+        <p:spPr>
+          <a:xfrm>
+            <a:off x="3508766" y="1124743"/>
+            <a:ext cx="5145548" cy="5607843"/>
+          </a:xfrm>
+          <a:prstGeom prst="rect">
+            <a:avLst/>
+          </a:prstGeom>
+        </p:spPr>
+      </p:pic>
+    </p:spTree>
+    <p:extLst>
+      <p:ext uri="{BB962C8B-B14F-4D97-AF65-F5344CB8AC3E}">
+        <p14:creationId xmlns:p14="http://schemas.microsoft.com/office/powerpoint/2010/main" val="1070234539"/>
+      </p:ext>
+    </p:extLst>
+  </p:cSld>
+  <p:clrMapOvr>
+    <a:masterClrMapping/>
+  </p:clrMapOvr>
+</p:sld>
+</file>
+
+<file path=ppt/slides/slide29.xml><?xml version="1.0" encoding="utf-8"?>
+<p:sld xmlns:a="http://schemas.openxmlformats.org/drawingml/2006/main" xmlns:r="http://schemas.openxmlformats.org/officeDocument/2006/relationships" xmlns:p="http://schemas.openxmlformats.org/presentationml/2006/main">
+  <p:cSld>
+    <p:spTree>
+      <p:nvGrpSpPr>
+        <p:cNvPr id="1" name=""/>
+        <p:cNvGrpSpPr/>
+        <p:nvPr/>
+      </p:nvGrpSpPr>
+      <p:grpSpPr>
+        <a:xfrm>
+          <a:off x="0" y="0"/>
+          <a:ext cx="0" cy="0"/>
+          <a:chOff x="0" y="0"/>
+          <a:chExt cx="0" cy="0"/>
+        </a:xfrm>
+      </p:grpSpPr>
+      <p:sp>
+        <p:nvSpPr>
+          <p:cNvPr id="2" name="Titel 1">
+            <a:extLst>
+              <a:ext uri="{FF2B5EF4-FFF2-40B4-BE49-F238E27FC236}">
+                <a16:creationId xmlns:a16="http://schemas.microsoft.com/office/drawing/2014/main" id="{3F57C761-A8BD-EBFA-7F0B-75EB08A5488C}"/>
+              </a:ext>
+            </a:extLst>
+          </p:cNvPr>
+          <p:cNvSpPr>
+            <a:spLocks noGrp="1"/>
+          </p:cNvSpPr>
+          <p:nvPr>
+            <p:ph type="title"/>
+          </p:nvPr>
+        </p:nvSpPr>
+        <p:spPr/>
+        <p:txBody>
+          <a:bodyPr/>
+          <a:lstStyle/>
+          <a:p>
+            <a:r>
+              <a:rPr lang="de-AT" dirty="0"/>
+              <a:t>Ohne API nur über MQTT</a:t>
+            </a:r>
+          </a:p>
+        </p:txBody>
+      </p:sp>
+      <p:sp>
+        <p:nvSpPr>
+          <p:cNvPr id="3" name="Textplatzhalter 2">
+            <a:extLst>
+              <a:ext uri="{FF2B5EF4-FFF2-40B4-BE49-F238E27FC236}">
+                <a16:creationId xmlns:a16="http://schemas.microsoft.com/office/drawing/2014/main" id="{915C280A-F2F9-A61D-04E9-A2970E729456}"/>
+              </a:ext>
+            </a:extLst>
+          </p:cNvPr>
+          <p:cNvSpPr>
+            <a:spLocks noGrp="1"/>
+          </p:cNvSpPr>
+          <p:nvPr>
+            <p:ph type="body" sz="quarter" idx="10"/>
+          </p:nvPr>
+        </p:nvSpPr>
+        <p:spPr/>
+        <p:txBody>
+          <a:bodyPr/>
+          <a:lstStyle/>
+          <a:p>
+            <a:endParaRPr lang="de-AT"/>
+          </a:p>
+        </p:txBody>
+      </p:sp>
+      <p:pic>
+        <p:nvPicPr>
+          <p:cNvPr id="5" name="Grafik 4">
+            <a:extLst>
+              <a:ext uri="{FF2B5EF4-FFF2-40B4-BE49-F238E27FC236}">
+                <a16:creationId xmlns:a16="http://schemas.microsoft.com/office/drawing/2014/main" id="{F5DD9BEB-C455-105A-C773-BB03BC65D069}"/>
+              </a:ext>
+            </a:extLst>
+          </p:cNvPr>
+          <p:cNvPicPr>
+            <a:picLocks noChangeAspect="1"/>
+          </p:cNvPicPr>
+          <p:nvPr/>
+        </p:nvPicPr>
+        <p:blipFill>
+          <a:blip r:embed="rId2"/>
+          <a:stretch>
+            <a:fillRect/>
+          </a:stretch>
+        </p:blipFill>
+        <p:spPr>
+          <a:xfrm>
+            <a:off x="1403648" y="1235059"/>
+            <a:ext cx="6048672" cy="5086910"/>
+          </a:xfrm>
+          <a:prstGeom prst="rect">
+            <a:avLst/>
+          </a:prstGeom>
+        </p:spPr>
+      </p:pic>
+    </p:spTree>
+    <p:extLst>
+      <p:ext uri="{BB962C8B-B14F-4D97-AF65-F5344CB8AC3E}">
+        <p14:creationId xmlns:p14="http://schemas.microsoft.com/office/powerpoint/2010/main" val="875530477"/>
+      </p:ext>
+    </p:extLst>
+  </p:cSld>
+  <p:clrMapOvr>
+    <a:masterClrMapping/>
+  </p:clrMapOvr>
+</p:sld>
+</file>
+
+<file path=ppt/slides/slide3.xml><?xml version="1.0" encoding="utf-8"?>
+<p:sld xmlns:a="http://schemas.openxmlformats.org/drawingml/2006/main" xmlns:r="http://schemas.openxmlformats.org/officeDocument/2006/relationships" xmlns:p="http://schemas.openxmlformats.org/presentationml/2006/main">
+  <p:cSld>
+    <p:spTree>
+      <p:nvGrpSpPr>
+        <p:cNvPr id="1" name=""/>
+        <p:cNvGrpSpPr/>
+        <p:nvPr/>
+      </p:nvGrpSpPr>
+      <p:grpSpPr>
+        <a:xfrm>
+          <a:off x="0" y="0"/>
+          <a:ext cx="0" cy="0"/>
+          <a:chOff x="0" y="0"/>
+          <a:chExt cx="0" cy="0"/>
+        </a:xfrm>
+      </p:grpSpPr>
+      <p:sp>
+        <p:nvSpPr>
+          <p:cNvPr id="2" name="Titel 1">
+            <a:extLst>
+              <a:ext uri="{FF2B5EF4-FFF2-40B4-BE49-F238E27FC236}">
+                <a16:creationId xmlns:a16="http://schemas.microsoft.com/office/drawing/2014/main" id="{958E1C95-1126-D9A2-E45F-6564BB1D06C4}"/>
+              </a:ext>
+            </a:extLst>
+          </p:cNvPr>
+          <p:cNvSpPr>
+            <a:spLocks noGrp="1"/>
+          </p:cNvSpPr>
+          <p:nvPr>
+            <p:ph type="title"/>
+          </p:nvPr>
+        </p:nvSpPr>
+        <p:spPr/>
+        <p:txBody>
+          <a:bodyPr/>
+          <a:lstStyle/>
+          <a:p>
+            <a:r>
+              <a:rPr lang="de-AT" dirty="0"/>
+              <a:t>Protokoll überprüfen</a:t>
+            </a:r>
+          </a:p>
+        </p:txBody>
+      </p:sp>
+      <p:sp>
+        <p:nvSpPr>
+          <p:cNvPr id="3" name="Textplatzhalter 2">
+            <a:extLst>
+              <a:ext uri="{FF2B5EF4-FFF2-40B4-BE49-F238E27FC236}">
+                <a16:creationId xmlns:a16="http://schemas.microsoft.com/office/drawing/2014/main" id="{73C03391-F717-5002-400B-663B47DB8C76}"/>
+              </a:ext>
+            </a:extLst>
+          </p:cNvPr>
+          <p:cNvSpPr>
+            <a:spLocks noGrp="1"/>
+          </p:cNvSpPr>
+          <p:nvPr>
+            <p:ph type="body" sz="quarter" idx="10"/>
+          </p:nvPr>
+        </p:nvSpPr>
+        <p:spPr>
+          <a:xfrm>
+            <a:off x="468313" y="1052736"/>
+            <a:ext cx="8207375" cy="4608165"/>
+          </a:xfrm>
+        </p:spPr>
+        <p:txBody>
+          <a:bodyPr/>
+          <a:lstStyle/>
+          <a:p>
+            <a:r>
+              <a:rPr lang="de-AT" dirty="0"/>
+              <a:t>Mit </a:t>
+            </a:r>
+            <a:r>
+              <a:rPr lang="de-AT" dirty="0" err="1"/>
+              <a:t>Mqtt</a:t>
+            </a:r>
+            <a:r>
+              <a:rPr lang="de-AT" dirty="0"/>
+              <a:t>-Explorer Zugang testen</a:t>
+            </a:r>
+          </a:p>
+        </p:txBody>
+      </p:sp>
+      <p:pic>
+        <p:nvPicPr>
+          <p:cNvPr id="5" name="Grafik 4">
+            <a:extLst>
+              <a:ext uri="{FF2B5EF4-FFF2-40B4-BE49-F238E27FC236}">
+                <a16:creationId xmlns:a16="http://schemas.microsoft.com/office/drawing/2014/main" id="{231902C4-B145-EA14-98FE-F41CF053A129}"/>
+              </a:ext>
+            </a:extLst>
+          </p:cNvPr>
+          <p:cNvPicPr>
+            <a:picLocks noChangeAspect="1"/>
+          </p:cNvPicPr>
+          <p:nvPr/>
+        </p:nvPicPr>
+        <p:blipFill>
+          <a:blip r:embed="rId2"/>
+          <a:stretch>
+            <a:fillRect/>
+          </a:stretch>
+        </p:blipFill>
+        <p:spPr>
+          <a:xfrm>
+            <a:off x="1691680" y="1988840"/>
+            <a:ext cx="4536504" cy="4273403"/>
+          </a:xfrm>
+          <a:prstGeom prst="rect">
+            <a:avLst/>
+          </a:prstGeom>
+        </p:spPr>
+      </p:pic>
+    </p:spTree>
+    <p:extLst>
+      <p:ext uri="{BB962C8B-B14F-4D97-AF65-F5344CB8AC3E}">
+        <p14:creationId xmlns:p14="http://schemas.microsoft.com/office/powerpoint/2010/main" val="3070429147"/>
+      </p:ext>
+    </p:extLst>
+  </p:cSld>
+  <p:clrMapOvr>
+    <a:masterClrMapping/>
+  </p:clrMapOvr>
+</p:sld>
+</file>
+
+<file path=ppt/slides/slide30.xml><?xml version="1.0" encoding="utf-8"?>
+<p:sld xmlns:a="http://schemas.openxmlformats.org/drawingml/2006/main" xmlns:r="http://schemas.openxmlformats.org/officeDocument/2006/relationships" xmlns:p="http://schemas.openxmlformats.org/presentationml/2006/main">
+  <p:cSld>
+    <p:spTree>
+      <p:nvGrpSpPr>
+        <p:cNvPr id="1" name=""/>
+        <p:cNvGrpSpPr/>
+        <p:nvPr/>
+      </p:nvGrpSpPr>
+      <p:grpSpPr>
+        <a:xfrm>
+          <a:off x="0" y="0"/>
+          <a:ext cx="0" cy="0"/>
+          <a:chOff x="0" y="0"/>
+          <a:chExt cx="0" cy="0"/>
+        </a:xfrm>
+      </p:grpSpPr>
+      <p:sp>
+        <p:nvSpPr>
+          <p:cNvPr id="2" name="Titel 1">
+            <a:extLst>
+              <a:ext uri="{FF2B5EF4-FFF2-40B4-BE49-F238E27FC236}">
+                <a16:creationId xmlns:a16="http://schemas.microsoft.com/office/drawing/2014/main" id="{E86AC6C0-B6E1-FBFF-6525-F97987BF51FC}"/>
+              </a:ext>
+            </a:extLst>
+          </p:cNvPr>
+          <p:cNvSpPr>
+            <a:spLocks noGrp="1"/>
+          </p:cNvSpPr>
+          <p:nvPr>
+            <p:ph type="title"/>
+          </p:nvPr>
+        </p:nvSpPr>
+        <p:spPr/>
+        <p:txBody>
+          <a:bodyPr/>
+          <a:lstStyle/>
+          <a:p>
+            <a:r>
+              <a:rPr lang="de-AT" dirty="0"/>
+              <a:t>LED Ansteuerung</a:t>
+            </a:r>
+          </a:p>
+        </p:txBody>
+      </p:sp>
+      <p:sp>
+        <p:nvSpPr>
+          <p:cNvPr id="3" name="Textplatzhalter 2">
+            <a:extLst>
+              <a:ext uri="{FF2B5EF4-FFF2-40B4-BE49-F238E27FC236}">
+                <a16:creationId xmlns:a16="http://schemas.microsoft.com/office/drawing/2014/main" id="{60E9EE22-910B-4E97-D712-3EAAC40C3FA8}"/>
+              </a:ext>
+            </a:extLst>
+          </p:cNvPr>
+          <p:cNvSpPr>
+            <a:spLocks noGrp="1"/>
+          </p:cNvSpPr>
+          <p:nvPr>
+            <p:ph type="body" sz="quarter" idx="10"/>
+          </p:nvPr>
+        </p:nvSpPr>
+        <p:spPr/>
+        <p:txBody>
+          <a:bodyPr/>
+          <a:lstStyle/>
+          <a:p>
+            <a:endParaRPr lang="de-AT" dirty="0"/>
+          </a:p>
+        </p:txBody>
+      </p:sp>
+      <p:pic>
+        <p:nvPicPr>
+          <p:cNvPr id="5" name="Grafik 4">
+            <a:extLst>
+              <a:ext uri="{FF2B5EF4-FFF2-40B4-BE49-F238E27FC236}">
+                <a16:creationId xmlns:a16="http://schemas.microsoft.com/office/drawing/2014/main" id="{7144E904-CF0C-7E53-98A4-C0BCE29A8396}"/>
+              </a:ext>
+            </a:extLst>
+          </p:cNvPr>
+          <p:cNvPicPr>
+            <a:picLocks noChangeAspect="1"/>
+          </p:cNvPicPr>
+          <p:nvPr/>
+        </p:nvPicPr>
+        <p:blipFill>
+          <a:blip r:embed="rId2"/>
+          <a:stretch>
+            <a:fillRect/>
+          </a:stretch>
+        </p:blipFill>
+        <p:spPr>
+          <a:xfrm>
+            <a:off x="468312" y="1268412"/>
+            <a:ext cx="4022110" cy="3348249"/>
+          </a:xfrm>
+          <a:prstGeom prst="rect">
+            <a:avLst/>
+          </a:prstGeom>
+        </p:spPr>
+      </p:pic>
+      <p:pic>
+        <p:nvPicPr>
+          <p:cNvPr id="7" name="Grafik 6">
+            <a:extLst>
+              <a:ext uri="{FF2B5EF4-FFF2-40B4-BE49-F238E27FC236}">
+                <a16:creationId xmlns:a16="http://schemas.microsoft.com/office/drawing/2014/main" id="{27E4DE0C-998A-9FDF-2AAA-461B094E832B}"/>
+              </a:ext>
+            </a:extLst>
+          </p:cNvPr>
+          <p:cNvPicPr>
+            <a:picLocks noChangeAspect="1"/>
+          </p:cNvPicPr>
+          <p:nvPr/>
+        </p:nvPicPr>
+        <p:blipFill>
+          <a:blip r:embed="rId3"/>
+          <a:stretch>
+            <a:fillRect/>
+          </a:stretch>
+        </p:blipFill>
+        <p:spPr>
+          <a:xfrm>
+            <a:off x="4592823" y="1260090"/>
+            <a:ext cx="3474598" cy="4401158"/>
+          </a:xfrm>
+          <a:prstGeom prst="rect">
+            <a:avLst/>
+          </a:prstGeom>
+        </p:spPr>
+      </p:pic>
+    </p:spTree>
+    <p:extLst>
+      <p:ext uri="{BB962C8B-B14F-4D97-AF65-F5344CB8AC3E}">
+        <p14:creationId xmlns:p14="http://schemas.microsoft.com/office/powerpoint/2010/main" val="4012880878"/>
+      </p:ext>
+    </p:extLst>
+  </p:cSld>
+  <p:clrMapOvr>
+    <a:masterClrMapping/>
+  </p:clrMapOvr>
+</p:sld>
+</file>
+
+<file path=ppt/slides/slide31.xml><?xml version="1.0" encoding="utf-8"?>
+<p:sld xmlns:a="http://schemas.openxmlformats.org/drawingml/2006/main" xmlns:r="http://schemas.openxmlformats.org/officeDocument/2006/relationships" xmlns:p="http://schemas.openxmlformats.org/presentationml/2006/main">
+  <p:cSld>
+    <p:spTree>
+      <p:nvGrpSpPr>
+        <p:cNvPr id="1" name=""/>
+        <p:cNvGrpSpPr/>
+        <p:nvPr/>
+      </p:nvGrpSpPr>
+      <p:grpSpPr>
+        <a:xfrm>
+          <a:off x="0" y="0"/>
+          <a:ext cx="0" cy="0"/>
+          <a:chOff x="0" y="0"/>
+          <a:chExt cx="0" cy="0"/>
+        </a:xfrm>
+      </p:grpSpPr>
+      <p:sp>
+        <p:nvSpPr>
+          <p:cNvPr id="2" name="Titel 1">
+            <a:extLst>
+              <a:ext uri="{FF2B5EF4-FFF2-40B4-BE49-F238E27FC236}">
+                <a16:creationId xmlns:a16="http://schemas.microsoft.com/office/drawing/2014/main" id="{4B7E2921-4A35-20B3-220D-25CCB0573840}"/>
+              </a:ext>
+            </a:extLst>
+          </p:cNvPr>
+          <p:cNvSpPr>
+            <a:spLocks noGrp="1"/>
+          </p:cNvSpPr>
+          <p:nvPr>
+            <p:ph type="title"/>
+          </p:nvPr>
+        </p:nvSpPr>
+        <p:spPr/>
+        <p:txBody>
+          <a:bodyPr/>
+          <a:lstStyle/>
+          <a:p>
+            <a:r>
+              <a:rPr lang="de-AT" dirty="0"/>
+              <a:t>Fragment für die Logik</a:t>
+            </a:r>
+          </a:p>
+        </p:txBody>
+      </p:sp>
+      <p:sp>
+        <p:nvSpPr>
+          <p:cNvPr id="3" name="Textplatzhalter 2">
+            <a:extLst>
+              <a:ext uri="{FF2B5EF4-FFF2-40B4-BE49-F238E27FC236}">
+                <a16:creationId xmlns:a16="http://schemas.microsoft.com/office/drawing/2014/main" id="{C1AE35C7-779E-B9F0-E6E1-5AF11CC83BCB}"/>
+              </a:ext>
+            </a:extLst>
+          </p:cNvPr>
+          <p:cNvSpPr>
+            <a:spLocks noGrp="1"/>
+          </p:cNvSpPr>
+          <p:nvPr>
+            <p:ph type="body" sz="quarter" idx="10"/>
+          </p:nvPr>
+        </p:nvSpPr>
+        <p:spPr/>
+        <p:txBody>
+          <a:bodyPr/>
+          <a:lstStyle/>
+          <a:p>
+            <a:endParaRPr lang="de-AT"/>
+          </a:p>
+        </p:txBody>
+      </p:sp>
+      <p:pic>
+        <p:nvPicPr>
+          <p:cNvPr id="5" name="Grafik 4">
+            <a:extLst>
+              <a:ext uri="{FF2B5EF4-FFF2-40B4-BE49-F238E27FC236}">
+                <a16:creationId xmlns:a16="http://schemas.microsoft.com/office/drawing/2014/main" id="{2EDCD26B-9870-395F-DD62-A694E8D49806}"/>
+              </a:ext>
+            </a:extLst>
+          </p:cNvPr>
+          <p:cNvPicPr>
+            <a:picLocks noChangeAspect="1"/>
+          </p:cNvPicPr>
+          <p:nvPr/>
+        </p:nvPicPr>
+        <p:blipFill>
+          <a:blip r:embed="rId2"/>
+          <a:stretch>
+            <a:fillRect/>
+          </a:stretch>
+        </p:blipFill>
+        <p:spPr>
+          <a:xfrm>
+            <a:off x="0" y="1915323"/>
+            <a:ext cx="9144000" cy="3027353"/>
+          </a:xfrm>
+          <a:prstGeom prst="rect">
+            <a:avLst/>
+          </a:prstGeom>
+        </p:spPr>
+      </p:pic>
+    </p:spTree>
+    <p:extLst>
+      <p:ext uri="{BB962C8B-B14F-4D97-AF65-F5344CB8AC3E}">
+        <p14:creationId xmlns:p14="http://schemas.microsoft.com/office/powerpoint/2010/main" val="176867414"/>
+      </p:ext>
+    </p:extLst>
+  </p:cSld>
+  <p:clrMapOvr>
+    <a:masterClrMapping/>
+  </p:clrMapOvr>
+</p:sld>
+</file>
+
+<file path=ppt/slides/slide32.xml><?xml version="1.0" encoding="utf-8"?>
+<p:sld xmlns:a="http://schemas.openxmlformats.org/drawingml/2006/main" xmlns:r="http://schemas.openxmlformats.org/officeDocument/2006/relationships" xmlns:p="http://schemas.openxmlformats.org/presentationml/2006/main">
+  <p:cSld>
+    <p:spTree>
+      <p:nvGrpSpPr>
+        <p:cNvPr id="1" name=""/>
+        <p:cNvGrpSpPr/>
+        <p:nvPr/>
+      </p:nvGrpSpPr>
+      <p:grpSpPr>
+        <a:xfrm>
+          <a:off x="0" y="0"/>
+          <a:ext cx="0" cy="0"/>
+          <a:chOff x="0" y="0"/>
+          <a:chExt cx="0" cy="0"/>
+        </a:xfrm>
+      </p:grpSpPr>
+      <p:sp>
+        <p:nvSpPr>
+          <p:cNvPr id="2" name="Titel 1">
+            <a:extLst>
+              <a:ext uri="{FF2B5EF4-FFF2-40B4-BE49-F238E27FC236}">
+                <a16:creationId xmlns:a16="http://schemas.microsoft.com/office/drawing/2014/main" id="{D4866952-E071-2649-5A8C-DD65E4D1EF07}"/>
+              </a:ext>
+            </a:extLst>
+          </p:cNvPr>
+          <p:cNvSpPr>
+            <a:spLocks noGrp="1"/>
+          </p:cNvSpPr>
+          <p:nvPr>
+            <p:ph type="title"/>
+          </p:nvPr>
+        </p:nvSpPr>
+        <p:spPr/>
+        <p:txBody>
+          <a:bodyPr/>
+          <a:lstStyle/>
+          <a:p>
+            <a:r>
+              <a:rPr lang="de-AT" dirty="0"/>
+              <a:t>Presence-Sensor schaltet LED aus</a:t>
+            </a:r>
+          </a:p>
+        </p:txBody>
+      </p:sp>
+      <p:sp>
+        <p:nvSpPr>
+          <p:cNvPr id="3" name="Textplatzhalter 2">
+            <a:extLst>
+              <a:ext uri="{FF2B5EF4-FFF2-40B4-BE49-F238E27FC236}">
+                <a16:creationId xmlns:a16="http://schemas.microsoft.com/office/drawing/2014/main" id="{B3724823-A0C3-DF89-0D64-B6795C4FFE1E}"/>
+              </a:ext>
+            </a:extLst>
+          </p:cNvPr>
+          <p:cNvSpPr>
+            <a:spLocks noGrp="1"/>
+          </p:cNvSpPr>
+          <p:nvPr>
+            <p:ph type="body" sz="quarter" idx="10"/>
+          </p:nvPr>
+        </p:nvSpPr>
+        <p:spPr/>
+        <p:txBody>
+          <a:bodyPr/>
+          <a:lstStyle/>
+          <a:p>
+            <a:endParaRPr lang="de-AT"/>
+          </a:p>
+        </p:txBody>
+      </p:sp>
+      <p:pic>
+        <p:nvPicPr>
+          <p:cNvPr id="5" name="Grafik 4">
+            <a:extLst>
+              <a:ext uri="{FF2B5EF4-FFF2-40B4-BE49-F238E27FC236}">
+                <a16:creationId xmlns:a16="http://schemas.microsoft.com/office/drawing/2014/main" id="{14919317-BDAF-73D9-1DCF-ACAA1D0FD6C1}"/>
+              </a:ext>
+            </a:extLst>
+          </p:cNvPr>
+          <p:cNvPicPr>
+            <a:picLocks noChangeAspect="1"/>
+          </p:cNvPicPr>
+          <p:nvPr/>
+        </p:nvPicPr>
+        <p:blipFill>
+          <a:blip r:embed="rId2"/>
+          <a:stretch>
+            <a:fillRect/>
+          </a:stretch>
+        </p:blipFill>
+        <p:spPr>
+          <a:xfrm>
+            <a:off x="1259632" y="1400797"/>
+            <a:ext cx="6624736" cy="4344090"/>
+          </a:xfrm>
+          <a:prstGeom prst="rect">
+            <a:avLst/>
+          </a:prstGeom>
+        </p:spPr>
+      </p:pic>
+    </p:spTree>
+    <p:extLst>
+      <p:ext uri="{BB962C8B-B14F-4D97-AF65-F5344CB8AC3E}">
+        <p14:creationId xmlns:p14="http://schemas.microsoft.com/office/powerpoint/2010/main" val="2840353985"/>
       </p:ext>
     </p:extLst>
   </p:cSld>
@@ -8518,7 +8503,7 @@
           <p:cNvPr id="2" name="Titel 1">
             <a:extLst>
               <a:ext uri="{FF2B5EF4-FFF2-40B4-BE49-F238E27FC236}">
-                <a16:creationId xmlns:a16="http://schemas.microsoft.com/office/drawing/2014/main" id="{A413DD18-3437-CADD-C8A3-7CDA936CBD91}"/>
+                <a16:creationId xmlns:a16="http://schemas.microsoft.com/office/drawing/2014/main" id="{4D6A3BC1-D64C-58E3-BD8A-D684F42FF821}"/>
               </a:ext>
             </a:extLst>
           </p:cNvPr>
@@ -8536,7 +8521,7 @@
           <a:p>
             <a:r>
               <a:rPr lang="de-AT" dirty="0"/>
-              <a:t>Threshold über MQTT setzen</a:t>
+              <a:t>Erweiterte Anforderungen</a:t>
             </a:r>
           </a:p>
         </p:txBody>
@@ -8546,7 +8531,7 @@
           <p:cNvPr id="3" name="Textplatzhalter 2">
             <a:extLst>
               <a:ext uri="{FF2B5EF4-FFF2-40B4-BE49-F238E27FC236}">
-                <a16:creationId xmlns:a16="http://schemas.microsoft.com/office/drawing/2014/main" id="{CF17C455-BD3D-825A-7642-31409A31A2D2}"/>
+                <a16:creationId xmlns:a16="http://schemas.microsoft.com/office/drawing/2014/main" id="{CFD9805A-297E-1822-B0BF-C651E3162F1A}"/>
               </a:ext>
             </a:extLst>
           </p:cNvPr>
@@ -8557,973 +8542,9 @@
             <p:ph type="body" sz="quarter" idx="10"/>
           </p:nvPr>
         </p:nvSpPr>
-        <p:spPr/>
-        <p:txBody>
-          <a:bodyPr/>
-          <a:lstStyle/>
-          <a:p>
-            <a:endParaRPr lang="de-AT"/>
-          </a:p>
-        </p:txBody>
-      </p:sp>
-      <p:pic>
-        <p:nvPicPr>
-          <p:cNvPr id="5" name="Grafik 4">
-            <a:extLst>
-              <a:ext uri="{FF2B5EF4-FFF2-40B4-BE49-F238E27FC236}">
-                <a16:creationId xmlns:a16="http://schemas.microsoft.com/office/drawing/2014/main" id="{2E102713-43EA-0A89-0906-4C8144F1012C}"/>
-              </a:ext>
-            </a:extLst>
-          </p:cNvPr>
-          <p:cNvPicPr>
-            <a:picLocks noChangeAspect="1"/>
-          </p:cNvPicPr>
-          <p:nvPr/>
-        </p:nvPicPr>
-        <p:blipFill>
-          <a:blip r:embed="rId2"/>
-          <a:stretch>
-            <a:fillRect/>
-          </a:stretch>
-        </p:blipFill>
         <p:spPr>
           <a:xfrm>
-            <a:off x="251520" y="3578434"/>
-            <a:ext cx="8640960" cy="3137567"/>
-          </a:xfrm>
-          <a:prstGeom prst="rect">
-            <a:avLst/>
-          </a:prstGeom>
-        </p:spPr>
-      </p:pic>
-      <p:pic>
-        <p:nvPicPr>
-          <p:cNvPr id="7" name="Grafik 6">
-            <a:extLst>
-              <a:ext uri="{FF2B5EF4-FFF2-40B4-BE49-F238E27FC236}">
-                <a16:creationId xmlns:a16="http://schemas.microsoft.com/office/drawing/2014/main" id="{8787E13A-8B26-6783-DBE4-FC286D735251}"/>
-              </a:ext>
-            </a:extLst>
-          </p:cNvPr>
-          <p:cNvPicPr>
-            <a:picLocks noChangeAspect="1"/>
-          </p:cNvPicPr>
-          <p:nvPr/>
-        </p:nvPicPr>
-        <p:blipFill>
-          <a:blip r:embed="rId3"/>
-          <a:stretch>
-            <a:fillRect/>
-          </a:stretch>
-        </p:blipFill>
-        <p:spPr>
-          <a:xfrm>
-            <a:off x="2339752" y="981075"/>
-            <a:ext cx="3096344" cy="2393933"/>
-          </a:xfrm>
-          <a:prstGeom prst="rect">
-            <a:avLst/>
-          </a:prstGeom>
-        </p:spPr>
-      </p:pic>
-    </p:spTree>
-    <p:extLst>
-      <p:ext uri="{BB962C8B-B14F-4D97-AF65-F5344CB8AC3E}">
-        <p14:creationId xmlns:p14="http://schemas.microsoft.com/office/powerpoint/2010/main" val="2002135137"/>
-      </p:ext>
-    </p:extLst>
-  </p:cSld>
-  <p:clrMapOvr>
-    <a:masterClrMapping/>
-  </p:clrMapOvr>
-</p:sld>
-</file>
-
-<file path=ppt/slides/slide34.xml><?xml version="1.0" encoding="utf-8"?>
-<p:sld xmlns:a="http://schemas.openxmlformats.org/drawingml/2006/main" xmlns:r="http://schemas.openxmlformats.org/officeDocument/2006/relationships" xmlns:p="http://schemas.openxmlformats.org/presentationml/2006/main">
-  <p:cSld>
-    <p:spTree>
-      <p:nvGrpSpPr>
-        <p:cNvPr id="1" name=""/>
-        <p:cNvGrpSpPr/>
-        <p:nvPr/>
-      </p:nvGrpSpPr>
-      <p:grpSpPr>
-        <a:xfrm>
-          <a:off x="0" y="0"/>
-          <a:ext cx="0" cy="0"/>
-          <a:chOff x="0" y="0"/>
-          <a:chExt cx="0" cy="0"/>
-        </a:xfrm>
-      </p:grpSpPr>
-      <p:sp>
-        <p:nvSpPr>
-          <p:cNvPr id="2" name="Titel 1">
-            <a:extLst>
-              <a:ext uri="{FF2B5EF4-FFF2-40B4-BE49-F238E27FC236}">
-                <a16:creationId xmlns:a16="http://schemas.microsoft.com/office/drawing/2014/main" id="{DAE8AC38-54C3-EB32-A7D6-A80DB80324E3}"/>
-              </a:ext>
-            </a:extLst>
-          </p:cNvPr>
-          <p:cNvSpPr>
-            <a:spLocks noGrp="1"/>
-          </p:cNvSpPr>
-          <p:nvPr>
-            <p:ph type="title"/>
-          </p:nvPr>
-        </p:nvSpPr>
-        <p:spPr/>
-        <p:txBody>
-          <a:bodyPr/>
-          <a:lstStyle/>
-          <a:p>
-            <a:r>
-              <a:rPr lang="de-AT" dirty="0"/>
-              <a:t>Threshold über </a:t>
-            </a:r>
-            <a:r>
-              <a:rPr lang="de-AT" dirty="0" err="1"/>
-              <a:t>Mqtt</a:t>
-            </a:r>
-            <a:r>
-              <a:rPr lang="de-AT" dirty="0"/>
-              <a:t> setzen</a:t>
-            </a:r>
-          </a:p>
-        </p:txBody>
-      </p:sp>
-      <p:sp>
-        <p:nvSpPr>
-          <p:cNvPr id="3" name="Textplatzhalter 2">
-            <a:extLst>
-              <a:ext uri="{FF2B5EF4-FFF2-40B4-BE49-F238E27FC236}">
-                <a16:creationId xmlns:a16="http://schemas.microsoft.com/office/drawing/2014/main" id="{372FFA29-0777-EFC0-27A1-F86A5FB3CC2D}"/>
-              </a:ext>
-            </a:extLst>
-          </p:cNvPr>
-          <p:cNvSpPr>
-            <a:spLocks noGrp="1"/>
-          </p:cNvSpPr>
-          <p:nvPr>
-            <p:ph type="body" sz="quarter" idx="10"/>
-          </p:nvPr>
-        </p:nvSpPr>
-        <p:spPr/>
-        <p:txBody>
-          <a:bodyPr/>
-          <a:lstStyle/>
-          <a:p>
-            <a:endParaRPr lang="de-AT"/>
-          </a:p>
-        </p:txBody>
-      </p:sp>
-      <p:pic>
-        <p:nvPicPr>
-          <p:cNvPr id="5" name="Grafik 4">
-            <a:extLst>
-              <a:ext uri="{FF2B5EF4-FFF2-40B4-BE49-F238E27FC236}">
-                <a16:creationId xmlns:a16="http://schemas.microsoft.com/office/drawing/2014/main" id="{C508FFDA-FAD7-564E-6676-0707C107429F}"/>
-              </a:ext>
-            </a:extLst>
-          </p:cNvPr>
-          <p:cNvPicPr>
-            <a:picLocks noChangeAspect="1"/>
-          </p:cNvPicPr>
-          <p:nvPr/>
-        </p:nvPicPr>
-        <p:blipFill>
-          <a:blip r:embed="rId2"/>
-          <a:stretch>
-            <a:fillRect/>
-          </a:stretch>
-        </p:blipFill>
-        <p:spPr>
-          <a:xfrm>
-            <a:off x="228600" y="1208866"/>
-            <a:ext cx="8686800" cy="4660374"/>
-          </a:xfrm>
-          <a:prstGeom prst="rect">
-            <a:avLst/>
-          </a:prstGeom>
-        </p:spPr>
-      </p:pic>
-    </p:spTree>
-    <p:extLst>
-      <p:ext uri="{BB962C8B-B14F-4D97-AF65-F5344CB8AC3E}">
-        <p14:creationId xmlns:p14="http://schemas.microsoft.com/office/powerpoint/2010/main" val="338733394"/>
-      </p:ext>
-    </p:extLst>
-  </p:cSld>
-  <p:clrMapOvr>
-    <a:masterClrMapping/>
-  </p:clrMapOvr>
-</p:sld>
-</file>
-
-<file path=ppt/slides/slide35.xml><?xml version="1.0" encoding="utf-8"?>
-<p:sld xmlns:a="http://schemas.openxmlformats.org/drawingml/2006/main" xmlns:r="http://schemas.openxmlformats.org/officeDocument/2006/relationships" xmlns:p="http://schemas.openxmlformats.org/presentationml/2006/main">
-  <p:cSld>
-    <p:spTree>
-      <p:nvGrpSpPr>
-        <p:cNvPr id="1" name=""/>
-        <p:cNvGrpSpPr/>
-        <p:nvPr/>
-      </p:nvGrpSpPr>
-      <p:grpSpPr>
-        <a:xfrm>
-          <a:off x="0" y="0"/>
-          <a:ext cx="0" cy="0"/>
-          <a:chOff x="0" y="0"/>
-          <a:chExt cx="0" cy="0"/>
-        </a:xfrm>
-      </p:grpSpPr>
-      <p:sp>
-        <p:nvSpPr>
-          <p:cNvPr id="2" name="Titel 1">
-            <a:extLst>
-              <a:ext uri="{FF2B5EF4-FFF2-40B4-BE49-F238E27FC236}">
-                <a16:creationId xmlns:a16="http://schemas.microsoft.com/office/drawing/2014/main" id="{590DBE3E-F93D-A657-C573-14F178A3BEBB}"/>
-              </a:ext>
-            </a:extLst>
-          </p:cNvPr>
-          <p:cNvSpPr>
-            <a:spLocks noGrp="1"/>
-          </p:cNvSpPr>
-          <p:nvPr>
-            <p:ph type="title"/>
-          </p:nvPr>
-        </p:nvSpPr>
-        <p:spPr/>
-        <p:txBody>
-          <a:bodyPr/>
-          <a:lstStyle/>
-          <a:p>
-            <a:r>
-              <a:rPr lang="de-AT" dirty="0"/>
-              <a:t>Über Web kontrollieren …</a:t>
-            </a:r>
-          </a:p>
-        </p:txBody>
-      </p:sp>
-      <p:sp>
-        <p:nvSpPr>
-          <p:cNvPr id="3" name="Textplatzhalter 2">
-            <a:extLst>
-              <a:ext uri="{FF2B5EF4-FFF2-40B4-BE49-F238E27FC236}">
-                <a16:creationId xmlns:a16="http://schemas.microsoft.com/office/drawing/2014/main" id="{1355BF82-3551-BDFF-4469-41656B22EDB1}"/>
-              </a:ext>
-            </a:extLst>
-          </p:cNvPr>
-          <p:cNvSpPr>
-            <a:spLocks noGrp="1"/>
-          </p:cNvSpPr>
-          <p:nvPr>
-            <p:ph type="body" sz="quarter" idx="10"/>
-          </p:nvPr>
-        </p:nvSpPr>
-        <p:spPr/>
-        <p:txBody>
-          <a:bodyPr/>
-          <a:lstStyle/>
-          <a:p>
-            <a:endParaRPr lang="de-AT"/>
-          </a:p>
-        </p:txBody>
-      </p:sp>
-      <p:pic>
-        <p:nvPicPr>
-          <p:cNvPr id="5" name="Grafik 4">
-            <a:extLst>
-              <a:ext uri="{FF2B5EF4-FFF2-40B4-BE49-F238E27FC236}">
-                <a16:creationId xmlns:a16="http://schemas.microsoft.com/office/drawing/2014/main" id="{227DB2FA-F051-A6F8-793A-E2562DFD2BF1}"/>
-              </a:ext>
-            </a:extLst>
-          </p:cNvPr>
-          <p:cNvPicPr>
-            <a:picLocks noChangeAspect="1"/>
-          </p:cNvPicPr>
-          <p:nvPr/>
-        </p:nvPicPr>
-        <p:blipFill>
-          <a:blip r:embed="rId2"/>
-          <a:stretch>
-            <a:fillRect/>
-          </a:stretch>
-        </p:blipFill>
-        <p:spPr>
-          <a:xfrm>
-            <a:off x="457200" y="981075"/>
-            <a:ext cx="8207374" cy="5372334"/>
-          </a:xfrm>
-          <a:prstGeom prst="rect">
-            <a:avLst/>
-          </a:prstGeom>
-        </p:spPr>
-      </p:pic>
-    </p:spTree>
-    <p:extLst>
-      <p:ext uri="{BB962C8B-B14F-4D97-AF65-F5344CB8AC3E}">
-        <p14:creationId xmlns:p14="http://schemas.microsoft.com/office/powerpoint/2010/main" val="4123050835"/>
-      </p:ext>
-    </p:extLst>
-  </p:cSld>
-  <p:clrMapOvr>
-    <a:masterClrMapping/>
-  </p:clrMapOvr>
-</p:sld>
-</file>
-
-<file path=ppt/slides/slide36.xml><?xml version="1.0" encoding="utf-8"?>
-<p:sld xmlns:a="http://schemas.openxmlformats.org/drawingml/2006/main" xmlns:r="http://schemas.openxmlformats.org/officeDocument/2006/relationships" xmlns:p="http://schemas.openxmlformats.org/presentationml/2006/main">
-  <p:cSld>
-    <p:spTree>
-      <p:nvGrpSpPr>
-        <p:cNvPr id="1" name=""/>
-        <p:cNvGrpSpPr/>
-        <p:nvPr/>
-      </p:nvGrpSpPr>
-      <p:grpSpPr>
-        <a:xfrm>
-          <a:off x="0" y="0"/>
-          <a:ext cx="0" cy="0"/>
-          <a:chOff x="0" y="0"/>
-          <a:chExt cx="0" cy="0"/>
-        </a:xfrm>
-      </p:grpSpPr>
-      <p:sp>
-        <p:nvSpPr>
-          <p:cNvPr id="2" name="Titel 1">
-            <a:extLst>
-              <a:ext uri="{FF2B5EF4-FFF2-40B4-BE49-F238E27FC236}">
-                <a16:creationId xmlns:a16="http://schemas.microsoft.com/office/drawing/2014/main" id="{8E6902BB-502E-600B-FD90-CA7630C0B044}"/>
-              </a:ext>
-            </a:extLst>
-          </p:cNvPr>
-          <p:cNvSpPr>
-            <a:spLocks noGrp="1"/>
-          </p:cNvSpPr>
-          <p:nvPr>
-            <p:ph type="title"/>
-          </p:nvPr>
-        </p:nvSpPr>
-        <p:spPr/>
-        <p:txBody>
-          <a:bodyPr/>
-          <a:lstStyle/>
-          <a:p>
-            <a:r>
-              <a:rPr lang="de-AT" dirty="0"/>
-              <a:t>… und auch über </a:t>
-            </a:r>
-            <a:r>
-              <a:rPr lang="de-AT" dirty="0" err="1"/>
-              <a:t>ESPHome</a:t>
-            </a:r>
-            <a:r>
-              <a:rPr lang="de-AT" dirty="0"/>
-              <a:t> Log</a:t>
-            </a:r>
-          </a:p>
-        </p:txBody>
-      </p:sp>
-      <p:sp>
-        <p:nvSpPr>
-          <p:cNvPr id="3" name="Textplatzhalter 2">
-            <a:extLst>
-              <a:ext uri="{FF2B5EF4-FFF2-40B4-BE49-F238E27FC236}">
-                <a16:creationId xmlns:a16="http://schemas.microsoft.com/office/drawing/2014/main" id="{A2D695EE-83E4-2541-ED10-0B14B5FC3601}"/>
-              </a:ext>
-            </a:extLst>
-          </p:cNvPr>
-          <p:cNvSpPr>
-            <a:spLocks noGrp="1"/>
-          </p:cNvSpPr>
-          <p:nvPr>
-            <p:ph type="body" sz="quarter" idx="10"/>
-          </p:nvPr>
-        </p:nvSpPr>
-        <p:spPr/>
-        <p:txBody>
-          <a:bodyPr/>
-          <a:lstStyle/>
-          <a:p>
-            <a:endParaRPr lang="de-AT"/>
-          </a:p>
-        </p:txBody>
-      </p:sp>
-      <p:pic>
-        <p:nvPicPr>
-          <p:cNvPr id="5" name="Grafik 4">
-            <a:extLst>
-              <a:ext uri="{FF2B5EF4-FFF2-40B4-BE49-F238E27FC236}">
-                <a16:creationId xmlns:a16="http://schemas.microsoft.com/office/drawing/2014/main" id="{8B7C9CCE-2BA1-7FDB-EE4C-099EE4CBF55D}"/>
-              </a:ext>
-            </a:extLst>
-          </p:cNvPr>
-          <p:cNvPicPr>
-            <a:picLocks noChangeAspect="1"/>
-          </p:cNvPicPr>
-          <p:nvPr/>
-        </p:nvPicPr>
-        <p:blipFill>
-          <a:blip r:embed="rId2"/>
-          <a:stretch>
-            <a:fillRect/>
-          </a:stretch>
-        </p:blipFill>
-        <p:spPr>
-          <a:xfrm>
-            <a:off x="323527" y="1293626"/>
-            <a:ext cx="8299979" cy="1343286"/>
-          </a:xfrm>
-          <a:prstGeom prst="rect">
-            <a:avLst/>
-          </a:prstGeom>
-        </p:spPr>
-      </p:pic>
-    </p:spTree>
-    <p:extLst>
-      <p:ext uri="{BB962C8B-B14F-4D97-AF65-F5344CB8AC3E}">
-        <p14:creationId xmlns:p14="http://schemas.microsoft.com/office/powerpoint/2010/main" val="144604091"/>
-      </p:ext>
-    </p:extLst>
-  </p:cSld>
-  <p:clrMapOvr>
-    <a:masterClrMapping/>
-  </p:clrMapOvr>
-</p:sld>
-</file>
-
-<file path=ppt/slides/slide37.xml><?xml version="1.0" encoding="utf-8"?>
-<p:sld xmlns:a="http://schemas.openxmlformats.org/drawingml/2006/main" xmlns:r="http://schemas.openxmlformats.org/officeDocument/2006/relationships" xmlns:p="http://schemas.openxmlformats.org/presentationml/2006/main">
-  <p:cSld>
-    <p:spTree>
-      <p:nvGrpSpPr>
-        <p:cNvPr id="1" name=""/>
-        <p:cNvGrpSpPr/>
-        <p:nvPr/>
-      </p:nvGrpSpPr>
-      <p:grpSpPr>
-        <a:xfrm>
-          <a:off x="0" y="0"/>
-          <a:ext cx="0" cy="0"/>
-          <a:chOff x="0" y="0"/>
-          <a:chExt cx="0" cy="0"/>
-        </a:xfrm>
-      </p:grpSpPr>
-      <p:sp>
-        <p:nvSpPr>
-          <p:cNvPr id="2" name="Titel 1">
-            <a:extLst>
-              <a:ext uri="{FF2B5EF4-FFF2-40B4-BE49-F238E27FC236}">
-                <a16:creationId xmlns:a16="http://schemas.microsoft.com/office/drawing/2014/main" id="{E1729221-B964-19B4-AC0C-B6F7CF6B8E35}"/>
-              </a:ext>
-            </a:extLst>
-          </p:cNvPr>
-          <p:cNvSpPr>
-            <a:spLocks noGrp="1"/>
-          </p:cNvSpPr>
-          <p:nvPr>
-            <p:ph type="title"/>
-          </p:nvPr>
-        </p:nvSpPr>
-        <p:spPr/>
-        <p:txBody>
-          <a:bodyPr/>
-          <a:lstStyle/>
-          <a:p>
-            <a:r>
-              <a:rPr lang="de-AT" dirty="0"/>
-              <a:t>Über HA lesbar und schreibbar</a:t>
-            </a:r>
-          </a:p>
-        </p:txBody>
-      </p:sp>
-      <p:sp>
-        <p:nvSpPr>
-          <p:cNvPr id="3" name="Textplatzhalter 2">
-            <a:extLst>
-              <a:ext uri="{FF2B5EF4-FFF2-40B4-BE49-F238E27FC236}">
-                <a16:creationId xmlns:a16="http://schemas.microsoft.com/office/drawing/2014/main" id="{219C607F-E1D0-7409-6BF8-7D9B2A6D50F2}"/>
-              </a:ext>
-            </a:extLst>
-          </p:cNvPr>
-          <p:cNvSpPr>
-            <a:spLocks noGrp="1"/>
-          </p:cNvSpPr>
-          <p:nvPr>
-            <p:ph type="body" sz="quarter" idx="10"/>
-          </p:nvPr>
-        </p:nvSpPr>
-        <p:spPr/>
-        <p:txBody>
-          <a:bodyPr/>
-          <a:lstStyle/>
-          <a:p>
-            <a:endParaRPr lang="de-AT"/>
-          </a:p>
-        </p:txBody>
-      </p:sp>
-      <p:pic>
-        <p:nvPicPr>
-          <p:cNvPr id="5" name="Grafik 4">
-            <a:extLst>
-              <a:ext uri="{FF2B5EF4-FFF2-40B4-BE49-F238E27FC236}">
-                <a16:creationId xmlns:a16="http://schemas.microsoft.com/office/drawing/2014/main" id="{D545EB4D-5495-5BE7-E03F-A17EA2DD1E53}"/>
-              </a:ext>
-            </a:extLst>
-          </p:cNvPr>
-          <p:cNvPicPr>
-            <a:picLocks noChangeAspect="1"/>
-          </p:cNvPicPr>
-          <p:nvPr/>
-        </p:nvPicPr>
-        <p:blipFill>
-          <a:blip r:embed="rId3"/>
-          <a:stretch>
-            <a:fillRect/>
-          </a:stretch>
-        </p:blipFill>
-        <p:spPr>
-          <a:xfrm>
-            <a:off x="1000401" y="1196752"/>
-            <a:ext cx="6235896" cy="1088807"/>
-          </a:xfrm>
-          <a:prstGeom prst="rect">
-            <a:avLst/>
-          </a:prstGeom>
-        </p:spPr>
-      </p:pic>
-      <p:pic>
-        <p:nvPicPr>
-          <p:cNvPr id="7" name="Grafik 6">
-            <a:extLst>
-              <a:ext uri="{FF2B5EF4-FFF2-40B4-BE49-F238E27FC236}">
-                <a16:creationId xmlns:a16="http://schemas.microsoft.com/office/drawing/2014/main" id="{3BBCDC29-7114-C66A-35DB-707F9B9932EB}"/>
-              </a:ext>
-            </a:extLst>
-          </p:cNvPr>
-          <p:cNvPicPr>
-            <a:picLocks noChangeAspect="1"/>
-          </p:cNvPicPr>
-          <p:nvPr/>
-        </p:nvPicPr>
-        <p:blipFill>
-          <a:blip r:embed="rId4"/>
-          <a:stretch>
-            <a:fillRect/>
-          </a:stretch>
-        </p:blipFill>
-        <p:spPr>
-          <a:xfrm>
-            <a:off x="366735" y="2381672"/>
-            <a:ext cx="8026958" cy="3783632"/>
-          </a:xfrm>
-          <a:prstGeom prst="rect">
-            <a:avLst/>
-          </a:prstGeom>
-        </p:spPr>
-      </p:pic>
-    </p:spTree>
-    <p:extLst>
-      <p:ext uri="{BB962C8B-B14F-4D97-AF65-F5344CB8AC3E}">
-        <p14:creationId xmlns:p14="http://schemas.microsoft.com/office/powerpoint/2010/main" val="3906205021"/>
-      </p:ext>
-    </p:extLst>
-  </p:cSld>
-  <p:clrMapOvr>
-    <a:masterClrMapping/>
-  </p:clrMapOvr>
-</p:sld>
-</file>
-
-<file path=ppt/slides/slide4.xml><?xml version="1.0" encoding="utf-8"?>
-<p:sld xmlns:a="http://schemas.openxmlformats.org/drawingml/2006/main" xmlns:r="http://schemas.openxmlformats.org/officeDocument/2006/relationships" xmlns:p="http://schemas.openxmlformats.org/presentationml/2006/main">
-  <p:cSld>
-    <p:spTree>
-      <p:nvGrpSpPr>
-        <p:cNvPr id="1" name=""/>
-        <p:cNvGrpSpPr/>
-        <p:nvPr/>
-      </p:nvGrpSpPr>
-      <p:grpSpPr>
-        <a:xfrm>
-          <a:off x="0" y="0"/>
-          <a:ext cx="0" cy="0"/>
-          <a:chOff x="0" y="0"/>
-          <a:chExt cx="0" cy="0"/>
-        </a:xfrm>
-      </p:grpSpPr>
-      <p:sp>
-        <p:nvSpPr>
-          <p:cNvPr id="2" name="Titel 1">
-            <a:extLst>
-              <a:ext uri="{FF2B5EF4-FFF2-40B4-BE49-F238E27FC236}">
-                <a16:creationId xmlns:a16="http://schemas.microsoft.com/office/drawing/2014/main" id="{6C711CC9-CACF-1FE9-2441-2A1B7BB96AD1}"/>
-              </a:ext>
-            </a:extLst>
-          </p:cNvPr>
-          <p:cNvSpPr>
-            <a:spLocks noGrp="1"/>
-          </p:cNvSpPr>
-          <p:nvPr>
-            <p:ph type="title"/>
-          </p:nvPr>
-        </p:nvSpPr>
-        <p:spPr/>
-        <p:txBody>
-          <a:bodyPr/>
-          <a:lstStyle/>
-          <a:p>
-            <a:r>
-              <a:rPr lang="de-AT" dirty="0"/>
-              <a:t>Verwendete Hardware – ESP32</a:t>
-            </a:r>
-          </a:p>
-        </p:txBody>
-      </p:sp>
-      <p:sp>
-        <p:nvSpPr>
-          <p:cNvPr id="3" name="Textplatzhalter 2">
-            <a:extLst>
-              <a:ext uri="{FF2B5EF4-FFF2-40B4-BE49-F238E27FC236}">
-                <a16:creationId xmlns:a16="http://schemas.microsoft.com/office/drawing/2014/main" id="{878383DE-2EB8-C99D-B95F-A8B24B64FEDE}"/>
-              </a:ext>
-            </a:extLst>
-          </p:cNvPr>
-          <p:cNvSpPr>
-            <a:spLocks noGrp="1"/>
-          </p:cNvSpPr>
-          <p:nvPr>
-            <p:ph type="body" sz="quarter" idx="10"/>
-          </p:nvPr>
-        </p:nvSpPr>
-        <p:spPr/>
-        <p:txBody>
-          <a:bodyPr/>
-          <a:lstStyle/>
-          <a:p>
-            <a:endParaRPr lang="de-AT"/>
-          </a:p>
-        </p:txBody>
-      </p:sp>
-      <p:pic>
-        <p:nvPicPr>
-          <p:cNvPr id="5" name="Grafik 4">
-            <a:extLst>
-              <a:ext uri="{FF2B5EF4-FFF2-40B4-BE49-F238E27FC236}">
-                <a16:creationId xmlns:a16="http://schemas.microsoft.com/office/drawing/2014/main" id="{A84CE14C-7292-700F-6BB8-C79102E97710}"/>
-              </a:ext>
-            </a:extLst>
-          </p:cNvPr>
-          <p:cNvPicPr>
-            <a:picLocks noChangeAspect="1"/>
-          </p:cNvPicPr>
-          <p:nvPr/>
-        </p:nvPicPr>
-        <p:blipFill>
-          <a:blip r:embed="rId2"/>
-          <a:stretch>
-            <a:fillRect/>
-          </a:stretch>
-        </p:blipFill>
-        <p:spPr>
-          <a:xfrm>
-            <a:off x="467544" y="914282"/>
-            <a:ext cx="8229600" cy="5899094"/>
-          </a:xfrm>
-          <a:prstGeom prst="rect">
-            <a:avLst/>
-          </a:prstGeom>
-        </p:spPr>
-      </p:pic>
-    </p:spTree>
-    <p:extLst>
-      <p:ext uri="{BB962C8B-B14F-4D97-AF65-F5344CB8AC3E}">
-        <p14:creationId xmlns:p14="http://schemas.microsoft.com/office/powerpoint/2010/main" val="1621838096"/>
-      </p:ext>
-    </p:extLst>
-  </p:cSld>
-  <p:clrMapOvr>
-    <a:masterClrMapping/>
-  </p:clrMapOvr>
-</p:sld>
-</file>
-
-<file path=ppt/slides/slide5.xml><?xml version="1.0" encoding="utf-8"?>
-<p:sld xmlns:a="http://schemas.openxmlformats.org/drawingml/2006/main" xmlns:r="http://schemas.openxmlformats.org/officeDocument/2006/relationships" xmlns:p="http://schemas.openxmlformats.org/presentationml/2006/main">
-  <p:cSld>
-    <p:spTree>
-      <p:nvGrpSpPr>
-        <p:cNvPr id="1" name=""/>
-        <p:cNvGrpSpPr/>
-        <p:nvPr/>
-      </p:nvGrpSpPr>
-      <p:grpSpPr>
-        <a:xfrm>
-          <a:off x="0" y="0"/>
-          <a:ext cx="0" cy="0"/>
-          <a:chOff x="0" y="0"/>
-          <a:chExt cx="0" cy="0"/>
-        </a:xfrm>
-      </p:grpSpPr>
-      <p:sp>
-        <p:nvSpPr>
-          <p:cNvPr id="2" name="Titel 1">
-            <a:extLst>
-              <a:ext uri="{FF2B5EF4-FFF2-40B4-BE49-F238E27FC236}">
-                <a16:creationId xmlns:a16="http://schemas.microsoft.com/office/drawing/2014/main" id="{990124CA-2B25-CCC3-B761-1B938066102A}"/>
-              </a:ext>
-            </a:extLst>
-          </p:cNvPr>
-          <p:cNvSpPr>
-            <a:spLocks noGrp="1"/>
-          </p:cNvSpPr>
-          <p:nvPr>
-            <p:ph type="title"/>
-          </p:nvPr>
-        </p:nvSpPr>
-        <p:spPr/>
-        <p:txBody>
-          <a:bodyPr/>
-          <a:lstStyle/>
-          <a:p>
-            <a:r>
-              <a:rPr lang="de-AT" dirty="0"/>
-              <a:t>Radar-Bewegungsmelder LD2420</a:t>
-            </a:r>
-          </a:p>
-        </p:txBody>
-      </p:sp>
-      <p:sp>
-        <p:nvSpPr>
-          <p:cNvPr id="3" name="Textplatzhalter 2">
-            <a:extLst>
-              <a:ext uri="{FF2B5EF4-FFF2-40B4-BE49-F238E27FC236}">
-                <a16:creationId xmlns:a16="http://schemas.microsoft.com/office/drawing/2014/main" id="{EDEFF01D-0C90-4F14-82A7-067D268E1838}"/>
-              </a:ext>
-            </a:extLst>
-          </p:cNvPr>
-          <p:cNvSpPr>
-            <a:spLocks noGrp="1"/>
-          </p:cNvSpPr>
-          <p:nvPr>
-            <p:ph type="body" sz="quarter" idx="10"/>
-          </p:nvPr>
-        </p:nvSpPr>
-        <p:spPr/>
-        <p:txBody>
-          <a:bodyPr/>
-          <a:lstStyle/>
-          <a:p>
-            <a:r>
-              <a:rPr lang="de-AT" dirty="0"/>
-              <a:t>Pinbelegung:</a:t>
-            </a:r>
-          </a:p>
-          <a:p>
-            <a:pPr lvl="1"/>
-            <a:r>
-              <a:rPr lang="de-AT" dirty="0"/>
-              <a:t>3,3V 	</a:t>
-            </a:r>
-            <a:r>
-              <a:rPr lang="de-AT" dirty="0">
-                <a:sym typeface="Wingdings" panose="05000000000000000000" pitchFamily="2" charset="2"/>
-              </a:rPr>
-              <a:t> 3V3</a:t>
-            </a:r>
-          </a:p>
-          <a:p>
-            <a:pPr lvl="1"/>
-            <a:r>
-              <a:rPr lang="de-AT" dirty="0">
-                <a:sym typeface="Wingdings" panose="05000000000000000000" pitchFamily="2" charset="2"/>
-              </a:rPr>
-              <a:t>GND 	 GND</a:t>
-            </a:r>
-          </a:p>
-          <a:p>
-            <a:pPr lvl="1"/>
-            <a:r>
-              <a:rPr lang="de-AT" dirty="0">
-                <a:sym typeface="Wingdings" panose="05000000000000000000" pitchFamily="2" charset="2"/>
-              </a:rPr>
-              <a:t>OT1 	 </a:t>
-            </a:r>
-            <a:r>
-              <a:rPr lang="de-AT" dirty="0" err="1">
-                <a:sym typeface="Wingdings" panose="05000000000000000000" pitchFamily="2" charset="2"/>
-              </a:rPr>
-              <a:t>Rx</a:t>
-            </a:r>
-            <a:r>
-              <a:rPr lang="de-AT" dirty="0">
-                <a:sym typeface="Wingdings" panose="05000000000000000000" pitchFamily="2" charset="2"/>
-              </a:rPr>
-              <a:t>-Pin</a:t>
-            </a:r>
-          </a:p>
-          <a:p>
-            <a:pPr lvl="1"/>
-            <a:r>
-              <a:rPr lang="de-AT" dirty="0" err="1">
-                <a:sym typeface="Wingdings" panose="05000000000000000000" pitchFamily="2" charset="2"/>
-              </a:rPr>
-              <a:t>Rx</a:t>
-            </a:r>
-            <a:r>
-              <a:rPr lang="de-AT" dirty="0">
-                <a:sym typeface="Wingdings" panose="05000000000000000000" pitchFamily="2" charset="2"/>
-              </a:rPr>
-              <a:t> 	 </a:t>
-            </a:r>
-            <a:r>
-              <a:rPr lang="de-AT" dirty="0" err="1">
-                <a:sym typeface="Wingdings" panose="05000000000000000000" pitchFamily="2" charset="2"/>
-              </a:rPr>
-              <a:t>Tx</a:t>
-            </a:r>
-            <a:r>
-              <a:rPr lang="de-AT" dirty="0">
-                <a:sym typeface="Wingdings" panose="05000000000000000000" pitchFamily="2" charset="2"/>
-              </a:rPr>
-              <a:t>-Pin</a:t>
-            </a:r>
-          </a:p>
-          <a:p>
-            <a:pPr lvl="1"/>
-            <a:r>
-              <a:rPr lang="de-AT" dirty="0">
-                <a:sym typeface="Wingdings" panose="05000000000000000000" pitchFamily="2" charset="2"/>
-              </a:rPr>
-              <a:t>OT2	 offen</a:t>
-            </a:r>
-          </a:p>
-          <a:p>
-            <a:pPr lvl="1"/>
-            <a:endParaRPr lang="de-AT" dirty="0">
-              <a:sym typeface="Wingdings" panose="05000000000000000000" pitchFamily="2" charset="2"/>
-            </a:endParaRPr>
-          </a:p>
-          <a:p>
-            <a:r>
-              <a:rPr lang="de-AT" dirty="0">
-                <a:sym typeface="Wingdings" panose="05000000000000000000" pitchFamily="2" charset="2"/>
-              </a:rPr>
-              <a:t>Baudrate  115200 (sollte eigentlich 256000 sein)</a:t>
-            </a:r>
-            <a:endParaRPr lang="de-AT" dirty="0"/>
-          </a:p>
-        </p:txBody>
-      </p:sp>
-      <p:pic>
-        <p:nvPicPr>
-          <p:cNvPr id="5" name="Grafik 4">
-            <a:extLst>
-              <a:ext uri="{FF2B5EF4-FFF2-40B4-BE49-F238E27FC236}">
-                <a16:creationId xmlns:a16="http://schemas.microsoft.com/office/drawing/2014/main" id="{F26F310D-F566-6FAC-EDC7-89DC5AF83AE8}"/>
-              </a:ext>
-            </a:extLst>
-          </p:cNvPr>
-          <p:cNvPicPr>
-            <a:picLocks noChangeAspect="1"/>
-          </p:cNvPicPr>
-          <p:nvPr/>
-        </p:nvPicPr>
-        <p:blipFill>
-          <a:blip r:embed="rId2"/>
-          <a:stretch>
-            <a:fillRect/>
-          </a:stretch>
-        </p:blipFill>
-        <p:spPr>
-          <a:xfrm rot="5400000">
-            <a:off x="4892799" y="1380009"/>
-            <a:ext cx="2486025" cy="2695575"/>
-          </a:xfrm>
-          <a:prstGeom prst="rect">
-            <a:avLst/>
-          </a:prstGeom>
-        </p:spPr>
-      </p:pic>
-    </p:spTree>
-    <p:extLst>
-      <p:ext uri="{BB962C8B-B14F-4D97-AF65-F5344CB8AC3E}">
-        <p14:creationId xmlns:p14="http://schemas.microsoft.com/office/powerpoint/2010/main" val="338012450"/>
-      </p:ext>
-    </p:extLst>
-  </p:cSld>
-  <p:clrMapOvr>
-    <a:masterClrMapping/>
-  </p:clrMapOvr>
-</p:sld>
-</file>
-
-<file path=ppt/slides/slide6.xml><?xml version="1.0" encoding="utf-8"?>
-<p:sld xmlns:a="http://schemas.openxmlformats.org/drawingml/2006/main" xmlns:r="http://schemas.openxmlformats.org/officeDocument/2006/relationships" xmlns:p="http://schemas.openxmlformats.org/presentationml/2006/main">
-  <p:cSld>
-    <p:spTree>
-      <p:nvGrpSpPr>
-        <p:cNvPr id="1" name=""/>
-        <p:cNvGrpSpPr/>
-        <p:nvPr/>
-      </p:nvGrpSpPr>
-      <p:grpSpPr>
-        <a:xfrm>
-          <a:off x="0" y="0"/>
-          <a:ext cx="0" cy="0"/>
-          <a:chOff x="0" y="0"/>
-          <a:chExt cx="0" cy="0"/>
-        </a:xfrm>
-      </p:grpSpPr>
-      <p:sp>
-        <p:nvSpPr>
-          <p:cNvPr id="2" name="Titel 1">
-            <a:extLst>
-              <a:ext uri="{FF2B5EF4-FFF2-40B4-BE49-F238E27FC236}">
-                <a16:creationId xmlns:a16="http://schemas.microsoft.com/office/drawing/2014/main" id="{64DE2D4B-C0A2-42F5-0A2D-757231C831BD}"/>
-              </a:ext>
-            </a:extLst>
-          </p:cNvPr>
-          <p:cNvSpPr>
-            <a:spLocks noGrp="1"/>
-          </p:cNvSpPr>
-          <p:nvPr>
-            <p:ph type="title"/>
-          </p:nvPr>
-        </p:nvSpPr>
-        <p:spPr/>
-        <p:txBody>
-          <a:bodyPr/>
-          <a:lstStyle/>
-          <a:p>
-            <a:r>
-              <a:rPr lang="de-AT" dirty="0"/>
-              <a:t>Radar-Bewegungsmelder LD2410B</a:t>
-            </a:r>
-          </a:p>
-        </p:txBody>
-      </p:sp>
-      <p:sp>
-        <p:nvSpPr>
-          <p:cNvPr id="3" name="Textplatzhalter 2">
-            <a:extLst>
-              <a:ext uri="{FF2B5EF4-FFF2-40B4-BE49-F238E27FC236}">
-                <a16:creationId xmlns:a16="http://schemas.microsoft.com/office/drawing/2014/main" id="{AB29D329-04FD-8AED-95A7-6781803EE9F4}"/>
-              </a:ext>
-            </a:extLst>
-          </p:cNvPr>
-          <p:cNvSpPr>
-            <a:spLocks noGrp="1"/>
-          </p:cNvSpPr>
-          <p:nvPr>
-            <p:ph type="body" sz="quarter" idx="10"/>
-          </p:nvPr>
-        </p:nvSpPr>
-        <p:spPr>
-          <a:xfrm>
-            <a:off x="468313" y="908720"/>
+            <a:off x="468313" y="1124744"/>
             <a:ext cx="8207375" cy="4608165"/>
           </a:xfrm>
         </p:spPr>
@@ -9532,478 +8553,25 @@
           <a:lstStyle/>
           <a:p>
             <a:r>
-              <a:rPr lang="de-AT" dirty="0"/>
-              <a:t>Pinbelegung:</a:t>
-            </a:r>
-          </a:p>
-          <a:p>
-            <a:pPr lvl="1"/>
-            <a:r>
-              <a:rPr lang="de-AT" dirty="0"/>
-              <a:t>5V 	</a:t>
-            </a:r>
-            <a:r>
-              <a:rPr lang="de-AT" dirty="0">
-                <a:sym typeface="Wingdings" panose="05000000000000000000" pitchFamily="2" charset="2"/>
-              </a:rPr>
-              <a:t> 5V		UART </a:t>
-            </a:r>
-            <a:r>
-              <a:rPr lang="de-AT" dirty="0" err="1">
-                <a:sym typeface="Wingdings" panose="05000000000000000000" pitchFamily="2" charset="2"/>
-              </a:rPr>
-              <a:t>Rx</a:t>
-            </a:r>
-            <a:r>
-              <a:rPr lang="de-AT" dirty="0">
-                <a:sym typeface="Wingdings" panose="05000000000000000000" pitchFamily="2" charset="2"/>
-              </a:rPr>
-              <a:t>  </a:t>
-            </a:r>
-            <a:r>
-              <a:rPr lang="de-AT" dirty="0" err="1">
-                <a:sym typeface="Wingdings" panose="05000000000000000000" pitchFamily="2" charset="2"/>
-              </a:rPr>
-              <a:t>Tx</a:t>
-            </a:r>
-            <a:r>
-              <a:rPr lang="de-AT" dirty="0">
-                <a:sym typeface="Wingdings" panose="05000000000000000000" pitchFamily="2" charset="2"/>
-              </a:rPr>
-              <a:t>-Pin</a:t>
-            </a:r>
-          </a:p>
-          <a:p>
-            <a:pPr lvl="1"/>
-            <a:r>
-              <a:rPr lang="de-AT" dirty="0">
-                <a:sym typeface="Wingdings" panose="05000000000000000000" pitchFamily="2" charset="2"/>
-              </a:rPr>
-              <a:t>GND 	 GND	UART </a:t>
-            </a:r>
-            <a:r>
-              <a:rPr lang="de-AT" dirty="0" err="1">
-                <a:sym typeface="Wingdings" panose="05000000000000000000" pitchFamily="2" charset="2"/>
-              </a:rPr>
-              <a:t>Tx</a:t>
-            </a:r>
-            <a:r>
-              <a:rPr lang="de-AT" dirty="0">
-                <a:sym typeface="Wingdings" panose="05000000000000000000" pitchFamily="2" charset="2"/>
-              </a:rPr>
-              <a:t>   </a:t>
-            </a:r>
-            <a:r>
-              <a:rPr lang="de-AT" dirty="0" err="1">
-                <a:sym typeface="Wingdings" panose="05000000000000000000" pitchFamily="2" charset="2"/>
-              </a:rPr>
-              <a:t>Rx</a:t>
-            </a:r>
-            <a:r>
-              <a:rPr lang="de-AT" dirty="0">
-                <a:sym typeface="Wingdings" panose="05000000000000000000" pitchFamily="2" charset="2"/>
-              </a:rPr>
-              <a:t>-Pin</a:t>
-            </a:r>
-          </a:p>
-          <a:p>
-            <a:pPr lvl="1"/>
-            <a:r>
-              <a:rPr lang="de-AT" dirty="0">
-                <a:sym typeface="Wingdings" panose="05000000000000000000" pitchFamily="2" charset="2"/>
-              </a:rPr>
-              <a:t>OUT	 offen</a:t>
-            </a:r>
-          </a:p>
-          <a:p>
-            <a:endParaRPr lang="de-AT" dirty="0"/>
+              <a:rPr lang="de-AT" sz="2400" dirty="0"/>
+              <a:t>Threshold über MQTT-Topics einstellbar</a:t>
+            </a:r>
+          </a:p>
+          <a:p>
+            <a:r>
+              <a:rPr lang="de-AT" sz="2400" dirty="0"/>
+              <a:t>In HA lesbar und schreibbar einbinden</a:t>
+            </a:r>
+            <a:endParaRPr lang="de-AT" sz="2200" dirty="0"/>
           </a:p>
         </p:txBody>
       </p:sp>
-      <p:pic>
-        <p:nvPicPr>
-          <p:cNvPr id="5" name="Grafik 4">
-            <a:extLst>
-              <a:ext uri="{FF2B5EF4-FFF2-40B4-BE49-F238E27FC236}">
-                <a16:creationId xmlns:a16="http://schemas.microsoft.com/office/drawing/2014/main" id="{64FD45FE-2276-1EF0-BC68-20BD198B8490}"/>
-              </a:ext>
-            </a:extLst>
-          </p:cNvPr>
-          <p:cNvPicPr>
-            <a:picLocks noChangeAspect="1"/>
-          </p:cNvPicPr>
-          <p:nvPr/>
-        </p:nvPicPr>
-        <p:blipFill>
-          <a:blip r:embed="rId2"/>
-          <a:stretch>
-            <a:fillRect/>
-          </a:stretch>
-        </p:blipFill>
-        <p:spPr>
-          <a:xfrm>
-            <a:off x="828675" y="2924944"/>
-            <a:ext cx="7486650" cy="3276600"/>
-          </a:xfrm>
-          <a:prstGeom prst="rect">
-            <a:avLst/>
-          </a:prstGeom>
-        </p:spPr>
-      </p:pic>
-    </p:spTree>
-    <p:extLst>
-      <p:ext uri="{BB962C8B-B14F-4D97-AF65-F5344CB8AC3E}">
-        <p14:creationId xmlns:p14="http://schemas.microsoft.com/office/powerpoint/2010/main" val="2970500059"/>
-      </p:ext>
-    </p:extLst>
-  </p:cSld>
-  <p:clrMapOvr>
-    <a:masterClrMapping/>
-  </p:clrMapOvr>
-</p:sld>
-</file>
-
-<file path=ppt/slides/slide7.xml><?xml version="1.0" encoding="utf-8"?>
-<p:sld xmlns:a="http://schemas.openxmlformats.org/drawingml/2006/main" xmlns:r="http://schemas.openxmlformats.org/officeDocument/2006/relationships" xmlns:p="http://schemas.openxmlformats.org/presentationml/2006/main">
-  <p:cSld>
-    <p:spTree>
-      <p:nvGrpSpPr>
-        <p:cNvPr id="1" name=""/>
-        <p:cNvGrpSpPr/>
-        <p:nvPr/>
-      </p:nvGrpSpPr>
-      <p:grpSpPr>
-        <a:xfrm>
-          <a:off x="0" y="0"/>
-          <a:ext cx="0" cy="0"/>
-          <a:chOff x="0" y="0"/>
-          <a:chExt cx="0" cy="0"/>
-        </a:xfrm>
-      </p:grpSpPr>
-      <p:sp>
-        <p:nvSpPr>
-          <p:cNvPr id="2" name="Titel 1">
-            <a:extLst>
-              <a:ext uri="{FF2B5EF4-FFF2-40B4-BE49-F238E27FC236}">
-                <a16:creationId xmlns:a16="http://schemas.microsoft.com/office/drawing/2014/main" id="{A0F9B6A2-CD38-967D-3BFF-CA09DA7C5473}"/>
-              </a:ext>
-            </a:extLst>
-          </p:cNvPr>
-          <p:cNvSpPr>
-            <a:spLocks noGrp="1"/>
-          </p:cNvSpPr>
-          <p:nvPr>
-            <p:ph type="title"/>
-          </p:nvPr>
-        </p:nvSpPr>
-        <p:spPr/>
-        <p:txBody>
-          <a:bodyPr/>
-          <a:lstStyle/>
-          <a:p>
-            <a:r>
-              <a:rPr lang="de-AT" dirty="0"/>
-              <a:t>Extrem konfigurierbar</a:t>
-            </a:r>
-          </a:p>
-        </p:txBody>
-      </p:sp>
-      <p:sp>
-        <p:nvSpPr>
-          <p:cNvPr id="3" name="Textplatzhalter 2">
-            <a:extLst>
-              <a:ext uri="{FF2B5EF4-FFF2-40B4-BE49-F238E27FC236}">
-                <a16:creationId xmlns:a16="http://schemas.microsoft.com/office/drawing/2014/main" id="{0923AA47-8993-3652-B140-42507A99762D}"/>
-              </a:ext>
-            </a:extLst>
-          </p:cNvPr>
-          <p:cNvSpPr>
-            <a:spLocks noGrp="1"/>
-          </p:cNvSpPr>
-          <p:nvPr>
-            <p:ph type="body" sz="quarter" idx="10"/>
-          </p:nvPr>
-        </p:nvSpPr>
-        <p:spPr/>
-        <p:txBody>
-          <a:bodyPr/>
-          <a:lstStyle/>
-          <a:p>
-            <a:endParaRPr lang="de-AT"/>
-          </a:p>
-        </p:txBody>
-      </p:sp>
-      <p:pic>
-        <p:nvPicPr>
-          <p:cNvPr id="5" name="Grafik 4">
-            <a:extLst>
-              <a:ext uri="{FF2B5EF4-FFF2-40B4-BE49-F238E27FC236}">
-                <a16:creationId xmlns:a16="http://schemas.microsoft.com/office/drawing/2014/main" id="{30C9B73C-1B59-9A67-E7E0-583DD7206CA4}"/>
-              </a:ext>
-            </a:extLst>
-          </p:cNvPr>
-          <p:cNvPicPr>
-            <a:picLocks noChangeAspect="1"/>
-          </p:cNvPicPr>
-          <p:nvPr/>
-        </p:nvPicPr>
-        <p:blipFill>
-          <a:blip r:embed="rId2"/>
-          <a:stretch>
-            <a:fillRect/>
-          </a:stretch>
-        </p:blipFill>
-        <p:spPr>
-          <a:xfrm>
-            <a:off x="341784" y="1004270"/>
-            <a:ext cx="8460432" cy="5137144"/>
-          </a:xfrm>
-          <a:prstGeom prst="rect">
-            <a:avLst/>
-          </a:prstGeom>
-        </p:spPr>
-      </p:pic>
-    </p:spTree>
-    <p:extLst>
-      <p:ext uri="{BB962C8B-B14F-4D97-AF65-F5344CB8AC3E}">
-        <p14:creationId xmlns:p14="http://schemas.microsoft.com/office/powerpoint/2010/main" val="1092509814"/>
-      </p:ext>
-    </p:extLst>
-  </p:cSld>
-  <p:clrMapOvr>
-    <a:masterClrMapping/>
-  </p:clrMapOvr>
-</p:sld>
-</file>
-
-<file path=ppt/slides/slide8.xml><?xml version="1.0" encoding="utf-8"?>
-<p:sld xmlns:a="http://schemas.openxmlformats.org/drawingml/2006/main" xmlns:r="http://schemas.openxmlformats.org/officeDocument/2006/relationships" xmlns:p="http://schemas.openxmlformats.org/presentationml/2006/main">
-  <p:cSld>
-    <p:spTree>
-      <p:nvGrpSpPr>
-        <p:cNvPr id="1" name=""/>
-        <p:cNvGrpSpPr/>
-        <p:nvPr/>
-      </p:nvGrpSpPr>
-      <p:grpSpPr>
-        <a:xfrm>
-          <a:off x="0" y="0"/>
-          <a:ext cx="0" cy="0"/>
-          <a:chOff x="0" y="0"/>
-          <a:chExt cx="0" cy="0"/>
-        </a:xfrm>
-      </p:grpSpPr>
-      <p:sp>
-        <p:nvSpPr>
-          <p:cNvPr id="2" name="Titel 1">
-            <a:extLst>
-              <a:ext uri="{FF2B5EF4-FFF2-40B4-BE49-F238E27FC236}">
-                <a16:creationId xmlns:a16="http://schemas.microsoft.com/office/drawing/2014/main" id="{81F72350-18C3-DBCD-F739-EF757B000867}"/>
-              </a:ext>
-            </a:extLst>
-          </p:cNvPr>
-          <p:cNvSpPr>
-            <a:spLocks noGrp="1"/>
-          </p:cNvSpPr>
-          <p:nvPr>
-            <p:ph type="title"/>
-          </p:nvPr>
-        </p:nvSpPr>
-        <p:spPr/>
-        <p:txBody>
-          <a:bodyPr/>
-          <a:lstStyle/>
-          <a:p>
-            <a:r>
-              <a:rPr lang="de-AT" dirty="0"/>
-              <a:t>LED-Modul</a:t>
-            </a:r>
-          </a:p>
-        </p:txBody>
-      </p:sp>
-      <p:sp>
-        <p:nvSpPr>
-          <p:cNvPr id="3" name="Textplatzhalter 2">
-            <a:extLst>
-              <a:ext uri="{FF2B5EF4-FFF2-40B4-BE49-F238E27FC236}">
-                <a16:creationId xmlns:a16="http://schemas.microsoft.com/office/drawing/2014/main" id="{A502C1C9-325F-EE9E-A499-B0F0B44529E6}"/>
-              </a:ext>
-            </a:extLst>
-          </p:cNvPr>
-          <p:cNvSpPr>
-            <a:spLocks noGrp="1"/>
-          </p:cNvSpPr>
-          <p:nvPr>
-            <p:ph type="body" sz="quarter" idx="10"/>
-          </p:nvPr>
-        </p:nvSpPr>
-        <p:spPr/>
-        <p:txBody>
-          <a:bodyPr/>
-          <a:lstStyle/>
-          <a:p>
-            <a:r>
-              <a:rPr lang="de-AT" sz="2400" dirty="0"/>
-              <a:t>- </a:t>
-            </a:r>
-            <a:r>
-              <a:rPr lang="de-AT" sz="2400" dirty="0">
-                <a:sym typeface="Wingdings" panose="05000000000000000000" pitchFamily="2" charset="2"/>
-              </a:rPr>
-              <a:t> GND, G  GPIO17, R  GPIO18, B  GPIO19</a:t>
-            </a:r>
-            <a:endParaRPr lang="de-AT" sz="2400" dirty="0"/>
-          </a:p>
-        </p:txBody>
-      </p:sp>
-      <p:pic>
-        <p:nvPicPr>
-          <p:cNvPr id="5" name="Grafik 4">
-            <a:extLst>
-              <a:ext uri="{FF2B5EF4-FFF2-40B4-BE49-F238E27FC236}">
-                <a16:creationId xmlns:a16="http://schemas.microsoft.com/office/drawing/2014/main" id="{CE73B5DA-3032-7C1A-9385-80E5F17E31A7}"/>
-              </a:ext>
-            </a:extLst>
-          </p:cNvPr>
-          <p:cNvPicPr>
-            <a:picLocks noChangeAspect="1"/>
-          </p:cNvPicPr>
-          <p:nvPr/>
-        </p:nvPicPr>
-        <p:blipFill>
-          <a:blip r:embed="rId2"/>
-          <a:stretch>
-            <a:fillRect/>
-          </a:stretch>
-        </p:blipFill>
-        <p:spPr>
-          <a:xfrm>
-            <a:off x="1907704" y="2348880"/>
-            <a:ext cx="5114925" cy="4171950"/>
-          </a:xfrm>
-          <a:prstGeom prst="rect">
-            <a:avLst/>
-          </a:prstGeom>
-        </p:spPr>
-      </p:pic>
-    </p:spTree>
-    <p:extLst>
-      <p:ext uri="{BB962C8B-B14F-4D97-AF65-F5344CB8AC3E}">
-        <p14:creationId xmlns:p14="http://schemas.microsoft.com/office/powerpoint/2010/main" val="1974185882"/>
-      </p:ext>
-    </p:extLst>
-  </p:cSld>
-  <p:clrMapOvr>
-    <a:masterClrMapping/>
-  </p:clrMapOvr>
-</p:sld>
-</file>
-
-<file path=ppt/slides/slide9.xml><?xml version="1.0" encoding="utf-8"?>
-<p:sld xmlns:a="http://schemas.openxmlformats.org/drawingml/2006/main" xmlns:r="http://schemas.openxmlformats.org/officeDocument/2006/relationships" xmlns:p="http://schemas.openxmlformats.org/presentationml/2006/main">
-  <p:cSld>
-    <p:spTree>
-      <p:nvGrpSpPr>
-        <p:cNvPr id="1" name=""/>
-        <p:cNvGrpSpPr/>
-        <p:nvPr/>
-      </p:nvGrpSpPr>
-      <p:grpSpPr>
-        <a:xfrm>
-          <a:off x="0" y="0"/>
-          <a:ext cx="0" cy="0"/>
-          <a:chOff x="0" y="0"/>
-          <a:chExt cx="0" cy="0"/>
-        </a:xfrm>
-      </p:grpSpPr>
-      <p:sp>
-        <p:nvSpPr>
-          <p:cNvPr id="2" name="Titel 1">
-            <a:extLst>
-              <a:ext uri="{FF2B5EF4-FFF2-40B4-BE49-F238E27FC236}">
-                <a16:creationId xmlns:a16="http://schemas.microsoft.com/office/drawing/2014/main" id="{6A6CCEDE-5C47-FEFF-8FF7-65CFAA958BE6}"/>
-              </a:ext>
-            </a:extLst>
-          </p:cNvPr>
-          <p:cNvSpPr>
-            <a:spLocks noGrp="1"/>
-          </p:cNvSpPr>
-          <p:nvPr>
-            <p:ph type="title"/>
-          </p:nvPr>
-        </p:nvSpPr>
-        <p:spPr/>
-        <p:txBody>
-          <a:bodyPr/>
-          <a:lstStyle/>
-          <a:p>
-            <a:r>
-              <a:rPr lang="de-AT" dirty="0"/>
-              <a:t>Zonenwächter</a:t>
-            </a:r>
-          </a:p>
-        </p:txBody>
-      </p:sp>
-      <p:sp>
-        <p:nvSpPr>
-          <p:cNvPr id="3" name="Textplatzhalter 2">
-            <a:extLst>
-              <a:ext uri="{FF2B5EF4-FFF2-40B4-BE49-F238E27FC236}">
-                <a16:creationId xmlns:a16="http://schemas.microsoft.com/office/drawing/2014/main" id="{A550B829-6E93-04FD-0C40-D2F7153D4B80}"/>
-              </a:ext>
-            </a:extLst>
-          </p:cNvPr>
-          <p:cNvSpPr>
-            <a:spLocks noGrp="1"/>
-          </p:cNvSpPr>
-          <p:nvPr>
-            <p:ph type="body" sz="quarter" idx="10"/>
-          </p:nvPr>
-        </p:nvSpPr>
-        <p:spPr/>
-        <p:txBody>
-          <a:bodyPr/>
-          <a:lstStyle/>
-          <a:p>
-            <a:r>
-              <a:rPr lang="de-AT" dirty="0"/>
-              <a:t>Wird eine Person erkannt, leuchtet die LED grün</a:t>
-            </a:r>
-          </a:p>
-          <a:p>
-            <a:r>
-              <a:rPr lang="de-AT" dirty="0"/>
-              <a:t>Befindet sich die Person im Bereich 50cm – 100cm Entfernung, leuchtet die LED rot</a:t>
-            </a:r>
-          </a:p>
-          <a:p>
-            <a:r>
-              <a:rPr lang="de-AT" dirty="0"/>
-              <a:t>Schaltung des ESP32 entsprechend der verwendeten Module </a:t>
-            </a:r>
-          </a:p>
-          <a:p>
-            <a:pPr lvl="1"/>
-            <a:r>
-              <a:rPr lang="de-AT" dirty="0"/>
-              <a:t>Vorsicht: 5V nur bei LD2410B</a:t>
-            </a:r>
-          </a:p>
-          <a:p>
-            <a:pPr lvl="1"/>
-            <a:r>
-              <a:rPr lang="de-AT" dirty="0"/>
-              <a:t>Bitte vom Nachbarn kontrollieren lassen</a:t>
-            </a:r>
-          </a:p>
-        </p:txBody>
-      </p:sp>
-      <p:sp>
-        <p:nvSpPr>
-          <p:cNvPr id="4" name="Textfeld 3">
-            <a:extLst>
-              <a:ext uri="{FF2B5EF4-FFF2-40B4-BE49-F238E27FC236}">
-                <a16:creationId xmlns:a16="http://schemas.microsoft.com/office/drawing/2014/main" id="{81DFC564-5526-BF27-982E-E213D9876D00}"/>
+      <p:sp>
+        <p:nvSpPr>
+          <p:cNvPr id="8" name="Textfeld 7">
+            <a:extLst>
+              <a:ext uri="{FF2B5EF4-FFF2-40B4-BE49-F238E27FC236}">
+                <a16:creationId xmlns:a16="http://schemas.microsoft.com/office/drawing/2014/main" id="{AA0AE261-E856-2D2F-466B-F1F9E135BD30}"/>
               </a:ext>
             </a:extLst>
           </p:cNvPr>
@@ -10161,10 +8729,1556 @@
           </a:p>
         </p:txBody>
       </p:sp>
+      <p:pic>
+        <p:nvPicPr>
+          <p:cNvPr id="4" name="Grafik 3">
+            <a:extLst>
+              <a:ext uri="{FF2B5EF4-FFF2-40B4-BE49-F238E27FC236}">
+                <a16:creationId xmlns:a16="http://schemas.microsoft.com/office/drawing/2014/main" id="{EF0598EC-52B2-B346-C753-0CDEDA0D0F7B}"/>
+              </a:ext>
+            </a:extLst>
+          </p:cNvPr>
+          <p:cNvPicPr>
+            <a:picLocks noChangeAspect="1"/>
+          </p:cNvPicPr>
+          <p:nvPr/>
+        </p:nvPicPr>
+        <p:blipFill>
+          <a:blip r:embed="rId2"/>
+          <a:stretch>
+            <a:fillRect/>
+          </a:stretch>
+        </p:blipFill>
+        <p:spPr>
+          <a:xfrm>
+            <a:off x="1043608" y="2564904"/>
+            <a:ext cx="6235896" cy="1088807"/>
+          </a:xfrm>
+          <a:prstGeom prst="rect">
+            <a:avLst/>
+          </a:prstGeom>
+        </p:spPr>
+      </p:pic>
     </p:spTree>
     <p:extLst>
       <p:ext uri="{BB962C8B-B14F-4D97-AF65-F5344CB8AC3E}">
-        <p14:creationId xmlns:p14="http://schemas.microsoft.com/office/powerpoint/2010/main" val="2790997329"/>
+        <p14:creationId xmlns:p14="http://schemas.microsoft.com/office/powerpoint/2010/main" val="2910926391"/>
+      </p:ext>
+    </p:extLst>
+  </p:cSld>
+  <p:clrMapOvr>
+    <a:masterClrMapping/>
+  </p:clrMapOvr>
+</p:sld>
+</file>
+
+<file path=ppt/slides/slide34.xml><?xml version="1.0" encoding="utf-8"?>
+<p:sld xmlns:a="http://schemas.openxmlformats.org/drawingml/2006/main" xmlns:r="http://schemas.openxmlformats.org/officeDocument/2006/relationships" xmlns:p="http://schemas.openxmlformats.org/presentationml/2006/main">
+  <p:cSld>
+    <p:spTree>
+      <p:nvGrpSpPr>
+        <p:cNvPr id="1" name=""/>
+        <p:cNvGrpSpPr/>
+        <p:nvPr/>
+      </p:nvGrpSpPr>
+      <p:grpSpPr>
+        <a:xfrm>
+          <a:off x="0" y="0"/>
+          <a:ext cx="0" cy="0"/>
+          <a:chOff x="0" y="0"/>
+          <a:chExt cx="0" cy="0"/>
+        </a:xfrm>
+      </p:grpSpPr>
+      <p:sp>
+        <p:nvSpPr>
+          <p:cNvPr id="2" name="Titel 1">
+            <a:extLst>
+              <a:ext uri="{FF2B5EF4-FFF2-40B4-BE49-F238E27FC236}">
+                <a16:creationId xmlns:a16="http://schemas.microsoft.com/office/drawing/2014/main" id="{A413DD18-3437-CADD-C8A3-7CDA936CBD91}"/>
+              </a:ext>
+            </a:extLst>
+          </p:cNvPr>
+          <p:cNvSpPr>
+            <a:spLocks noGrp="1"/>
+          </p:cNvSpPr>
+          <p:nvPr>
+            <p:ph type="title"/>
+          </p:nvPr>
+        </p:nvSpPr>
+        <p:spPr/>
+        <p:txBody>
+          <a:bodyPr/>
+          <a:lstStyle/>
+          <a:p>
+            <a:r>
+              <a:rPr lang="de-AT" dirty="0"/>
+              <a:t>Threshold über MQTT setzen</a:t>
+            </a:r>
+          </a:p>
+        </p:txBody>
+      </p:sp>
+      <p:sp>
+        <p:nvSpPr>
+          <p:cNvPr id="3" name="Textplatzhalter 2">
+            <a:extLst>
+              <a:ext uri="{FF2B5EF4-FFF2-40B4-BE49-F238E27FC236}">
+                <a16:creationId xmlns:a16="http://schemas.microsoft.com/office/drawing/2014/main" id="{CF17C455-BD3D-825A-7642-31409A31A2D2}"/>
+              </a:ext>
+            </a:extLst>
+          </p:cNvPr>
+          <p:cNvSpPr>
+            <a:spLocks noGrp="1"/>
+          </p:cNvSpPr>
+          <p:nvPr>
+            <p:ph type="body" sz="quarter" idx="10"/>
+          </p:nvPr>
+        </p:nvSpPr>
+        <p:spPr/>
+        <p:txBody>
+          <a:bodyPr/>
+          <a:lstStyle/>
+          <a:p>
+            <a:endParaRPr lang="de-AT"/>
+          </a:p>
+        </p:txBody>
+      </p:sp>
+      <p:pic>
+        <p:nvPicPr>
+          <p:cNvPr id="5" name="Grafik 4">
+            <a:extLst>
+              <a:ext uri="{FF2B5EF4-FFF2-40B4-BE49-F238E27FC236}">
+                <a16:creationId xmlns:a16="http://schemas.microsoft.com/office/drawing/2014/main" id="{2E102713-43EA-0A89-0906-4C8144F1012C}"/>
+              </a:ext>
+            </a:extLst>
+          </p:cNvPr>
+          <p:cNvPicPr>
+            <a:picLocks noChangeAspect="1"/>
+          </p:cNvPicPr>
+          <p:nvPr/>
+        </p:nvPicPr>
+        <p:blipFill>
+          <a:blip r:embed="rId2"/>
+          <a:stretch>
+            <a:fillRect/>
+          </a:stretch>
+        </p:blipFill>
+        <p:spPr>
+          <a:xfrm>
+            <a:off x="251520" y="3578434"/>
+            <a:ext cx="8640960" cy="3137567"/>
+          </a:xfrm>
+          <a:prstGeom prst="rect">
+            <a:avLst/>
+          </a:prstGeom>
+        </p:spPr>
+      </p:pic>
+      <p:pic>
+        <p:nvPicPr>
+          <p:cNvPr id="7" name="Grafik 6">
+            <a:extLst>
+              <a:ext uri="{FF2B5EF4-FFF2-40B4-BE49-F238E27FC236}">
+                <a16:creationId xmlns:a16="http://schemas.microsoft.com/office/drawing/2014/main" id="{8787E13A-8B26-6783-DBE4-FC286D735251}"/>
+              </a:ext>
+            </a:extLst>
+          </p:cNvPr>
+          <p:cNvPicPr>
+            <a:picLocks noChangeAspect="1"/>
+          </p:cNvPicPr>
+          <p:nvPr/>
+        </p:nvPicPr>
+        <p:blipFill>
+          <a:blip r:embed="rId3"/>
+          <a:stretch>
+            <a:fillRect/>
+          </a:stretch>
+        </p:blipFill>
+        <p:spPr>
+          <a:xfrm>
+            <a:off x="2339752" y="981075"/>
+            <a:ext cx="3096344" cy="2393933"/>
+          </a:xfrm>
+          <a:prstGeom prst="rect">
+            <a:avLst/>
+          </a:prstGeom>
+        </p:spPr>
+      </p:pic>
+    </p:spTree>
+    <p:extLst>
+      <p:ext uri="{BB962C8B-B14F-4D97-AF65-F5344CB8AC3E}">
+        <p14:creationId xmlns:p14="http://schemas.microsoft.com/office/powerpoint/2010/main" val="2002135137"/>
+      </p:ext>
+    </p:extLst>
+  </p:cSld>
+  <p:clrMapOvr>
+    <a:masterClrMapping/>
+  </p:clrMapOvr>
+</p:sld>
+</file>
+
+<file path=ppt/slides/slide35.xml><?xml version="1.0" encoding="utf-8"?>
+<p:sld xmlns:a="http://schemas.openxmlformats.org/drawingml/2006/main" xmlns:r="http://schemas.openxmlformats.org/officeDocument/2006/relationships" xmlns:p="http://schemas.openxmlformats.org/presentationml/2006/main">
+  <p:cSld>
+    <p:spTree>
+      <p:nvGrpSpPr>
+        <p:cNvPr id="1" name=""/>
+        <p:cNvGrpSpPr/>
+        <p:nvPr/>
+      </p:nvGrpSpPr>
+      <p:grpSpPr>
+        <a:xfrm>
+          <a:off x="0" y="0"/>
+          <a:ext cx="0" cy="0"/>
+          <a:chOff x="0" y="0"/>
+          <a:chExt cx="0" cy="0"/>
+        </a:xfrm>
+      </p:grpSpPr>
+      <p:sp>
+        <p:nvSpPr>
+          <p:cNvPr id="2" name="Titel 1">
+            <a:extLst>
+              <a:ext uri="{FF2B5EF4-FFF2-40B4-BE49-F238E27FC236}">
+                <a16:creationId xmlns:a16="http://schemas.microsoft.com/office/drawing/2014/main" id="{DAE8AC38-54C3-EB32-A7D6-A80DB80324E3}"/>
+              </a:ext>
+            </a:extLst>
+          </p:cNvPr>
+          <p:cNvSpPr>
+            <a:spLocks noGrp="1"/>
+          </p:cNvSpPr>
+          <p:nvPr>
+            <p:ph type="title"/>
+          </p:nvPr>
+        </p:nvSpPr>
+        <p:spPr/>
+        <p:txBody>
+          <a:bodyPr/>
+          <a:lstStyle/>
+          <a:p>
+            <a:r>
+              <a:rPr lang="de-AT" dirty="0"/>
+              <a:t>Threshold über </a:t>
+            </a:r>
+            <a:r>
+              <a:rPr lang="de-AT" dirty="0" err="1"/>
+              <a:t>Mqtt</a:t>
+            </a:r>
+            <a:r>
+              <a:rPr lang="de-AT" dirty="0"/>
+              <a:t> setzen</a:t>
+            </a:r>
+          </a:p>
+        </p:txBody>
+      </p:sp>
+      <p:sp>
+        <p:nvSpPr>
+          <p:cNvPr id="3" name="Textplatzhalter 2">
+            <a:extLst>
+              <a:ext uri="{FF2B5EF4-FFF2-40B4-BE49-F238E27FC236}">
+                <a16:creationId xmlns:a16="http://schemas.microsoft.com/office/drawing/2014/main" id="{372FFA29-0777-EFC0-27A1-F86A5FB3CC2D}"/>
+              </a:ext>
+            </a:extLst>
+          </p:cNvPr>
+          <p:cNvSpPr>
+            <a:spLocks noGrp="1"/>
+          </p:cNvSpPr>
+          <p:nvPr>
+            <p:ph type="body" sz="quarter" idx="10"/>
+          </p:nvPr>
+        </p:nvSpPr>
+        <p:spPr/>
+        <p:txBody>
+          <a:bodyPr/>
+          <a:lstStyle/>
+          <a:p>
+            <a:endParaRPr lang="de-AT"/>
+          </a:p>
+        </p:txBody>
+      </p:sp>
+      <p:pic>
+        <p:nvPicPr>
+          <p:cNvPr id="5" name="Grafik 4">
+            <a:extLst>
+              <a:ext uri="{FF2B5EF4-FFF2-40B4-BE49-F238E27FC236}">
+                <a16:creationId xmlns:a16="http://schemas.microsoft.com/office/drawing/2014/main" id="{C508FFDA-FAD7-564E-6676-0707C107429F}"/>
+              </a:ext>
+            </a:extLst>
+          </p:cNvPr>
+          <p:cNvPicPr>
+            <a:picLocks noChangeAspect="1"/>
+          </p:cNvPicPr>
+          <p:nvPr/>
+        </p:nvPicPr>
+        <p:blipFill>
+          <a:blip r:embed="rId2"/>
+          <a:stretch>
+            <a:fillRect/>
+          </a:stretch>
+        </p:blipFill>
+        <p:spPr>
+          <a:xfrm>
+            <a:off x="228600" y="1208866"/>
+            <a:ext cx="8686800" cy="4660374"/>
+          </a:xfrm>
+          <a:prstGeom prst="rect">
+            <a:avLst/>
+          </a:prstGeom>
+        </p:spPr>
+      </p:pic>
+    </p:spTree>
+    <p:extLst>
+      <p:ext uri="{BB962C8B-B14F-4D97-AF65-F5344CB8AC3E}">
+        <p14:creationId xmlns:p14="http://schemas.microsoft.com/office/powerpoint/2010/main" val="338733394"/>
+      </p:ext>
+    </p:extLst>
+  </p:cSld>
+  <p:clrMapOvr>
+    <a:masterClrMapping/>
+  </p:clrMapOvr>
+</p:sld>
+</file>
+
+<file path=ppt/slides/slide36.xml><?xml version="1.0" encoding="utf-8"?>
+<p:sld xmlns:a="http://schemas.openxmlformats.org/drawingml/2006/main" xmlns:r="http://schemas.openxmlformats.org/officeDocument/2006/relationships" xmlns:p="http://schemas.openxmlformats.org/presentationml/2006/main">
+  <p:cSld>
+    <p:spTree>
+      <p:nvGrpSpPr>
+        <p:cNvPr id="1" name=""/>
+        <p:cNvGrpSpPr/>
+        <p:nvPr/>
+      </p:nvGrpSpPr>
+      <p:grpSpPr>
+        <a:xfrm>
+          <a:off x="0" y="0"/>
+          <a:ext cx="0" cy="0"/>
+          <a:chOff x="0" y="0"/>
+          <a:chExt cx="0" cy="0"/>
+        </a:xfrm>
+      </p:grpSpPr>
+      <p:sp>
+        <p:nvSpPr>
+          <p:cNvPr id="2" name="Titel 1">
+            <a:extLst>
+              <a:ext uri="{FF2B5EF4-FFF2-40B4-BE49-F238E27FC236}">
+                <a16:creationId xmlns:a16="http://schemas.microsoft.com/office/drawing/2014/main" id="{590DBE3E-F93D-A657-C573-14F178A3BEBB}"/>
+              </a:ext>
+            </a:extLst>
+          </p:cNvPr>
+          <p:cNvSpPr>
+            <a:spLocks noGrp="1"/>
+          </p:cNvSpPr>
+          <p:nvPr>
+            <p:ph type="title"/>
+          </p:nvPr>
+        </p:nvSpPr>
+        <p:spPr/>
+        <p:txBody>
+          <a:bodyPr/>
+          <a:lstStyle/>
+          <a:p>
+            <a:r>
+              <a:rPr lang="de-AT" dirty="0"/>
+              <a:t>Über Web kontrollieren …</a:t>
+            </a:r>
+          </a:p>
+        </p:txBody>
+      </p:sp>
+      <p:sp>
+        <p:nvSpPr>
+          <p:cNvPr id="3" name="Textplatzhalter 2">
+            <a:extLst>
+              <a:ext uri="{FF2B5EF4-FFF2-40B4-BE49-F238E27FC236}">
+                <a16:creationId xmlns:a16="http://schemas.microsoft.com/office/drawing/2014/main" id="{1355BF82-3551-BDFF-4469-41656B22EDB1}"/>
+              </a:ext>
+            </a:extLst>
+          </p:cNvPr>
+          <p:cNvSpPr>
+            <a:spLocks noGrp="1"/>
+          </p:cNvSpPr>
+          <p:nvPr>
+            <p:ph type="body" sz="quarter" idx="10"/>
+          </p:nvPr>
+        </p:nvSpPr>
+        <p:spPr/>
+        <p:txBody>
+          <a:bodyPr/>
+          <a:lstStyle/>
+          <a:p>
+            <a:endParaRPr lang="de-AT"/>
+          </a:p>
+        </p:txBody>
+      </p:sp>
+      <p:pic>
+        <p:nvPicPr>
+          <p:cNvPr id="5" name="Grafik 4">
+            <a:extLst>
+              <a:ext uri="{FF2B5EF4-FFF2-40B4-BE49-F238E27FC236}">
+                <a16:creationId xmlns:a16="http://schemas.microsoft.com/office/drawing/2014/main" id="{227DB2FA-F051-A6F8-793A-E2562DFD2BF1}"/>
+              </a:ext>
+            </a:extLst>
+          </p:cNvPr>
+          <p:cNvPicPr>
+            <a:picLocks noChangeAspect="1"/>
+          </p:cNvPicPr>
+          <p:nvPr/>
+        </p:nvPicPr>
+        <p:blipFill>
+          <a:blip r:embed="rId2"/>
+          <a:stretch>
+            <a:fillRect/>
+          </a:stretch>
+        </p:blipFill>
+        <p:spPr>
+          <a:xfrm>
+            <a:off x="457200" y="981075"/>
+            <a:ext cx="8207374" cy="5372334"/>
+          </a:xfrm>
+          <a:prstGeom prst="rect">
+            <a:avLst/>
+          </a:prstGeom>
+        </p:spPr>
+      </p:pic>
+    </p:spTree>
+    <p:extLst>
+      <p:ext uri="{BB962C8B-B14F-4D97-AF65-F5344CB8AC3E}">
+        <p14:creationId xmlns:p14="http://schemas.microsoft.com/office/powerpoint/2010/main" val="4123050835"/>
+      </p:ext>
+    </p:extLst>
+  </p:cSld>
+  <p:clrMapOvr>
+    <a:masterClrMapping/>
+  </p:clrMapOvr>
+</p:sld>
+</file>
+
+<file path=ppt/slides/slide37.xml><?xml version="1.0" encoding="utf-8"?>
+<p:sld xmlns:a="http://schemas.openxmlformats.org/drawingml/2006/main" xmlns:r="http://schemas.openxmlformats.org/officeDocument/2006/relationships" xmlns:p="http://schemas.openxmlformats.org/presentationml/2006/main">
+  <p:cSld>
+    <p:spTree>
+      <p:nvGrpSpPr>
+        <p:cNvPr id="1" name=""/>
+        <p:cNvGrpSpPr/>
+        <p:nvPr/>
+      </p:nvGrpSpPr>
+      <p:grpSpPr>
+        <a:xfrm>
+          <a:off x="0" y="0"/>
+          <a:ext cx="0" cy="0"/>
+          <a:chOff x="0" y="0"/>
+          <a:chExt cx="0" cy="0"/>
+        </a:xfrm>
+      </p:grpSpPr>
+      <p:sp>
+        <p:nvSpPr>
+          <p:cNvPr id="2" name="Titel 1">
+            <a:extLst>
+              <a:ext uri="{FF2B5EF4-FFF2-40B4-BE49-F238E27FC236}">
+                <a16:creationId xmlns:a16="http://schemas.microsoft.com/office/drawing/2014/main" id="{8E6902BB-502E-600B-FD90-CA7630C0B044}"/>
+              </a:ext>
+            </a:extLst>
+          </p:cNvPr>
+          <p:cNvSpPr>
+            <a:spLocks noGrp="1"/>
+          </p:cNvSpPr>
+          <p:nvPr>
+            <p:ph type="title"/>
+          </p:nvPr>
+        </p:nvSpPr>
+        <p:spPr/>
+        <p:txBody>
+          <a:bodyPr/>
+          <a:lstStyle/>
+          <a:p>
+            <a:r>
+              <a:rPr lang="de-AT" dirty="0"/>
+              <a:t>… und auch über </a:t>
+            </a:r>
+            <a:r>
+              <a:rPr lang="de-AT" dirty="0" err="1"/>
+              <a:t>ESPHome</a:t>
+            </a:r>
+            <a:r>
+              <a:rPr lang="de-AT" dirty="0"/>
+              <a:t> Log</a:t>
+            </a:r>
+          </a:p>
+        </p:txBody>
+      </p:sp>
+      <p:sp>
+        <p:nvSpPr>
+          <p:cNvPr id="3" name="Textplatzhalter 2">
+            <a:extLst>
+              <a:ext uri="{FF2B5EF4-FFF2-40B4-BE49-F238E27FC236}">
+                <a16:creationId xmlns:a16="http://schemas.microsoft.com/office/drawing/2014/main" id="{A2D695EE-83E4-2541-ED10-0B14B5FC3601}"/>
+              </a:ext>
+            </a:extLst>
+          </p:cNvPr>
+          <p:cNvSpPr>
+            <a:spLocks noGrp="1"/>
+          </p:cNvSpPr>
+          <p:nvPr>
+            <p:ph type="body" sz="quarter" idx="10"/>
+          </p:nvPr>
+        </p:nvSpPr>
+        <p:spPr/>
+        <p:txBody>
+          <a:bodyPr/>
+          <a:lstStyle/>
+          <a:p>
+            <a:endParaRPr lang="de-AT"/>
+          </a:p>
+        </p:txBody>
+      </p:sp>
+      <p:pic>
+        <p:nvPicPr>
+          <p:cNvPr id="5" name="Grafik 4">
+            <a:extLst>
+              <a:ext uri="{FF2B5EF4-FFF2-40B4-BE49-F238E27FC236}">
+                <a16:creationId xmlns:a16="http://schemas.microsoft.com/office/drawing/2014/main" id="{8B7C9CCE-2BA1-7FDB-EE4C-099EE4CBF55D}"/>
+              </a:ext>
+            </a:extLst>
+          </p:cNvPr>
+          <p:cNvPicPr>
+            <a:picLocks noChangeAspect="1"/>
+          </p:cNvPicPr>
+          <p:nvPr/>
+        </p:nvPicPr>
+        <p:blipFill>
+          <a:blip r:embed="rId2"/>
+          <a:stretch>
+            <a:fillRect/>
+          </a:stretch>
+        </p:blipFill>
+        <p:spPr>
+          <a:xfrm>
+            <a:off x="323527" y="1293626"/>
+            <a:ext cx="8299979" cy="1343286"/>
+          </a:xfrm>
+          <a:prstGeom prst="rect">
+            <a:avLst/>
+          </a:prstGeom>
+        </p:spPr>
+      </p:pic>
+    </p:spTree>
+    <p:extLst>
+      <p:ext uri="{BB962C8B-B14F-4D97-AF65-F5344CB8AC3E}">
+        <p14:creationId xmlns:p14="http://schemas.microsoft.com/office/powerpoint/2010/main" val="144604091"/>
+      </p:ext>
+    </p:extLst>
+  </p:cSld>
+  <p:clrMapOvr>
+    <a:masterClrMapping/>
+  </p:clrMapOvr>
+</p:sld>
+</file>
+
+<file path=ppt/slides/slide38.xml><?xml version="1.0" encoding="utf-8"?>
+<p:sld xmlns:a="http://schemas.openxmlformats.org/drawingml/2006/main" xmlns:r="http://schemas.openxmlformats.org/officeDocument/2006/relationships" xmlns:p="http://schemas.openxmlformats.org/presentationml/2006/main">
+  <p:cSld>
+    <p:spTree>
+      <p:nvGrpSpPr>
+        <p:cNvPr id="1" name=""/>
+        <p:cNvGrpSpPr/>
+        <p:nvPr/>
+      </p:nvGrpSpPr>
+      <p:grpSpPr>
+        <a:xfrm>
+          <a:off x="0" y="0"/>
+          <a:ext cx="0" cy="0"/>
+          <a:chOff x="0" y="0"/>
+          <a:chExt cx="0" cy="0"/>
+        </a:xfrm>
+      </p:grpSpPr>
+      <p:sp>
+        <p:nvSpPr>
+          <p:cNvPr id="2" name="Titel 1">
+            <a:extLst>
+              <a:ext uri="{FF2B5EF4-FFF2-40B4-BE49-F238E27FC236}">
+                <a16:creationId xmlns:a16="http://schemas.microsoft.com/office/drawing/2014/main" id="{E1729221-B964-19B4-AC0C-B6F7CF6B8E35}"/>
+              </a:ext>
+            </a:extLst>
+          </p:cNvPr>
+          <p:cNvSpPr>
+            <a:spLocks noGrp="1"/>
+          </p:cNvSpPr>
+          <p:nvPr>
+            <p:ph type="title"/>
+          </p:nvPr>
+        </p:nvSpPr>
+        <p:spPr/>
+        <p:txBody>
+          <a:bodyPr/>
+          <a:lstStyle/>
+          <a:p>
+            <a:r>
+              <a:rPr lang="de-AT" dirty="0"/>
+              <a:t>Über HA lesbar und schreibbar</a:t>
+            </a:r>
+          </a:p>
+        </p:txBody>
+      </p:sp>
+      <p:sp>
+        <p:nvSpPr>
+          <p:cNvPr id="3" name="Textplatzhalter 2">
+            <a:extLst>
+              <a:ext uri="{FF2B5EF4-FFF2-40B4-BE49-F238E27FC236}">
+                <a16:creationId xmlns:a16="http://schemas.microsoft.com/office/drawing/2014/main" id="{219C607F-E1D0-7409-6BF8-7D9B2A6D50F2}"/>
+              </a:ext>
+            </a:extLst>
+          </p:cNvPr>
+          <p:cNvSpPr>
+            <a:spLocks noGrp="1"/>
+          </p:cNvSpPr>
+          <p:nvPr>
+            <p:ph type="body" sz="quarter" idx="10"/>
+          </p:nvPr>
+        </p:nvSpPr>
+        <p:spPr/>
+        <p:txBody>
+          <a:bodyPr/>
+          <a:lstStyle/>
+          <a:p>
+            <a:endParaRPr lang="de-AT"/>
+          </a:p>
+        </p:txBody>
+      </p:sp>
+      <p:pic>
+        <p:nvPicPr>
+          <p:cNvPr id="5" name="Grafik 4">
+            <a:extLst>
+              <a:ext uri="{FF2B5EF4-FFF2-40B4-BE49-F238E27FC236}">
+                <a16:creationId xmlns:a16="http://schemas.microsoft.com/office/drawing/2014/main" id="{D545EB4D-5495-5BE7-E03F-A17EA2DD1E53}"/>
+              </a:ext>
+            </a:extLst>
+          </p:cNvPr>
+          <p:cNvPicPr>
+            <a:picLocks noChangeAspect="1"/>
+          </p:cNvPicPr>
+          <p:nvPr/>
+        </p:nvPicPr>
+        <p:blipFill>
+          <a:blip r:embed="rId3"/>
+          <a:stretch>
+            <a:fillRect/>
+          </a:stretch>
+        </p:blipFill>
+        <p:spPr>
+          <a:xfrm>
+            <a:off x="1000401" y="1196752"/>
+            <a:ext cx="6235896" cy="1088807"/>
+          </a:xfrm>
+          <a:prstGeom prst="rect">
+            <a:avLst/>
+          </a:prstGeom>
+        </p:spPr>
+      </p:pic>
+      <p:pic>
+        <p:nvPicPr>
+          <p:cNvPr id="7" name="Grafik 6">
+            <a:extLst>
+              <a:ext uri="{FF2B5EF4-FFF2-40B4-BE49-F238E27FC236}">
+                <a16:creationId xmlns:a16="http://schemas.microsoft.com/office/drawing/2014/main" id="{3BBCDC29-7114-C66A-35DB-707F9B9932EB}"/>
+              </a:ext>
+            </a:extLst>
+          </p:cNvPr>
+          <p:cNvPicPr>
+            <a:picLocks noChangeAspect="1"/>
+          </p:cNvPicPr>
+          <p:nvPr/>
+        </p:nvPicPr>
+        <p:blipFill>
+          <a:blip r:embed="rId4"/>
+          <a:stretch>
+            <a:fillRect/>
+          </a:stretch>
+        </p:blipFill>
+        <p:spPr>
+          <a:xfrm>
+            <a:off x="366735" y="2381672"/>
+            <a:ext cx="8026958" cy="3783632"/>
+          </a:xfrm>
+          <a:prstGeom prst="rect">
+            <a:avLst/>
+          </a:prstGeom>
+        </p:spPr>
+      </p:pic>
+    </p:spTree>
+    <p:extLst>
+      <p:ext uri="{BB962C8B-B14F-4D97-AF65-F5344CB8AC3E}">
+        <p14:creationId xmlns:p14="http://schemas.microsoft.com/office/powerpoint/2010/main" val="3906205021"/>
+      </p:ext>
+    </p:extLst>
+  </p:cSld>
+  <p:clrMapOvr>
+    <a:masterClrMapping/>
+  </p:clrMapOvr>
+</p:sld>
+</file>
+
+<file path=ppt/slides/slide4.xml><?xml version="1.0" encoding="utf-8"?>
+<p:sld xmlns:a="http://schemas.openxmlformats.org/drawingml/2006/main" xmlns:r="http://schemas.openxmlformats.org/officeDocument/2006/relationships" xmlns:p="http://schemas.openxmlformats.org/presentationml/2006/main">
+  <p:cSld>
+    <p:spTree>
+      <p:nvGrpSpPr>
+        <p:cNvPr id="1" name=""/>
+        <p:cNvGrpSpPr/>
+        <p:nvPr/>
+      </p:nvGrpSpPr>
+      <p:grpSpPr>
+        <a:xfrm>
+          <a:off x="0" y="0"/>
+          <a:ext cx="0" cy="0"/>
+          <a:chOff x="0" y="0"/>
+          <a:chExt cx="0" cy="0"/>
+        </a:xfrm>
+      </p:grpSpPr>
+      <p:sp>
+        <p:nvSpPr>
+          <p:cNvPr id="2" name="Titel 1">
+            <a:extLst>
+              <a:ext uri="{FF2B5EF4-FFF2-40B4-BE49-F238E27FC236}">
+                <a16:creationId xmlns:a16="http://schemas.microsoft.com/office/drawing/2014/main" id="{6C711CC9-CACF-1FE9-2441-2A1B7BB96AD1}"/>
+              </a:ext>
+            </a:extLst>
+          </p:cNvPr>
+          <p:cNvSpPr>
+            <a:spLocks noGrp="1"/>
+          </p:cNvSpPr>
+          <p:nvPr>
+            <p:ph type="title"/>
+          </p:nvPr>
+        </p:nvSpPr>
+        <p:spPr/>
+        <p:txBody>
+          <a:bodyPr/>
+          <a:lstStyle/>
+          <a:p>
+            <a:r>
+              <a:rPr lang="de-AT" dirty="0"/>
+              <a:t>Verwendete Hardware – ESP32</a:t>
+            </a:r>
+          </a:p>
+        </p:txBody>
+      </p:sp>
+      <p:sp>
+        <p:nvSpPr>
+          <p:cNvPr id="3" name="Textplatzhalter 2">
+            <a:extLst>
+              <a:ext uri="{FF2B5EF4-FFF2-40B4-BE49-F238E27FC236}">
+                <a16:creationId xmlns:a16="http://schemas.microsoft.com/office/drawing/2014/main" id="{878383DE-2EB8-C99D-B95F-A8B24B64FEDE}"/>
+              </a:ext>
+            </a:extLst>
+          </p:cNvPr>
+          <p:cNvSpPr>
+            <a:spLocks noGrp="1"/>
+          </p:cNvSpPr>
+          <p:nvPr>
+            <p:ph type="body" sz="quarter" idx="10"/>
+          </p:nvPr>
+        </p:nvSpPr>
+        <p:spPr/>
+        <p:txBody>
+          <a:bodyPr/>
+          <a:lstStyle/>
+          <a:p>
+            <a:endParaRPr lang="de-AT"/>
+          </a:p>
+        </p:txBody>
+      </p:sp>
+      <p:pic>
+        <p:nvPicPr>
+          <p:cNvPr id="5" name="Grafik 4">
+            <a:extLst>
+              <a:ext uri="{FF2B5EF4-FFF2-40B4-BE49-F238E27FC236}">
+                <a16:creationId xmlns:a16="http://schemas.microsoft.com/office/drawing/2014/main" id="{A84CE14C-7292-700F-6BB8-C79102E97710}"/>
+              </a:ext>
+            </a:extLst>
+          </p:cNvPr>
+          <p:cNvPicPr>
+            <a:picLocks noChangeAspect="1"/>
+          </p:cNvPicPr>
+          <p:nvPr/>
+        </p:nvPicPr>
+        <p:blipFill>
+          <a:blip r:embed="rId2"/>
+          <a:stretch>
+            <a:fillRect/>
+          </a:stretch>
+        </p:blipFill>
+        <p:spPr>
+          <a:xfrm>
+            <a:off x="467544" y="914282"/>
+            <a:ext cx="8229600" cy="5899094"/>
+          </a:xfrm>
+          <a:prstGeom prst="rect">
+            <a:avLst/>
+          </a:prstGeom>
+        </p:spPr>
+      </p:pic>
+    </p:spTree>
+    <p:extLst>
+      <p:ext uri="{BB962C8B-B14F-4D97-AF65-F5344CB8AC3E}">
+        <p14:creationId xmlns:p14="http://schemas.microsoft.com/office/powerpoint/2010/main" val="1621838096"/>
+      </p:ext>
+    </p:extLst>
+  </p:cSld>
+  <p:clrMapOvr>
+    <a:masterClrMapping/>
+  </p:clrMapOvr>
+</p:sld>
+</file>
+
+<file path=ppt/slides/slide5.xml><?xml version="1.0" encoding="utf-8"?>
+<p:sld xmlns:a="http://schemas.openxmlformats.org/drawingml/2006/main" xmlns:r="http://schemas.openxmlformats.org/officeDocument/2006/relationships" xmlns:p="http://schemas.openxmlformats.org/presentationml/2006/main">
+  <p:cSld>
+    <p:spTree>
+      <p:nvGrpSpPr>
+        <p:cNvPr id="1" name=""/>
+        <p:cNvGrpSpPr/>
+        <p:nvPr/>
+      </p:nvGrpSpPr>
+      <p:grpSpPr>
+        <a:xfrm>
+          <a:off x="0" y="0"/>
+          <a:ext cx="0" cy="0"/>
+          <a:chOff x="0" y="0"/>
+          <a:chExt cx="0" cy="0"/>
+        </a:xfrm>
+      </p:grpSpPr>
+      <p:sp>
+        <p:nvSpPr>
+          <p:cNvPr id="2" name="Titel 1">
+            <a:extLst>
+              <a:ext uri="{FF2B5EF4-FFF2-40B4-BE49-F238E27FC236}">
+                <a16:creationId xmlns:a16="http://schemas.microsoft.com/office/drawing/2014/main" id="{990124CA-2B25-CCC3-B761-1B938066102A}"/>
+              </a:ext>
+            </a:extLst>
+          </p:cNvPr>
+          <p:cNvSpPr>
+            <a:spLocks noGrp="1"/>
+          </p:cNvSpPr>
+          <p:nvPr>
+            <p:ph type="title"/>
+          </p:nvPr>
+        </p:nvSpPr>
+        <p:spPr/>
+        <p:txBody>
+          <a:bodyPr/>
+          <a:lstStyle/>
+          <a:p>
+            <a:r>
+              <a:rPr lang="de-AT" dirty="0"/>
+              <a:t>Radar-Bewegungsmelder LD2420</a:t>
+            </a:r>
+          </a:p>
+        </p:txBody>
+      </p:sp>
+      <p:sp>
+        <p:nvSpPr>
+          <p:cNvPr id="3" name="Textplatzhalter 2">
+            <a:extLst>
+              <a:ext uri="{FF2B5EF4-FFF2-40B4-BE49-F238E27FC236}">
+                <a16:creationId xmlns:a16="http://schemas.microsoft.com/office/drawing/2014/main" id="{EDEFF01D-0C90-4F14-82A7-067D268E1838}"/>
+              </a:ext>
+            </a:extLst>
+          </p:cNvPr>
+          <p:cNvSpPr>
+            <a:spLocks noGrp="1"/>
+          </p:cNvSpPr>
+          <p:nvPr>
+            <p:ph type="body" sz="quarter" idx="10"/>
+          </p:nvPr>
+        </p:nvSpPr>
+        <p:spPr/>
+        <p:txBody>
+          <a:bodyPr/>
+          <a:lstStyle/>
+          <a:p>
+            <a:r>
+              <a:rPr lang="de-AT" dirty="0"/>
+              <a:t>Pinbelegung:</a:t>
+            </a:r>
+          </a:p>
+          <a:p>
+            <a:pPr lvl="1"/>
+            <a:r>
+              <a:rPr lang="de-AT" dirty="0"/>
+              <a:t>3,3V 	</a:t>
+            </a:r>
+            <a:r>
+              <a:rPr lang="de-AT" dirty="0">
+                <a:sym typeface="Wingdings" panose="05000000000000000000" pitchFamily="2" charset="2"/>
+              </a:rPr>
+              <a:t> 3V3</a:t>
+            </a:r>
+          </a:p>
+          <a:p>
+            <a:pPr lvl="1"/>
+            <a:r>
+              <a:rPr lang="de-AT" dirty="0">
+                <a:sym typeface="Wingdings" panose="05000000000000000000" pitchFamily="2" charset="2"/>
+              </a:rPr>
+              <a:t>GND 	 GND</a:t>
+            </a:r>
+          </a:p>
+          <a:p>
+            <a:pPr lvl="1"/>
+            <a:r>
+              <a:rPr lang="de-AT" dirty="0">
+                <a:sym typeface="Wingdings" panose="05000000000000000000" pitchFamily="2" charset="2"/>
+              </a:rPr>
+              <a:t>OT1 	 </a:t>
+            </a:r>
+            <a:r>
+              <a:rPr lang="de-AT" dirty="0" err="1">
+                <a:sym typeface="Wingdings" panose="05000000000000000000" pitchFamily="2" charset="2"/>
+              </a:rPr>
+              <a:t>Rx</a:t>
+            </a:r>
+            <a:r>
+              <a:rPr lang="de-AT" dirty="0">
+                <a:sym typeface="Wingdings" panose="05000000000000000000" pitchFamily="2" charset="2"/>
+              </a:rPr>
+              <a:t>-Pin</a:t>
+            </a:r>
+          </a:p>
+          <a:p>
+            <a:pPr lvl="1"/>
+            <a:r>
+              <a:rPr lang="de-AT" dirty="0" err="1">
+                <a:sym typeface="Wingdings" panose="05000000000000000000" pitchFamily="2" charset="2"/>
+              </a:rPr>
+              <a:t>Rx</a:t>
+            </a:r>
+            <a:r>
+              <a:rPr lang="de-AT" dirty="0">
+                <a:sym typeface="Wingdings" panose="05000000000000000000" pitchFamily="2" charset="2"/>
+              </a:rPr>
+              <a:t> 	 </a:t>
+            </a:r>
+            <a:r>
+              <a:rPr lang="de-AT" dirty="0" err="1">
+                <a:sym typeface="Wingdings" panose="05000000000000000000" pitchFamily="2" charset="2"/>
+              </a:rPr>
+              <a:t>Tx</a:t>
+            </a:r>
+            <a:r>
+              <a:rPr lang="de-AT" dirty="0">
+                <a:sym typeface="Wingdings" panose="05000000000000000000" pitchFamily="2" charset="2"/>
+              </a:rPr>
+              <a:t>-Pin</a:t>
+            </a:r>
+          </a:p>
+          <a:p>
+            <a:pPr lvl="1"/>
+            <a:r>
+              <a:rPr lang="de-AT" dirty="0">
+                <a:sym typeface="Wingdings" panose="05000000000000000000" pitchFamily="2" charset="2"/>
+              </a:rPr>
+              <a:t>OT2	 offen</a:t>
+            </a:r>
+          </a:p>
+          <a:p>
+            <a:pPr lvl="1"/>
+            <a:endParaRPr lang="de-AT" dirty="0">
+              <a:sym typeface="Wingdings" panose="05000000000000000000" pitchFamily="2" charset="2"/>
+            </a:endParaRPr>
+          </a:p>
+          <a:p>
+            <a:r>
+              <a:rPr lang="de-AT" dirty="0">
+                <a:sym typeface="Wingdings" panose="05000000000000000000" pitchFamily="2" charset="2"/>
+              </a:rPr>
+              <a:t>Baudrate  115200 (sollte eigentlich 256000 sein)</a:t>
+            </a:r>
+            <a:endParaRPr lang="de-AT" dirty="0"/>
+          </a:p>
+        </p:txBody>
+      </p:sp>
+      <p:pic>
+        <p:nvPicPr>
+          <p:cNvPr id="5" name="Grafik 4">
+            <a:extLst>
+              <a:ext uri="{FF2B5EF4-FFF2-40B4-BE49-F238E27FC236}">
+                <a16:creationId xmlns:a16="http://schemas.microsoft.com/office/drawing/2014/main" id="{F26F310D-F566-6FAC-EDC7-89DC5AF83AE8}"/>
+              </a:ext>
+            </a:extLst>
+          </p:cNvPr>
+          <p:cNvPicPr>
+            <a:picLocks noChangeAspect="1"/>
+          </p:cNvPicPr>
+          <p:nvPr/>
+        </p:nvPicPr>
+        <p:blipFill>
+          <a:blip r:embed="rId2"/>
+          <a:stretch>
+            <a:fillRect/>
+          </a:stretch>
+        </p:blipFill>
+        <p:spPr>
+          <a:xfrm rot="5400000">
+            <a:off x="4892799" y="1380009"/>
+            <a:ext cx="2486025" cy="2695575"/>
+          </a:xfrm>
+          <a:prstGeom prst="rect">
+            <a:avLst/>
+          </a:prstGeom>
+        </p:spPr>
+      </p:pic>
+    </p:spTree>
+    <p:extLst>
+      <p:ext uri="{BB962C8B-B14F-4D97-AF65-F5344CB8AC3E}">
+        <p14:creationId xmlns:p14="http://schemas.microsoft.com/office/powerpoint/2010/main" val="338012450"/>
+      </p:ext>
+    </p:extLst>
+  </p:cSld>
+  <p:clrMapOvr>
+    <a:masterClrMapping/>
+  </p:clrMapOvr>
+</p:sld>
+</file>
+
+<file path=ppt/slides/slide6.xml><?xml version="1.0" encoding="utf-8"?>
+<p:sld xmlns:a="http://schemas.openxmlformats.org/drawingml/2006/main" xmlns:r="http://schemas.openxmlformats.org/officeDocument/2006/relationships" xmlns:p="http://schemas.openxmlformats.org/presentationml/2006/main">
+  <p:cSld>
+    <p:spTree>
+      <p:nvGrpSpPr>
+        <p:cNvPr id="1" name=""/>
+        <p:cNvGrpSpPr/>
+        <p:nvPr/>
+      </p:nvGrpSpPr>
+      <p:grpSpPr>
+        <a:xfrm>
+          <a:off x="0" y="0"/>
+          <a:ext cx="0" cy="0"/>
+          <a:chOff x="0" y="0"/>
+          <a:chExt cx="0" cy="0"/>
+        </a:xfrm>
+      </p:grpSpPr>
+      <p:sp>
+        <p:nvSpPr>
+          <p:cNvPr id="2" name="Titel 1">
+            <a:extLst>
+              <a:ext uri="{FF2B5EF4-FFF2-40B4-BE49-F238E27FC236}">
+                <a16:creationId xmlns:a16="http://schemas.microsoft.com/office/drawing/2014/main" id="{A7008649-6765-B267-A35A-2893DB2A5DD2}"/>
+              </a:ext>
+            </a:extLst>
+          </p:cNvPr>
+          <p:cNvSpPr>
+            <a:spLocks noGrp="1"/>
+          </p:cNvSpPr>
+          <p:nvPr>
+            <p:ph type="title"/>
+          </p:nvPr>
+        </p:nvSpPr>
+        <p:spPr/>
+        <p:txBody>
+          <a:bodyPr/>
+          <a:lstStyle/>
+          <a:p>
+            <a:r>
+              <a:rPr lang="de-AT" dirty="0"/>
+              <a:t>LD2412</a:t>
+            </a:r>
+          </a:p>
+        </p:txBody>
+      </p:sp>
+      <p:sp>
+        <p:nvSpPr>
+          <p:cNvPr id="3" name="Textplatzhalter 2">
+            <a:extLst>
+              <a:ext uri="{FF2B5EF4-FFF2-40B4-BE49-F238E27FC236}">
+                <a16:creationId xmlns:a16="http://schemas.microsoft.com/office/drawing/2014/main" id="{E3DD3558-8E48-B5E0-FCC9-5BE46BF7F755}"/>
+              </a:ext>
+            </a:extLst>
+          </p:cNvPr>
+          <p:cNvSpPr>
+            <a:spLocks noGrp="1"/>
+          </p:cNvSpPr>
+          <p:nvPr>
+            <p:ph type="body" sz="quarter" idx="10"/>
+          </p:nvPr>
+        </p:nvSpPr>
+        <p:spPr/>
+        <p:txBody>
+          <a:bodyPr/>
+          <a:lstStyle/>
+          <a:p>
+            <a:endParaRPr lang="de-AT"/>
+          </a:p>
+        </p:txBody>
+      </p:sp>
+      <p:pic>
+        <p:nvPicPr>
+          <p:cNvPr id="7" name="Grafik 6">
+            <a:extLst>
+              <a:ext uri="{FF2B5EF4-FFF2-40B4-BE49-F238E27FC236}">
+                <a16:creationId xmlns:a16="http://schemas.microsoft.com/office/drawing/2014/main" id="{48931B39-7922-FC80-1F32-DCEF2EB57953}"/>
+              </a:ext>
+            </a:extLst>
+          </p:cNvPr>
+          <p:cNvPicPr>
+            <a:picLocks noChangeAspect="1"/>
+          </p:cNvPicPr>
+          <p:nvPr/>
+        </p:nvPicPr>
+        <p:blipFill>
+          <a:blip r:embed="rId2"/>
+          <a:stretch>
+            <a:fillRect/>
+          </a:stretch>
+        </p:blipFill>
+        <p:spPr>
+          <a:xfrm>
+            <a:off x="1187624" y="1196752"/>
+            <a:ext cx="6430293" cy="5012652"/>
+          </a:xfrm>
+          <a:prstGeom prst="rect">
+            <a:avLst/>
+          </a:prstGeom>
+        </p:spPr>
+      </p:pic>
+    </p:spTree>
+    <p:extLst>
+      <p:ext uri="{BB962C8B-B14F-4D97-AF65-F5344CB8AC3E}">
+        <p14:creationId xmlns:p14="http://schemas.microsoft.com/office/powerpoint/2010/main" val="4149521304"/>
+      </p:ext>
+    </p:extLst>
+  </p:cSld>
+  <p:clrMapOvr>
+    <a:masterClrMapping/>
+  </p:clrMapOvr>
+</p:sld>
+</file>
+
+<file path=ppt/slides/slide7.xml><?xml version="1.0" encoding="utf-8"?>
+<p:sld xmlns:a="http://schemas.openxmlformats.org/drawingml/2006/main" xmlns:r="http://schemas.openxmlformats.org/officeDocument/2006/relationships" xmlns:p="http://schemas.openxmlformats.org/presentationml/2006/main">
+  <p:cSld>
+    <p:spTree>
+      <p:nvGrpSpPr>
+        <p:cNvPr id="1" name=""/>
+        <p:cNvGrpSpPr/>
+        <p:nvPr/>
+      </p:nvGrpSpPr>
+      <p:grpSpPr>
+        <a:xfrm>
+          <a:off x="0" y="0"/>
+          <a:ext cx="0" cy="0"/>
+          <a:chOff x="0" y="0"/>
+          <a:chExt cx="0" cy="0"/>
+        </a:xfrm>
+      </p:grpSpPr>
+      <p:sp>
+        <p:nvSpPr>
+          <p:cNvPr id="2" name="Titel 1">
+            <a:extLst>
+              <a:ext uri="{FF2B5EF4-FFF2-40B4-BE49-F238E27FC236}">
+                <a16:creationId xmlns:a16="http://schemas.microsoft.com/office/drawing/2014/main" id="{64DE2D4B-C0A2-42F5-0A2D-757231C831BD}"/>
+              </a:ext>
+            </a:extLst>
+          </p:cNvPr>
+          <p:cNvSpPr>
+            <a:spLocks noGrp="1"/>
+          </p:cNvSpPr>
+          <p:nvPr>
+            <p:ph type="title"/>
+          </p:nvPr>
+        </p:nvSpPr>
+        <p:spPr/>
+        <p:txBody>
+          <a:bodyPr/>
+          <a:lstStyle/>
+          <a:p>
+            <a:r>
+              <a:rPr lang="de-AT" dirty="0"/>
+              <a:t>Radar-Bewegungsmelder LD2410B</a:t>
+            </a:r>
+          </a:p>
+        </p:txBody>
+      </p:sp>
+      <p:sp>
+        <p:nvSpPr>
+          <p:cNvPr id="3" name="Textplatzhalter 2">
+            <a:extLst>
+              <a:ext uri="{FF2B5EF4-FFF2-40B4-BE49-F238E27FC236}">
+                <a16:creationId xmlns:a16="http://schemas.microsoft.com/office/drawing/2014/main" id="{AB29D329-04FD-8AED-95A7-6781803EE9F4}"/>
+              </a:ext>
+            </a:extLst>
+          </p:cNvPr>
+          <p:cNvSpPr>
+            <a:spLocks noGrp="1"/>
+          </p:cNvSpPr>
+          <p:nvPr>
+            <p:ph type="body" sz="quarter" idx="10"/>
+          </p:nvPr>
+        </p:nvSpPr>
+        <p:spPr>
+          <a:xfrm>
+            <a:off x="468313" y="908720"/>
+            <a:ext cx="8207375" cy="4608165"/>
+          </a:xfrm>
+        </p:spPr>
+        <p:txBody>
+          <a:bodyPr/>
+          <a:lstStyle/>
+          <a:p>
+            <a:r>
+              <a:rPr lang="de-AT" dirty="0"/>
+              <a:t>Pinbelegung:</a:t>
+            </a:r>
+          </a:p>
+          <a:p>
+            <a:pPr lvl="1"/>
+            <a:r>
+              <a:rPr lang="de-AT" dirty="0"/>
+              <a:t>5V 	</a:t>
+            </a:r>
+            <a:r>
+              <a:rPr lang="de-AT" dirty="0">
+                <a:sym typeface="Wingdings" panose="05000000000000000000" pitchFamily="2" charset="2"/>
+              </a:rPr>
+              <a:t> 5V		UART </a:t>
+            </a:r>
+            <a:r>
+              <a:rPr lang="de-AT" dirty="0" err="1">
+                <a:sym typeface="Wingdings" panose="05000000000000000000" pitchFamily="2" charset="2"/>
+              </a:rPr>
+              <a:t>Rx</a:t>
+            </a:r>
+            <a:r>
+              <a:rPr lang="de-AT" dirty="0">
+                <a:sym typeface="Wingdings" panose="05000000000000000000" pitchFamily="2" charset="2"/>
+              </a:rPr>
+              <a:t>  </a:t>
+            </a:r>
+            <a:r>
+              <a:rPr lang="de-AT" dirty="0" err="1">
+                <a:sym typeface="Wingdings" panose="05000000000000000000" pitchFamily="2" charset="2"/>
+              </a:rPr>
+              <a:t>Tx</a:t>
+            </a:r>
+            <a:r>
+              <a:rPr lang="de-AT" dirty="0">
+                <a:sym typeface="Wingdings" panose="05000000000000000000" pitchFamily="2" charset="2"/>
+              </a:rPr>
+              <a:t>-Pin</a:t>
+            </a:r>
+          </a:p>
+          <a:p>
+            <a:pPr lvl="1"/>
+            <a:r>
+              <a:rPr lang="de-AT" dirty="0">
+                <a:sym typeface="Wingdings" panose="05000000000000000000" pitchFamily="2" charset="2"/>
+              </a:rPr>
+              <a:t>GND 	 GND	UART </a:t>
+            </a:r>
+            <a:r>
+              <a:rPr lang="de-AT" dirty="0" err="1">
+                <a:sym typeface="Wingdings" panose="05000000000000000000" pitchFamily="2" charset="2"/>
+              </a:rPr>
+              <a:t>Tx</a:t>
+            </a:r>
+            <a:r>
+              <a:rPr lang="de-AT" dirty="0">
+                <a:sym typeface="Wingdings" panose="05000000000000000000" pitchFamily="2" charset="2"/>
+              </a:rPr>
+              <a:t>   </a:t>
+            </a:r>
+            <a:r>
+              <a:rPr lang="de-AT" dirty="0" err="1">
+                <a:sym typeface="Wingdings" panose="05000000000000000000" pitchFamily="2" charset="2"/>
+              </a:rPr>
+              <a:t>Rx</a:t>
+            </a:r>
+            <a:r>
+              <a:rPr lang="de-AT" dirty="0">
+                <a:sym typeface="Wingdings" panose="05000000000000000000" pitchFamily="2" charset="2"/>
+              </a:rPr>
+              <a:t>-Pin</a:t>
+            </a:r>
+          </a:p>
+          <a:p>
+            <a:pPr lvl="1"/>
+            <a:r>
+              <a:rPr lang="de-AT" dirty="0">
+                <a:sym typeface="Wingdings" panose="05000000000000000000" pitchFamily="2" charset="2"/>
+              </a:rPr>
+              <a:t>OUT	 offen</a:t>
+            </a:r>
+          </a:p>
+          <a:p>
+            <a:endParaRPr lang="de-AT" dirty="0"/>
+          </a:p>
+        </p:txBody>
+      </p:sp>
+      <p:pic>
+        <p:nvPicPr>
+          <p:cNvPr id="5" name="Grafik 4">
+            <a:extLst>
+              <a:ext uri="{FF2B5EF4-FFF2-40B4-BE49-F238E27FC236}">
+                <a16:creationId xmlns:a16="http://schemas.microsoft.com/office/drawing/2014/main" id="{64FD45FE-2276-1EF0-BC68-20BD198B8490}"/>
+              </a:ext>
+            </a:extLst>
+          </p:cNvPr>
+          <p:cNvPicPr>
+            <a:picLocks noChangeAspect="1"/>
+          </p:cNvPicPr>
+          <p:nvPr/>
+        </p:nvPicPr>
+        <p:blipFill>
+          <a:blip r:embed="rId2"/>
+          <a:stretch>
+            <a:fillRect/>
+          </a:stretch>
+        </p:blipFill>
+        <p:spPr>
+          <a:xfrm>
+            <a:off x="828675" y="2924944"/>
+            <a:ext cx="7486650" cy="3276600"/>
+          </a:xfrm>
+          <a:prstGeom prst="rect">
+            <a:avLst/>
+          </a:prstGeom>
+        </p:spPr>
+      </p:pic>
+    </p:spTree>
+    <p:extLst>
+      <p:ext uri="{BB962C8B-B14F-4D97-AF65-F5344CB8AC3E}">
+        <p14:creationId xmlns:p14="http://schemas.microsoft.com/office/powerpoint/2010/main" val="2970500059"/>
+      </p:ext>
+    </p:extLst>
+  </p:cSld>
+  <p:clrMapOvr>
+    <a:masterClrMapping/>
+  </p:clrMapOvr>
+</p:sld>
+</file>
+
+<file path=ppt/slides/slide8.xml><?xml version="1.0" encoding="utf-8"?>
+<p:sld xmlns:a="http://schemas.openxmlformats.org/drawingml/2006/main" xmlns:r="http://schemas.openxmlformats.org/officeDocument/2006/relationships" xmlns:p="http://schemas.openxmlformats.org/presentationml/2006/main">
+  <p:cSld>
+    <p:spTree>
+      <p:nvGrpSpPr>
+        <p:cNvPr id="1" name=""/>
+        <p:cNvGrpSpPr/>
+        <p:nvPr/>
+      </p:nvGrpSpPr>
+      <p:grpSpPr>
+        <a:xfrm>
+          <a:off x="0" y="0"/>
+          <a:ext cx="0" cy="0"/>
+          <a:chOff x="0" y="0"/>
+          <a:chExt cx="0" cy="0"/>
+        </a:xfrm>
+      </p:grpSpPr>
+      <p:sp>
+        <p:nvSpPr>
+          <p:cNvPr id="2" name="Titel 1">
+            <a:extLst>
+              <a:ext uri="{FF2B5EF4-FFF2-40B4-BE49-F238E27FC236}">
+                <a16:creationId xmlns:a16="http://schemas.microsoft.com/office/drawing/2014/main" id="{A0F9B6A2-CD38-967D-3BFF-CA09DA7C5473}"/>
+              </a:ext>
+            </a:extLst>
+          </p:cNvPr>
+          <p:cNvSpPr>
+            <a:spLocks noGrp="1"/>
+          </p:cNvSpPr>
+          <p:nvPr>
+            <p:ph type="title"/>
+          </p:nvPr>
+        </p:nvSpPr>
+        <p:spPr/>
+        <p:txBody>
+          <a:bodyPr/>
+          <a:lstStyle/>
+          <a:p>
+            <a:r>
+              <a:rPr lang="de-AT" dirty="0"/>
+              <a:t>Extrem konfigurierbar</a:t>
+            </a:r>
+          </a:p>
+        </p:txBody>
+      </p:sp>
+      <p:sp>
+        <p:nvSpPr>
+          <p:cNvPr id="3" name="Textplatzhalter 2">
+            <a:extLst>
+              <a:ext uri="{FF2B5EF4-FFF2-40B4-BE49-F238E27FC236}">
+                <a16:creationId xmlns:a16="http://schemas.microsoft.com/office/drawing/2014/main" id="{0923AA47-8993-3652-B140-42507A99762D}"/>
+              </a:ext>
+            </a:extLst>
+          </p:cNvPr>
+          <p:cNvSpPr>
+            <a:spLocks noGrp="1"/>
+          </p:cNvSpPr>
+          <p:nvPr>
+            <p:ph type="body" sz="quarter" idx="10"/>
+          </p:nvPr>
+        </p:nvSpPr>
+        <p:spPr/>
+        <p:txBody>
+          <a:bodyPr/>
+          <a:lstStyle/>
+          <a:p>
+            <a:endParaRPr lang="de-AT"/>
+          </a:p>
+        </p:txBody>
+      </p:sp>
+      <p:pic>
+        <p:nvPicPr>
+          <p:cNvPr id="5" name="Grafik 4">
+            <a:extLst>
+              <a:ext uri="{FF2B5EF4-FFF2-40B4-BE49-F238E27FC236}">
+                <a16:creationId xmlns:a16="http://schemas.microsoft.com/office/drawing/2014/main" id="{30C9B73C-1B59-9A67-E7E0-583DD7206CA4}"/>
+              </a:ext>
+            </a:extLst>
+          </p:cNvPr>
+          <p:cNvPicPr>
+            <a:picLocks noChangeAspect="1"/>
+          </p:cNvPicPr>
+          <p:nvPr/>
+        </p:nvPicPr>
+        <p:blipFill>
+          <a:blip r:embed="rId2"/>
+          <a:stretch>
+            <a:fillRect/>
+          </a:stretch>
+        </p:blipFill>
+        <p:spPr>
+          <a:xfrm>
+            <a:off x="341784" y="1004270"/>
+            <a:ext cx="8460432" cy="5137144"/>
+          </a:xfrm>
+          <a:prstGeom prst="rect">
+            <a:avLst/>
+          </a:prstGeom>
+        </p:spPr>
+      </p:pic>
+    </p:spTree>
+    <p:extLst>
+      <p:ext uri="{BB962C8B-B14F-4D97-AF65-F5344CB8AC3E}">
+        <p14:creationId xmlns:p14="http://schemas.microsoft.com/office/powerpoint/2010/main" val="1092509814"/>
+      </p:ext>
+    </p:extLst>
+  </p:cSld>
+  <p:clrMapOvr>
+    <a:masterClrMapping/>
+  </p:clrMapOvr>
+</p:sld>
+</file>
+
+<file path=ppt/slides/slide9.xml><?xml version="1.0" encoding="utf-8"?>
+<p:sld xmlns:a="http://schemas.openxmlformats.org/drawingml/2006/main" xmlns:r="http://schemas.openxmlformats.org/officeDocument/2006/relationships" xmlns:p="http://schemas.openxmlformats.org/presentationml/2006/main">
+  <p:cSld>
+    <p:spTree>
+      <p:nvGrpSpPr>
+        <p:cNvPr id="1" name=""/>
+        <p:cNvGrpSpPr/>
+        <p:nvPr/>
+      </p:nvGrpSpPr>
+      <p:grpSpPr>
+        <a:xfrm>
+          <a:off x="0" y="0"/>
+          <a:ext cx="0" cy="0"/>
+          <a:chOff x="0" y="0"/>
+          <a:chExt cx="0" cy="0"/>
+        </a:xfrm>
+      </p:grpSpPr>
+      <p:sp>
+        <p:nvSpPr>
+          <p:cNvPr id="2" name="Titel 1">
+            <a:extLst>
+              <a:ext uri="{FF2B5EF4-FFF2-40B4-BE49-F238E27FC236}">
+                <a16:creationId xmlns:a16="http://schemas.microsoft.com/office/drawing/2014/main" id="{81F72350-18C3-DBCD-F739-EF757B000867}"/>
+              </a:ext>
+            </a:extLst>
+          </p:cNvPr>
+          <p:cNvSpPr>
+            <a:spLocks noGrp="1"/>
+          </p:cNvSpPr>
+          <p:nvPr>
+            <p:ph type="title"/>
+          </p:nvPr>
+        </p:nvSpPr>
+        <p:spPr/>
+        <p:txBody>
+          <a:bodyPr/>
+          <a:lstStyle/>
+          <a:p>
+            <a:r>
+              <a:rPr lang="de-AT" dirty="0"/>
+              <a:t>LED-Modul</a:t>
+            </a:r>
+          </a:p>
+        </p:txBody>
+      </p:sp>
+      <p:sp>
+        <p:nvSpPr>
+          <p:cNvPr id="3" name="Textplatzhalter 2">
+            <a:extLst>
+              <a:ext uri="{FF2B5EF4-FFF2-40B4-BE49-F238E27FC236}">
+                <a16:creationId xmlns:a16="http://schemas.microsoft.com/office/drawing/2014/main" id="{A502C1C9-325F-EE9E-A499-B0F0B44529E6}"/>
+              </a:ext>
+            </a:extLst>
+          </p:cNvPr>
+          <p:cNvSpPr>
+            <a:spLocks noGrp="1"/>
+          </p:cNvSpPr>
+          <p:nvPr>
+            <p:ph type="body" sz="quarter" idx="10"/>
+          </p:nvPr>
+        </p:nvSpPr>
+        <p:spPr/>
+        <p:txBody>
+          <a:bodyPr/>
+          <a:lstStyle/>
+          <a:p>
+            <a:r>
+              <a:rPr lang="de-AT" sz="2400" dirty="0"/>
+              <a:t>- </a:t>
+            </a:r>
+            <a:r>
+              <a:rPr lang="de-AT" sz="2400" dirty="0">
+                <a:sym typeface="Wingdings" panose="05000000000000000000" pitchFamily="2" charset="2"/>
+              </a:rPr>
+              <a:t> GND, G  GPIO17, R  GPIO18, B  GPIO19</a:t>
+            </a:r>
+            <a:endParaRPr lang="de-AT" sz="2400" dirty="0"/>
+          </a:p>
+        </p:txBody>
+      </p:sp>
+      <p:pic>
+        <p:nvPicPr>
+          <p:cNvPr id="5" name="Grafik 4">
+            <a:extLst>
+              <a:ext uri="{FF2B5EF4-FFF2-40B4-BE49-F238E27FC236}">
+                <a16:creationId xmlns:a16="http://schemas.microsoft.com/office/drawing/2014/main" id="{CE73B5DA-3032-7C1A-9385-80E5F17E31A7}"/>
+              </a:ext>
+            </a:extLst>
+          </p:cNvPr>
+          <p:cNvPicPr>
+            <a:picLocks noChangeAspect="1"/>
+          </p:cNvPicPr>
+          <p:nvPr/>
+        </p:nvPicPr>
+        <p:blipFill>
+          <a:blip r:embed="rId2"/>
+          <a:stretch>
+            <a:fillRect/>
+          </a:stretch>
+        </p:blipFill>
+        <p:spPr>
+          <a:xfrm>
+            <a:off x="1907704" y="2348880"/>
+            <a:ext cx="5114925" cy="4171950"/>
+          </a:xfrm>
+          <a:prstGeom prst="rect">
+            <a:avLst/>
+          </a:prstGeom>
+        </p:spPr>
+      </p:pic>
+    </p:spTree>
+    <p:extLst>
+      <p:ext uri="{BB962C8B-B14F-4D97-AF65-F5344CB8AC3E}">
+        <p14:creationId xmlns:p14="http://schemas.microsoft.com/office/powerpoint/2010/main" val="1974185882"/>
       </p:ext>
     </p:extLst>
   </p:cSld>
